--- a/img/bookmark.pptx
+++ b/img/bookmark.pptx
@@ -107,6 +107,14 @@
       </a:defRPr>
     </a:lvl9pPr>
   </p:defaultTextStyle>
+  <p:extLst>
+    <p:ext uri="{EFAFB233-063F-42B5-8137-9DF3F51BA10A}">
+      <p15:sldGuideLst xmlns:p15="http://schemas.microsoft.com/office/powerpoint/2012/main"/>
+    </p:ext>
+    <p:ext uri="{2D200454-40CA-4A62-9FC3-DE9A4176ACB9}">
+      <p15:notesGuideLst xmlns:p15="http://schemas.microsoft.com/office/powerpoint/2012/main"/>
+    </p:ext>
+  </p:extLst>
 </p:presentation>
 </file>
 
@@ -192,7 +200,7 @@
           <a:p>
             <a:fld id="{46F07AF3-871D-6C4A-8794-EA70F00191D8}" type="datetimeFigureOut">
               <a:rPr lang="en-US" smtClean="0"/>
-              <a:t>4/19/16</a:t>
+              <a:t>4/19/2016</a:t>
             </a:fld>
             <a:endParaRPr lang="en-US"/>
           </a:p>
@@ -256,38 +264,37 @@
           <a:p>
             <a:pPr lvl="0"/>
             <a:r>
-              <a:rPr lang="en-US" smtClean="0"/>
+              <a:rPr lang="en-US"/>
               <a:t>Click to edit Master text styles</a:t>
             </a:r>
           </a:p>
           <a:p>
             <a:pPr lvl="1"/>
             <a:r>
-              <a:rPr lang="en-US" smtClean="0"/>
+              <a:rPr lang="en-US"/>
               <a:t>Second level</a:t>
             </a:r>
           </a:p>
           <a:p>
             <a:pPr lvl="2"/>
             <a:r>
-              <a:rPr lang="en-US" smtClean="0"/>
+              <a:rPr lang="en-US"/>
               <a:t>Third level</a:t>
             </a:r>
           </a:p>
           <a:p>
             <a:pPr lvl="3"/>
             <a:r>
-              <a:rPr lang="en-US" smtClean="0"/>
+              <a:rPr lang="en-US"/>
               <a:t>Fourth level</a:t>
             </a:r>
           </a:p>
           <a:p>
             <a:pPr lvl="4"/>
             <a:r>
-              <a:rPr lang="en-US" smtClean="0"/>
+              <a:rPr lang="en-US"/>
               <a:t>Fifth level</a:t>
             </a:r>
-            <a:endParaRPr lang="en-US"/>
           </a:p>
         </p:txBody>
       </p:sp>
@@ -586,10 +593,9 @@
           </a:lstStyle>
           <a:p>
             <a:r>
-              <a:rPr lang="en-US" smtClean="0"/>
+              <a:rPr lang="en-US"/>
               <a:t>Click to edit Master title style</a:t>
             </a:r>
-            <a:endParaRPr lang="en-US"/>
           </a:p>
         </p:txBody>
       </p:sp>
@@ -651,10 +657,9 @@
           </a:lstStyle>
           <a:p>
             <a:r>
-              <a:rPr lang="en-US" smtClean="0"/>
+              <a:rPr lang="en-US"/>
               <a:t>Click to edit Master subtitle style</a:t>
             </a:r>
-            <a:endParaRPr lang="en-US"/>
           </a:p>
         </p:txBody>
       </p:sp>
@@ -675,7 +680,7 @@
           <a:p>
             <a:fld id="{B540673F-1357-9443-ADCA-90B5455D5376}" type="datetimeFigureOut">
               <a:rPr lang="en-US" smtClean="0"/>
-              <a:t>4/19/16</a:t>
+              <a:t>4/19/2016</a:t>
             </a:fld>
             <a:endParaRPr lang="en-US"/>
           </a:p>
@@ -769,10 +774,9 @@
           <a:lstStyle/>
           <a:p>
             <a:r>
-              <a:rPr lang="en-US" smtClean="0"/>
+              <a:rPr lang="en-US"/>
               <a:t>Click to edit Master title style</a:t>
             </a:r>
-            <a:endParaRPr lang="en-US"/>
           </a:p>
         </p:txBody>
       </p:sp>
@@ -793,38 +797,37 @@
           <a:p>
             <a:pPr lvl="0"/>
             <a:r>
-              <a:rPr lang="en-US" smtClean="0"/>
+              <a:rPr lang="en-US"/>
               <a:t>Click to edit Master text styles</a:t>
             </a:r>
           </a:p>
           <a:p>
             <a:pPr lvl="1"/>
             <a:r>
-              <a:rPr lang="en-US" smtClean="0"/>
+              <a:rPr lang="en-US"/>
               <a:t>Second level</a:t>
             </a:r>
           </a:p>
           <a:p>
             <a:pPr lvl="2"/>
             <a:r>
-              <a:rPr lang="en-US" smtClean="0"/>
+              <a:rPr lang="en-US"/>
               <a:t>Third level</a:t>
             </a:r>
           </a:p>
           <a:p>
             <a:pPr lvl="3"/>
             <a:r>
-              <a:rPr lang="en-US" smtClean="0"/>
+              <a:rPr lang="en-US"/>
               <a:t>Fourth level</a:t>
             </a:r>
           </a:p>
           <a:p>
             <a:pPr lvl="4"/>
             <a:r>
-              <a:rPr lang="en-US" smtClean="0"/>
+              <a:rPr lang="en-US"/>
               <a:t>Fifth level</a:t>
             </a:r>
-            <a:endParaRPr lang="en-US"/>
           </a:p>
         </p:txBody>
       </p:sp>
@@ -845,7 +848,7 @@
           <a:p>
             <a:fld id="{B540673F-1357-9443-ADCA-90B5455D5376}" type="datetimeFigureOut">
               <a:rPr lang="en-US" smtClean="0"/>
-              <a:t>4/19/16</a:t>
+              <a:t>4/19/2016</a:t>
             </a:fld>
             <a:endParaRPr lang="en-US"/>
           </a:p>
@@ -944,10 +947,9 @@
           <a:lstStyle/>
           <a:p>
             <a:r>
-              <a:rPr lang="en-US" smtClean="0"/>
+              <a:rPr lang="en-US"/>
               <a:t>Click to edit Master title style</a:t>
             </a:r>
-            <a:endParaRPr lang="en-US"/>
           </a:p>
         </p:txBody>
       </p:sp>
@@ -973,38 +975,37 @@
           <a:p>
             <a:pPr lvl="0"/>
             <a:r>
-              <a:rPr lang="en-US" smtClean="0"/>
+              <a:rPr lang="en-US"/>
               <a:t>Click to edit Master text styles</a:t>
             </a:r>
           </a:p>
           <a:p>
             <a:pPr lvl="1"/>
             <a:r>
-              <a:rPr lang="en-US" smtClean="0"/>
+              <a:rPr lang="en-US"/>
               <a:t>Second level</a:t>
             </a:r>
           </a:p>
           <a:p>
             <a:pPr lvl="2"/>
             <a:r>
-              <a:rPr lang="en-US" smtClean="0"/>
+              <a:rPr lang="en-US"/>
               <a:t>Third level</a:t>
             </a:r>
           </a:p>
           <a:p>
             <a:pPr lvl="3"/>
             <a:r>
-              <a:rPr lang="en-US" smtClean="0"/>
+              <a:rPr lang="en-US"/>
               <a:t>Fourth level</a:t>
             </a:r>
           </a:p>
           <a:p>
             <a:pPr lvl="4"/>
             <a:r>
-              <a:rPr lang="en-US" smtClean="0"/>
+              <a:rPr lang="en-US"/>
               <a:t>Fifth level</a:t>
             </a:r>
-            <a:endParaRPr lang="en-US"/>
           </a:p>
         </p:txBody>
       </p:sp>
@@ -1025,7 +1026,7 @@
           <a:p>
             <a:fld id="{B540673F-1357-9443-ADCA-90B5455D5376}" type="datetimeFigureOut">
               <a:rPr lang="en-US" smtClean="0"/>
-              <a:t>4/19/16</a:t>
+              <a:t>4/19/2016</a:t>
             </a:fld>
             <a:endParaRPr lang="en-US"/>
           </a:p>
@@ -1119,10 +1120,9 @@
           <a:lstStyle/>
           <a:p>
             <a:r>
-              <a:rPr lang="en-US" smtClean="0"/>
+              <a:rPr lang="en-US"/>
               <a:t>Click to edit Master title style</a:t>
             </a:r>
-            <a:endParaRPr lang="en-US"/>
           </a:p>
         </p:txBody>
       </p:sp>
@@ -1143,38 +1143,37 @@
           <a:p>
             <a:pPr lvl="0"/>
             <a:r>
-              <a:rPr lang="en-US" smtClean="0"/>
+              <a:rPr lang="en-US"/>
               <a:t>Click to edit Master text styles</a:t>
             </a:r>
           </a:p>
           <a:p>
             <a:pPr lvl="1"/>
             <a:r>
-              <a:rPr lang="en-US" smtClean="0"/>
+              <a:rPr lang="en-US"/>
               <a:t>Second level</a:t>
             </a:r>
           </a:p>
           <a:p>
             <a:pPr lvl="2"/>
             <a:r>
-              <a:rPr lang="en-US" smtClean="0"/>
+              <a:rPr lang="en-US"/>
               <a:t>Third level</a:t>
             </a:r>
           </a:p>
           <a:p>
             <a:pPr lvl="3"/>
             <a:r>
-              <a:rPr lang="en-US" smtClean="0"/>
+              <a:rPr lang="en-US"/>
               <a:t>Fourth level</a:t>
             </a:r>
           </a:p>
           <a:p>
             <a:pPr lvl="4"/>
             <a:r>
-              <a:rPr lang="en-US" smtClean="0"/>
+              <a:rPr lang="en-US"/>
               <a:t>Fifth level</a:t>
             </a:r>
-            <a:endParaRPr lang="en-US"/>
           </a:p>
         </p:txBody>
       </p:sp>
@@ -1195,7 +1194,7 @@
           <a:p>
             <a:fld id="{B540673F-1357-9443-ADCA-90B5455D5376}" type="datetimeFigureOut">
               <a:rPr lang="en-US" smtClean="0"/>
-              <a:t>4/19/16</a:t>
+              <a:t>4/19/2016</a:t>
             </a:fld>
             <a:endParaRPr lang="en-US"/>
           </a:p>
@@ -1298,10 +1297,9 @@
           </a:lstStyle>
           <a:p>
             <a:r>
-              <a:rPr lang="en-US" smtClean="0"/>
+              <a:rPr lang="en-US"/>
               <a:t>Click to edit Master title style</a:t>
             </a:r>
-            <a:endParaRPr lang="en-US"/>
           </a:p>
         </p:txBody>
       </p:sp>
@@ -1418,7 +1416,7 @@
           <a:p>
             <a:pPr lvl="0"/>
             <a:r>
-              <a:rPr lang="en-US" smtClean="0"/>
+              <a:rPr lang="en-US"/>
               <a:t>Click to edit Master text styles</a:t>
             </a:r>
           </a:p>
@@ -1441,7 +1439,7 @@
           <a:p>
             <a:fld id="{B540673F-1357-9443-ADCA-90B5455D5376}" type="datetimeFigureOut">
               <a:rPr lang="en-US" smtClean="0"/>
-              <a:t>4/19/16</a:t>
+              <a:t>4/19/2016</a:t>
             </a:fld>
             <a:endParaRPr lang="en-US"/>
           </a:p>
@@ -1535,10 +1533,9 @@
           <a:lstStyle/>
           <a:p>
             <a:r>
-              <a:rPr lang="en-US" smtClean="0"/>
+              <a:rPr lang="en-US"/>
               <a:t>Click to edit Master title style</a:t>
             </a:r>
-            <a:endParaRPr lang="en-US"/>
           </a:p>
         </p:txBody>
       </p:sp>
@@ -1564,38 +1561,37 @@
           <a:p>
             <a:pPr lvl="0"/>
             <a:r>
-              <a:rPr lang="en-US" smtClean="0"/>
+              <a:rPr lang="en-US"/>
               <a:t>Click to edit Master text styles</a:t>
             </a:r>
           </a:p>
           <a:p>
             <a:pPr lvl="1"/>
             <a:r>
-              <a:rPr lang="en-US" smtClean="0"/>
+              <a:rPr lang="en-US"/>
               <a:t>Second level</a:t>
             </a:r>
           </a:p>
           <a:p>
             <a:pPr lvl="2"/>
             <a:r>
-              <a:rPr lang="en-US" smtClean="0"/>
+              <a:rPr lang="en-US"/>
               <a:t>Third level</a:t>
             </a:r>
           </a:p>
           <a:p>
             <a:pPr lvl="3"/>
             <a:r>
-              <a:rPr lang="en-US" smtClean="0"/>
+              <a:rPr lang="en-US"/>
               <a:t>Fourth level</a:t>
             </a:r>
           </a:p>
           <a:p>
             <a:pPr lvl="4"/>
             <a:r>
-              <a:rPr lang="en-US" smtClean="0"/>
+              <a:rPr lang="en-US"/>
               <a:t>Fifth level</a:t>
             </a:r>
-            <a:endParaRPr lang="en-US"/>
           </a:p>
         </p:txBody>
       </p:sp>
@@ -1621,38 +1617,37 @@
           <a:p>
             <a:pPr lvl="0"/>
             <a:r>
-              <a:rPr lang="en-US" smtClean="0"/>
+              <a:rPr lang="en-US"/>
               <a:t>Click to edit Master text styles</a:t>
             </a:r>
           </a:p>
           <a:p>
             <a:pPr lvl="1"/>
             <a:r>
-              <a:rPr lang="en-US" smtClean="0"/>
+              <a:rPr lang="en-US"/>
               <a:t>Second level</a:t>
             </a:r>
           </a:p>
           <a:p>
             <a:pPr lvl="2"/>
             <a:r>
-              <a:rPr lang="en-US" smtClean="0"/>
+              <a:rPr lang="en-US"/>
               <a:t>Third level</a:t>
             </a:r>
           </a:p>
           <a:p>
             <a:pPr lvl="3"/>
             <a:r>
-              <a:rPr lang="en-US" smtClean="0"/>
+              <a:rPr lang="en-US"/>
               <a:t>Fourth level</a:t>
             </a:r>
           </a:p>
           <a:p>
             <a:pPr lvl="4"/>
             <a:r>
-              <a:rPr lang="en-US" smtClean="0"/>
+              <a:rPr lang="en-US"/>
               <a:t>Fifth level</a:t>
             </a:r>
-            <a:endParaRPr lang="en-US"/>
           </a:p>
         </p:txBody>
       </p:sp>
@@ -1673,7 +1668,7 @@
           <a:p>
             <a:fld id="{B540673F-1357-9443-ADCA-90B5455D5376}" type="datetimeFigureOut">
               <a:rPr lang="en-US" smtClean="0"/>
-              <a:t>4/19/16</a:t>
+              <a:t>4/19/2016</a:t>
             </a:fld>
             <a:endParaRPr lang="en-US"/>
           </a:p>
@@ -1772,10 +1767,9 @@
           <a:lstStyle/>
           <a:p>
             <a:r>
-              <a:rPr lang="en-US" smtClean="0"/>
+              <a:rPr lang="en-US"/>
               <a:t>Click to edit Master title style</a:t>
             </a:r>
-            <a:endParaRPr lang="en-US"/>
           </a:p>
         </p:txBody>
       </p:sp>
@@ -1838,7 +1832,7 @@
           <a:p>
             <a:pPr lvl="0"/>
             <a:r>
-              <a:rPr lang="en-US" smtClean="0"/>
+              <a:rPr lang="en-US"/>
               <a:t>Click to edit Master text styles</a:t>
             </a:r>
           </a:p>
@@ -1866,38 +1860,37 @@
           <a:p>
             <a:pPr lvl="0"/>
             <a:r>
-              <a:rPr lang="en-US" smtClean="0"/>
+              <a:rPr lang="en-US"/>
               <a:t>Click to edit Master text styles</a:t>
             </a:r>
           </a:p>
           <a:p>
             <a:pPr lvl="1"/>
             <a:r>
-              <a:rPr lang="en-US" smtClean="0"/>
+              <a:rPr lang="en-US"/>
               <a:t>Second level</a:t>
             </a:r>
           </a:p>
           <a:p>
             <a:pPr lvl="2"/>
             <a:r>
-              <a:rPr lang="en-US" smtClean="0"/>
+              <a:rPr lang="en-US"/>
               <a:t>Third level</a:t>
             </a:r>
           </a:p>
           <a:p>
             <a:pPr lvl="3"/>
             <a:r>
-              <a:rPr lang="en-US" smtClean="0"/>
+              <a:rPr lang="en-US"/>
               <a:t>Fourth level</a:t>
             </a:r>
           </a:p>
           <a:p>
             <a:pPr lvl="4"/>
             <a:r>
-              <a:rPr lang="en-US" smtClean="0"/>
+              <a:rPr lang="en-US"/>
               <a:t>Fifth level</a:t>
             </a:r>
-            <a:endParaRPr lang="en-US"/>
           </a:p>
         </p:txBody>
       </p:sp>
@@ -1960,7 +1953,7 @@
           <a:p>
             <a:pPr lvl="0"/>
             <a:r>
-              <a:rPr lang="en-US" smtClean="0"/>
+              <a:rPr lang="en-US"/>
               <a:t>Click to edit Master text styles</a:t>
             </a:r>
           </a:p>
@@ -1988,38 +1981,37 @@
           <a:p>
             <a:pPr lvl="0"/>
             <a:r>
-              <a:rPr lang="en-US" smtClean="0"/>
+              <a:rPr lang="en-US"/>
               <a:t>Click to edit Master text styles</a:t>
             </a:r>
           </a:p>
           <a:p>
             <a:pPr lvl="1"/>
             <a:r>
-              <a:rPr lang="en-US" smtClean="0"/>
+              <a:rPr lang="en-US"/>
               <a:t>Second level</a:t>
             </a:r>
           </a:p>
           <a:p>
             <a:pPr lvl="2"/>
             <a:r>
-              <a:rPr lang="en-US" smtClean="0"/>
+              <a:rPr lang="en-US"/>
               <a:t>Third level</a:t>
             </a:r>
           </a:p>
           <a:p>
             <a:pPr lvl="3"/>
             <a:r>
-              <a:rPr lang="en-US" smtClean="0"/>
+              <a:rPr lang="en-US"/>
               <a:t>Fourth level</a:t>
             </a:r>
           </a:p>
           <a:p>
             <a:pPr lvl="4"/>
             <a:r>
-              <a:rPr lang="en-US" smtClean="0"/>
+              <a:rPr lang="en-US"/>
               <a:t>Fifth level</a:t>
             </a:r>
-            <a:endParaRPr lang="en-US"/>
           </a:p>
         </p:txBody>
       </p:sp>
@@ -2040,7 +2032,7 @@
           <a:p>
             <a:fld id="{B540673F-1357-9443-ADCA-90B5455D5376}" type="datetimeFigureOut">
               <a:rPr lang="en-US" smtClean="0"/>
-              <a:t>4/19/16</a:t>
+              <a:t>4/19/2016</a:t>
             </a:fld>
             <a:endParaRPr lang="en-US"/>
           </a:p>
@@ -2134,10 +2126,9 @@
           <a:lstStyle/>
           <a:p>
             <a:r>
-              <a:rPr lang="en-US" smtClean="0"/>
+              <a:rPr lang="en-US"/>
               <a:t>Click to edit Master title style</a:t>
             </a:r>
-            <a:endParaRPr lang="en-US"/>
           </a:p>
         </p:txBody>
       </p:sp>
@@ -2158,7 +2149,7 @@
           <a:p>
             <a:fld id="{B540673F-1357-9443-ADCA-90B5455D5376}" type="datetimeFigureOut">
               <a:rPr lang="en-US" smtClean="0"/>
-              <a:t>4/19/16</a:t>
+              <a:t>4/19/2016</a:t>
             </a:fld>
             <a:endParaRPr lang="en-US"/>
           </a:p>
@@ -2253,7 +2244,7 @@
           <a:p>
             <a:fld id="{B540673F-1357-9443-ADCA-90B5455D5376}" type="datetimeFigureOut">
               <a:rPr lang="en-US" smtClean="0"/>
-              <a:t>4/19/16</a:t>
+              <a:t>4/19/2016</a:t>
             </a:fld>
             <a:endParaRPr lang="en-US"/>
           </a:p>
@@ -2356,10 +2347,9 @@
           </a:lstStyle>
           <a:p>
             <a:r>
-              <a:rPr lang="en-US" smtClean="0"/>
+              <a:rPr lang="en-US"/>
               <a:t>Click to edit Master title style</a:t>
             </a:r>
-            <a:endParaRPr lang="en-US"/>
           </a:p>
         </p:txBody>
       </p:sp>
@@ -2413,38 +2403,37 @@
           <a:p>
             <a:pPr lvl="0"/>
             <a:r>
-              <a:rPr lang="en-US" smtClean="0"/>
+              <a:rPr lang="en-US"/>
               <a:t>Click to edit Master text styles</a:t>
             </a:r>
           </a:p>
           <a:p>
             <a:pPr lvl="1"/>
             <a:r>
-              <a:rPr lang="en-US" smtClean="0"/>
+              <a:rPr lang="en-US"/>
               <a:t>Second level</a:t>
             </a:r>
           </a:p>
           <a:p>
             <a:pPr lvl="2"/>
             <a:r>
-              <a:rPr lang="en-US" smtClean="0"/>
+              <a:rPr lang="en-US"/>
               <a:t>Third level</a:t>
             </a:r>
           </a:p>
           <a:p>
             <a:pPr lvl="3"/>
             <a:r>
-              <a:rPr lang="en-US" smtClean="0"/>
+              <a:rPr lang="en-US"/>
               <a:t>Fourth level</a:t>
             </a:r>
           </a:p>
           <a:p>
             <a:pPr lvl="4"/>
             <a:r>
-              <a:rPr lang="en-US" smtClean="0"/>
+              <a:rPr lang="en-US"/>
               <a:t>Fifth level</a:t>
             </a:r>
-            <a:endParaRPr lang="en-US"/>
           </a:p>
         </p:txBody>
       </p:sp>
@@ -2507,7 +2496,7 @@
           <a:p>
             <a:pPr lvl="0"/>
             <a:r>
-              <a:rPr lang="en-US" smtClean="0"/>
+              <a:rPr lang="en-US"/>
               <a:t>Click to edit Master text styles</a:t>
             </a:r>
           </a:p>
@@ -2530,7 +2519,7 @@
           <a:p>
             <a:fld id="{B540673F-1357-9443-ADCA-90B5455D5376}" type="datetimeFigureOut">
               <a:rPr lang="en-US" smtClean="0"/>
-              <a:t>4/19/16</a:t>
+              <a:t>4/19/2016</a:t>
             </a:fld>
             <a:endParaRPr lang="en-US"/>
           </a:p>
@@ -2633,10 +2622,9 @@
           </a:lstStyle>
           <a:p>
             <a:r>
-              <a:rPr lang="en-US" smtClean="0"/>
+              <a:rPr lang="en-US"/>
               <a:t>Click to edit Master title style</a:t>
             </a:r>
-            <a:endParaRPr lang="en-US"/>
           </a:p>
         </p:txBody>
       </p:sp>
@@ -2760,7 +2748,7 @@
           <a:p>
             <a:pPr lvl="0"/>
             <a:r>
-              <a:rPr lang="en-US" smtClean="0"/>
+              <a:rPr lang="en-US"/>
               <a:t>Click to edit Master text styles</a:t>
             </a:r>
           </a:p>
@@ -2783,7 +2771,7 @@
           <a:p>
             <a:fld id="{B540673F-1357-9443-ADCA-90B5455D5376}" type="datetimeFigureOut">
               <a:rPr lang="en-US" smtClean="0"/>
-              <a:t>4/19/16</a:t>
+              <a:t>4/19/2016</a:t>
             </a:fld>
             <a:endParaRPr lang="en-US"/>
           </a:p>
@@ -2892,10 +2880,9 @@
           <a:lstStyle/>
           <a:p>
             <a:r>
-              <a:rPr lang="en-US" smtClean="0"/>
+              <a:rPr lang="en-US"/>
               <a:t>Click to edit Master title style</a:t>
             </a:r>
-            <a:endParaRPr lang="en-US"/>
           </a:p>
         </p:txBody>
       </p:sp>
@@ -2926,38 +2913,37 @@
           <a:p>
             <a:pPr lvl="0"/>
             <a:r>
-              <a:rPr lang="en-US" smtClean="0"/>
+              <a:rPr lang="en-US"/>
               <a:t>Click to edit Master text styles</a:t>
             </a:r>
           </a:p>
           <a:p>
             <a:pPr lvl="1"/>
             <a:r>
-              <a:rPr lang="en-US" smtClean="0"/>
+              <a:rPr lang="en-US"/>
               <a:t>Second level</a:t>
             </a:r>
           </a:p>
           <a:p>
             <a:pPr lvl="2"/>
             <a:r>
-              <a:rPr lang="en-US" smtClean="0"/>
+              <a:rPr lang="en-US"/>
               <a:t>Third level</a:t>
             </a:r>
           </a:p>
           <a:p>
             <a:pPr lvl="3"/>
             <a:r>
-              <a:rPr lang="en-US" smtClean="0"/>
+              <a:rPr lang="en-US"/>
               <a:t>Fourth level</a:t>
             </a:r>
           </a:p>
           <a:p>
             <a:pPr lvl="4"/>
             <a:r>
-              <a:rPr lang="en-US" smtClean="0"/>
+              <a:rPr lang="en-US"/>
               <a:t>Fifth level</a:t>
             </a:r>
-            <a:endParaRPr lang="en-US"/>
           </a:p>
         </p:txBody>
       </p:sp>
@@ -2996,7 +2982,7 @@
           <a:p>
             <a:fld id="{B540673F-1357-9443-ADCA-90B5455D5376}" type="datetimeFigureOut">
               <a:rPr lang="en-US" smtClean="0"/>
-              <a:t>4/19/16</a:t>
+              <a:t>4/19/2016</a:t>
             </a:fld>
             <a:endParaRPr lang="en-US"/>
           </a:p>
@@ -3449,7 +3435,7 @@
           </a:lstStyle>
           <a:p>
             <a:r>
-              <a:rPr lang="en-US" smtClean="0"/>
+              <a:rPr lang="en-US"/>
               <a:t> </a:t>
             </a:r>
             <a:endParaRPr lang="en-US" dirty="0"/>
@@ -3495,10 +3481,9 @@
           <a:lstStyle/>
           <a:p>
             <a:r>
-              <a:rPr lang="en-US" dirty="0" smtClean="0"/>
+              <a:rPr lang="en-US" dirty="0"/>
               <a:t> </a:t>
             </a:r>
-            <a:endParaRPr lang="en-US" dirty="0"/>
           </a:p>
         </p:txBody>
       </p:sp>
@@ -3573,18 +3558,13 @@
           <a:lstStyle/>
           <a:p>
             <a:r>
-              <a:rPr lang="en-US" sz="4400" b="1" dirty="0" smtClean="0">
+              <a:rPr lang="en-US" sz="4400" b="1" dirty="0">
                 <a:solidFill>
                   <a:schemeClr val="bg1"/>
                 </a:solidFill>
               </a:rPr>
               <a:t>@</a:t>
             </a:r>
-            <a:endParaRPr lang="en-US" sz="4400" b="1" dirty="0">
-              <a:solidFill>
-                <a:schemeClr val="bg1"/>
-              </a:solidFill>
-            </a:endParaRPr>
           </a:p>
         </p:txBody>
       </p:sp>
@@ -3648,7 +3628,7 @@
           </a:lstStyle>
           <a:p>
             <a:r>
-              <a:rPr lang="en-US" smtClean="0"/>
+              <a:rPr lang="en-US"/>
               <a:t> </a:t>
             </a:r>
             <a:endParaRPr lang="en-US" dirty="0"/>
@@ -3746,7 +3726,7 @@
           </a:lstStyle>
           <a:p>
             <a:r>
-              <a:rPr lang="en-US" smtClean="0"/>
+              <a:rPr lang="en-US"/>
               <a:t> </a:t>
             </a:r>
             <a:endParaRPr lang="en-US" dirty="0"/>
@@ -3776,20 +3756,19 @@
           <a:lstStyle/>
           <a:p>
             <a:r>
-              <a:rPr lang="en-US" sz="1200" b="1" dirty="0" smtClean="0"/>
+              <a:rPr lang="en-US" sz="1200" b="1" dirty="0"/>
               <a:t>Why become</a:t>
             </a:r>
           </a:p>
           <a:p>
             <a:r>
-              <a:rPr lang="en-US" sz="1200" b="1" dirty="0" err="1" smtClean="0"/>
+              <a:rPr lang="en-US" sz="1200" b="1" dirty="0" err="1"/>
               <a:t>you@ncstate.edu</a:t>
             </a:r>
             <a:r>
-              <a:rPr lang="en-US" sz="1200" b="1" dirty="0" smtClean="0"/>
+              <a:rPr lang="en-US" sz="1200" b="1" dirty="0"/>
               <a:t>?</a:t>
             </a:r>
-            <a:endParaRPr lang="en-US" sz="1200" b="1" dirty="0"/>
           </a:p>
         </p:txBody>
       </p:sp>
@@ -3851,21 +3830,21 @@
           <a:lstStyle/>
           <a:p>
             <a:r>
-              <a:rPr lang="en-US" sz="1000" b="1" dirty="0" smtClean="0">
+              <a:rPr lang="en-US" sz="1000" b="1" dirty="0">
                 <a:solidFill>
                   <a:srgbClr val="CD1F28"/>
                 </a:solidFill>
               </a:rPr>
-              <a:t>Active SE Faculty</a:t>
+              <a:t>Active SE faculty</a:t>
             </a:r>
             <a:br>
-              <a:rPr lang="en-US" sz="1000" b="1" dirty="0" smtClean="0">
+              <a:rPr lang="en-US" sz="1000" b="1" dirty="0">
                 <a:solidFill>
                   <a:srgbClr val="CD1F28"/>
                 </a:solidFill>
               </a:rPr>
             </a:br>
-            <a:endParaRPr lang="en-US" sz="800" b="1" dirty="0" smtClean="0">
+            <a:endParaRPr lang="en-US" sz="800" b="1" dirty="0">
               <a:solidFill>
                 <a:srgbClr val="CD1F28"/>
               </a:solidFill>
@@ -3873,55 +3852,30 @@
           </a:p>
           <a:p>
             <a:r>
-              <a:rPr lang="en-US" sz="900" dirty="0" smtClean="0"/>
-              <a:t>• </a:t>
-            </a:r>
-            <a:r>
-              <a:rPr lang="en-US" sz="900" dirty="0" smtClean="0"/>
-              <a:t>Laurie </a:t>
-            </a:r>
-            <a:r>
-              <a:rPr lang="en-US" sz="900" dirty="0" err="1" smtClean="0"/>
-              <a:t>Willliams</a:t>
-            </a:r>
-            <a:r>
-              <a:rPr lang="en-US" sz="900" dirty="0" smtClean="0"/>
-              <a:t>, Tim </a:t>
-            </a:r>
-            <a:r>
-              <a:rPr lang="en-US" sz="900" dirty="0" err="1" smtClean="0"/>
-              <a:t>Menzies</a:t>
-            </a:r>
-            <a:endParaRPr lang="en-US" sz="900" dirty="0" smtClean="0"/>
-          </a:p>
-          <a:p>
-            <a:r>
-              <a:rPr lang="en-US" sz="900" dirty="0" smtClean="0"/>
+              <a:rPr lang="en-US" sz="900" dirty="0"/>
+              <a:t>• Laurie Williams, Tim Menzies</a:t>
+            </a:r>
+          </a:p>
+          <a:p>
+            <a:r>
+              <a:rPr lang="en-US" sz="900" dirty="0"/>
               <a:t>• Emerson Murphy-Hill</a:t>
             </a:r>
           </a:p>
           <a:p>
             <a:r>
-              <a:rPr lang="en-US" sz="900" dirty="0" smtClean="0"/>
-              <a:t>• Chris </a:t>
-            </a:r>
-            <a:r>
-              <a:rPr lang="en-US" sz="900" dirty="0" err="1" smtClean="0"/>
-              <a:t>Parin</a:t>
-            </a:r>
-            <a:r>
-              <a:rPr lang="en-US" sz="900" dirty="0" smtClean="0"/>
-              <a:t>, Kathryn </a:t>
-            </a:r>
-            <a:r>
-              <a:rPr lang="en-US" sz="900" dirty="0" err="1" smtClean="0"/>
+              <a:rPr lang="en-US" sz="900" dirty="0"/>
+              <a:t>• Chris Parnin, Kathryn </a:t>
+            </a:r>
+            <a:r>
+              <a:rPr lang="en-US" sz="900" dirty="0" err="1"/>
               <a:t>Stolee</a:t>
             </a:r>
-            <a:endParaRPr lang="en-US" sz="900" dirty="0" smtClean="0"/>
-          </a:p>
-          <a:p>
-            <a:r>
-              <a:rPr lang="en-US" sz="900" dirty="0" smtClean="0"/>
+            <a:endParaRPr lang="en-US" sz="900" dirty="0"/>
+          </a:p>
+          <a:p>
+            <a:r>
+              <a:rPr lang="en-US" sz="900" dirty="0"/>
               <a:t>• Sarah Heckman, Jason King</a:t>
             </a:r>
           </a:p>
@@ -3931,7 +3885,7 @@
                 <a:spcPts val="780"/>
               </a:lnSpc>
             </a:pPr>
-            <a:endParaRPr lang="en-US" sz="900" dirty="0" smtClean="0"/>
+            <a:endParaRPr lang="en-US" sz="900" dirty="0"/>
           </a:p>
           <a:p>
             <a:pPr>
@@ -3939,7 +3893,7 @@
                 <a:spcPts val="780"/>
               </a:lnSpc>
             </a:pPr>
-            <a:endParaRPr lang="en-US" sz="900" dirty="0" smtClean="0"/>
+            <a:endParaRPr lang="en-US" sz="900" dirty="0"/>
           </a:p>
         </p:txBody>
       </p:sp>
@@ -4001,7 +3955,7 @@
           <a:lstStyle/>
           <a:p>
             <a:r>
-              <a:rPr lang="en-US" sz="1000" b="1" dirty="0" smtClean="0">
+              <a:rPr lang="en-US" sz="1000" b="1" dirty="0">
                 <a:solidFill>
                   <a:srgbClr val="CD1F28"/>
                 </a:solidFill>
@@ -4009,13 +3963,13 @@
               <a:t>Local industrial partners</a:t>
             </a:r>
             <a:br>
-              <a:rPr lang="en-US" sz="1000" b="1" dirty="0" smtClean="0">
+              <a:rPr lang="en-US" sz="1000" b="1" dirty="0">
                 <a:solidFill>
                   <a:srgbClr val="CD1F28"/>
                 </a:solidFill>
               </a:rPr>
             </a:br>
-            <a:endParaRPr lang="en-US" sz="800" b="1" dirty="0" smtClean="0">
+            <a:endParaRPr lang="en-US" sz="800" b="1" dirty="0">
               <a:solidFill>
                 <a:srgbClr val="CD1F28"/>
               </a:solidFill>
@@ -4023,42 +3977,29 @@
           </a:p>
           <a:p>
             <a:r>
-              <a:rPr lang="en-US" sz="900" dirty="0" smtClean="0"/>
-              <a:t>• </a:t>
-            </a:r>
-            <a:r>
-              <a:rPr lang="en-US" sz="900" dirty="0" smtClean="0"/>
-              <a:t>On the same campus</a:t>
+              <a:rPr lang="en-US" sz="900" dirty="0"/>
+              <a:t>• On the same campus</a:t>
             </a:r>
             <a:br>
-              <a:rPr lang="en-US" sz="900" dirty="0" smtClean="0"/>
+              <a:rPr lang="en-US" sz="900" dirty="0"/>
             </a:br>
             <a:r>
-              <a:rPr lang="en-US" sz="900" dirty="0" smtClean="0"/>
+              <a:rPr lang="en-US" sz="900" dirty="0"/>
               <a:t>        - ABB, LexisNexis,…</a:t>
             </a:r>
           </a:p>
           <a:p>
             <a:r>
-              <a:rPr lang="en-US" sz="900" dirty="0" smtClean="0"/>
-              <a:t>• Locally at Research</a:t>
-            </a:r>
-            <a:r>
               <a:rPr lang="en-US" sz="900" dirty="0"/>
-              <a:t> </a:t>
-            </a:r>
-            <a:r>
-              <a:rPr lang="en-US" sz="900" dirty="0" smtClean="0"/>
-              <a:t>Triangle</a:t>
+              <a:t>• Locally at Research Triangle</a:t>
             </a:r>
             <a:br>
-              <a:rPr lang="en-US" sz="900" dirty="0" smtClean="0"/>
+              <a:rPr lang="en-US" sz="900" dirty="0"/>
             </a:br>
             <a:r>
-              <a:rPr lang="en-US" sz="900" dirty="0" smtClean="0"/>
+              <a:rPr lang="en-US" sz="900" dirty="0"/>
               <a:t>         - IBM, CISCO, MetLife, …</a:t>
             </a:r>
-            <a:endParaRPr lang="en-US" sz="900" dirty="0" smtClean="0"/>
           </a:p>
         </p:txBody>
       </p:sp>
@@ -4120,7 +4061,7 @@
           <a:lstStyle/>
           <a:p>
             <a:r>
-              <a:rPr lang="en-US" sz="1000" b="1" dirty="0" smtClean="0">
+              <a:rPr lang="en-US" sz="1000" b="1" dirty="0">
                 <a:solidFill>
                   <a:srgbClr val="CD1F28"/>
                 </a:solidFill>
@@ -4128,13 +4069,13 @@
               <a:t>Vibrant Ph.D. community</a:t>
             </a:r>
             <a:br>
-              <a:rPr lang="en-US" sz="1000" b="1" dirty="0" smtClean="0">
+              <a:rPr lang="en-US" sz="1000" b="1" dirty="0">
                 <a:solidFill>
                   <a:srgbClr val="CD1F28"/>
                 </a:solidFill>
               </a:rPr>
             </a:br>
-            <a:endParaRPr lang="en-US" sz="800" b="1" dirty="0" smtClean="0">
+            <a:endParaRPr lang="en-US" sz="800" b="1" dirty="0">
               <a:solidFill>
                 <a:srgbClr val="CD1F28"/>
               </a:solidFill>
@@ -4142,34 +4083,29 @@
           </a:p>
           <a:p>
             <a:r>
-              <a:rPr lang="en-US" sz="900" dirty="0" smtClean="0"/>
-              <a:t>• </a:t>
-            </a:r>
-            <a:r>
-              <a:rPr lang="en-US" sz="900" dirty="0" smtClean="0"/>
-              <a:t>20+ </a:t>
-            </a:r>
-            <a:r>
-              <a:rPr lang="en-US" sz="900" dirty="0" err="1" smtClean="0"/>
+              <a:rPr lang="en-US" sz="900" dirty="0"/>
+              <a:t>• 20+ </a:t>
+            </a:r>
+            <a:r>
+              <a:rPr lang="en-US" sz="900" dirty="0" err="1"/>
               <a:t>Ph.D.s</a:t>
             </a:r>
             <a:r>
-              <a:rPr lang="en-US" sz="900" dirty="0" smtClean="0"/>
+              <a:rPr lang="en-US" sz="900" dirty="0"/>
               <a:t> in SE</a:t>
             </a:r>
           </a:p>
           <a:p>
             <a:r>
-              <a:rPr lang="en-US" sz="900" dirty="0" smtClean="0"/>
+              <a:rPr lang="en-US" sz="900" dirty="0"/>
               <a:t>• 4 years of TA support</a:t>
             </a:r>
           </a:p>
           <a:p>
             <a:r>
-              <a:rPr lang="en-US" sz="900" dirty="0" smtClean="0"/>
+              <a:rPr lang="en-US" sz="900" dirty="0"/>
               <a:t>• NSF funded REU</a:t>
             </a:r>
-            <a:endParaRPr lang="en-US" sz="900" dirty="0" smtClean="0"/>
           </a:p>
         </p:txBody>
       </p:sp>
@@ -4227,7 +4163,7 @@
           </a:bodyPr>
           <a:lstStyle/>
           <a:p>
-            <a:endParaRPr lang="en-US" sz="1000" b="1" dirty="0" smtClean="0">
+            <a:endParaRPr lang="en-US" sz="1000" b="1" dirty="0">
               <a:solidFill>
                 <a:schemeClr val="bg1"/>
               </a:solidFill>
@@ -4235,7 +4171,7 @@
           </a:p>
           <a:p>
             <a:r>
-              <a:rPr lang="en-US" sz="1000" b="1" dirty="0" smtClean="0">
+              <a:rPr lang="en-US" sz="1000" b="1" dirty="0">
                 <a:solidFill>
                   <a:schemeClr val="bg1"/>
                 </a:solidFill>
@@ -4243,13 +4179,13 @@
               <a:t>Learn more!</a:t>
             </a:r>
             <a:br>
-              <a:rPr lang="en-US" sz="1000" b="1" dirty="0" smtClean="0">
+              <a:rPr lang="en-US" sz="1000" b="1" dirty="0">
                 <a:solidFill>
                   <a:schemeClr val="bg1"/>
                 </a:solidFill>
               </a:rPr>
             </a:br>
-            <a:endParaRPr lang="en-US" sz="1000" b="1" dirty="0" smtClean="0">
+            <a:endParaRPr lang="en-US" sz="1000" b="1" dirty="0">
               <a:solidFill>
                 <a:schemeClr val="bg1"/>
               </a:solidFill>
@@ -4257,25 +4193,17 @@
           </a:p>
           <a:p>
             <a:r>
-              <a:rPr lang="en-US" sz="1000" dirty="0" smtClean="0">
+              <a:rPr lang="en-US" sz="1000" dirty="0">
                 <a:solidFill>
                   <a:schemeClr val="bg1"/>
                 </a:solidFill>
               </a:rPr>
-              <a:t>• </a:t>
-            </a:r>
-            <a:r>
-              <a:rPr lang="en-US" sz="1000" dirty="0" smtClean="0">
-                <a:solidFill>
-                  <a:schemeClr val="bg1"/>
-                </a:solidFill>
-              </a:rPr>
-              <a:t>Visit us, give a talk!</a:t>
-            </a:r>
-          </a:p>
-          <a:p>
-            <a:r>
-              <a:rPr lang="en-US" sz="1000" dirty="0" smtClean="0">
+              <a:t>• Visit us, give a talk!</a:t>
+            </a:r>
+          </a:p>
+          <a:p>
+            <a:r>
+              <a:rPr lang="en-US" sz="1000" dirty="0">
                 <a:solidFill>
                   <a:schemeClr val="bg1"/>
                 </a:solidFill>
@@ -4283,14 +4211,14 @@
               <a:t>• Contact us!</a:t>
             </a:r>
             <a:br>
-              <a:rPr lang="en-US" sz="1000" dirty="0" smtClean="0">
+              <a:rPr lang="en-US" sz="1000" dirty="0">
                 <a:solidFill>
                   <a:schemeClr val="bg1"/>
                 </a:solidFill>
               </a:rPr>
             </a:br>
             <a:r>
-              <a:rPr lang="en-US" sz="1000" dirty="0" smtClean="0">
+              <a:rPr lang="en-US" sz="1000" dirty="0">
                 <a:solidFill>
                   <a:schemeClr val="bg1"/>
                 </a:solidFill>
@@ -4298,7 +4226,7 @@
               <a:t>   </a:t>
             </a:r>
             <a:r>
-              <a:rPr lang="en-US" sz="1000" dirty="0" err="1" smtClean="0">
+              <a:rPr lang="en-US" sz="1000" dirty="0" err="1">
                 <a:solidFill>
                   <a:schemeClr val="bg1"/>
                 </a:solidFill>
@@ -4306,7 +4234,7 @@
               <a:t>williams@csc.ncsu.edu</a:t>
             </a:r>
             <a:r>
-              <a:rPr lang="en-US" sz="1000" dirty="0" smtClean="0">
+              <a:rPr lang="en-US" sz="1000" dirty="0">
                 <a:solidFill>
                   <a:schemeClr val="bg1"/>
                 </a:solidFill>
@@ -4316,7 +4244,7 @@
             <a:endParaRPr lang="en-US" sz="1000" dirty="0"/>
           </a:p>
           <a:p>
-            <a:endParaRPr lang="en-US" sz="900" dirty="0" smtClean="0"/>
+            <a:endParaRPr lang="en-US" sz="900" dirty="0"/>
           </a:p>
           <a:p>
             <a:endParaRPr lang="en-US" sz="900" dirty="0"/>

--- a/img/bookmark.pptx
+++ b/img/bookmark.pptx
@@ -107,6 +107,14 @@
       </a:defRPr>
     </a:lvl9pPr>
   </p:defaultTextStyle>
+  <p:extLst>
+    <p:ext uri="{EFAFB233-063F-42B5-8137-9DF3F51BA10A}">
+      <p15:sldGuideLst xmlns:p15="http://schemas.microsoft.com/office/powerpoint/2012/main"/>
+    </p:ext>
+    <p:ext uri="{2D200454-40CA-4A62-9FC3-DE9A4176ACB9}">
+      <p15:notesGuideLst xmlns:p15="http://schemas.microsoft.com/office/powerpoint/2012/main"/>
+    </p:ext>
+  </p:extLst>
 </p:presentation>
 </file>
 
@@ -192,7 +200,7 @@
           <a:p>
             <a:fld id="{46F07AF3-871D-6C4A-8794-EA70F00191D8}" type="datetimeFigureOut">
               <a:rPr lang="en-US" smtClean="0"/>
-              <a:t>4/19/16</a:t>
+              <a:t>4/20/16</a:t>
             </a:fld>
             <a:endParaRPr lang="en-US"/>
           </a:p>
@@ -675,7 +683,7 @@
           <a:p>
             <a:fld id="{B540673F-1357-9443-ADCA-90B5455D5376}" type="datetimeFigureOut">
               <a:rPr lang="en-US" smtClean="0"/>
-              <a:t>4/19/16</a:t>
+              <a:t>4/20/16</a:t>
             </a:fld>
             <a:endParaRPr lang="en-US"/>
           </a:p>
@@ -845,7 +853,7 @@
           <a:p>
             <a:fld id="{B540673F-1357-9443-ADCA-90B5455D5376}" type="datetimeFigureOut">
               <a:rPr lang="en-US" smtClean="0"/>
-              <a:t>4/19/16</a:t>
+              <a:t>4/20/16</a:t>
             </a:fld>
             <a:endParaRPr lang="en-US"/>
           </a:p>
@@ -1025,7 +1033,7 @@
           <a:p>
             <a:fld id="{B540673F-1357-9443-ADCA-90B5455D5376}" type="datetimeFigureOut">
               <a:rPr lang="en-US" smtClean="0"/>
-              <a:t>4/19/16</a:t>
+              <a:t>4/20/16</a:t>
             </a:fld>
             <a:endParaRPr lang="en-US"/>
           </a:p>
@@ -1195,7 +1203,7 @@
           <a:p>
             <a:fld id="{B540673F-1357-9443-ADCA-90B5455D5376}" type="datetimeFigureOut">
               <a:rPr lang="en-US" smtClean="0"/>
-              <a:t>4/19/16</a:t>
+              <a:t>4/20/16</a:t>
             </a:fld>
             <a:endParaRPr lang="en-US"/>
           </a:p>
@@ -1441,7 +1449,7 @@
           <a:p>
             <a:fld id="{B540673F-1357-9443-ADCA-90B5455D5376}" type="datetimeFigureOut">
               <a:rPr lang="en-US" smtClean="0"/>
-              <a:t>4/19/16</a:t>
+              <a:t>4/20/16</a:t>
             </a:fld>
             <a:endParaRPr lang="en-US"/>
           </a:p>
@@ -1673,7 +1681,7 @@
           <a:p>
             <a:fld id="{B540673F-1357-9443-ADCA-90B5455D5376}" type="datetimeFigureOut">
               <a:rPr lang="en-US" smtClean="0"/>
-              <a:t>4/19/16</a:t>
+              <a:t>4/20/16</a:t>
             </a:fld>
             <a:endParaRPr lang="en-US"/>
           </a:p>
@@ -2040,7 +2048,7 @@
           <a:p>
             <a:fld id="{B540673F-1357-9443-ADCA-90B5455D5376}" type="datetimeFigureOut">
               <a:rPr lang="en-US" smtClean="0"/>
-              <a:t>4/19/16</a:t>
+              <a:t>4/20/16</a:t>
             </a:fld>
             <a:endParaRPr lang="en-US"/>
           </a:p>
@@ -2158,7 +2166,7 @@
           <a:p>
             <a:fld id="{B540673F-1357-9443-ADCA-90B5455D5376}" type="datetimeFigureOut">
               <a:rPr lang="en-US" smtClean="0"/>
-              <a:t>4/19/16</a:t>
+              <a:t>4/20/16</a:t>
             </a:fld>
             <a:endParaRPr lang="en-US"/>
           </a:p>
@@ -2253,7 +2261,7 @@
           <a:p>
             <a:fld id="{B540673F-1357-9443-ADCA-90B5455D5376}" type="datetimeFigureOut">
               <a:rPr lang="en-US" smtClean="0"/>
-              <a:t>4/19/16</a:t>
+              <a:t>4/20/16</a:t>
             </a:fld>
             <a:endParaRPr lang="en-US"/>
           </a:p>
@@ -2530,7 +2538,7 @@
           <a:p>
             <a:fld id="{B540673F-1357-9443-ADCA-90B5455D5376}" type="datetimeFigureOut">
               <a:rPr lang="en-US" smtClean="0"/>
-              <a:t>4/19/16</a:t>
+              <a:t>4/20/16</a:t>
             </a:fld>
             <a:endParaRPr lang="en-US"/>
           </a:p>
@@ -2783,7 +2791,7 @@
           <a:p>
             <a:fld id="{B540673F-1357-9443-ADCA-90B5455D5376}" type="datetimeFigureOut">
               <a:rPr lang="en-US" smtClean="0"/>
-              <a:t>4/19/16</a:t>
+              <a:t>4/20/16</a:t>
             </a:fld>
             <a:endParaRPr lang="en-US"/>
           </a:p>
@@ -2996,7 +3004,7 @@
           <a:p>
             <a:fld id="{B540673F-1357-9443-ADCA-90B5455D5376}" type="datetimeFigureOut">
               <a:rPr lang="en-US" smtClean="0"/>
-              <a:t>4/19/16</a:t>
+              <a:t>4/20/16</a:t>
             </a:fld>
             <a:endParaRPr lang="en-US"/>
           </a:p>
@@ -3761,8 +3769,8 @@
         </p:nvSpPr>
         <p:spPr>
           <a:xfrm>
-            <a:off x="1244186" y="2982343"/>
-            <a:ext cx="1375826" cy="461665"/>
+            <a:off x="1218786" y="2880743"/>
+            <a:ext cx="1207446" cy="646331"/>
           </a:xfrm>
           <a:prstGeom prst="rect">
             <a:avLst/>
@@ -3777,13 +3785,25 @@
           <a:p>
             <a:r>
               <a:rPr lang="en-US" sz="1200" b="1" dirty="0" smtClean="0"/>
-              <a:t>Why become</a:t>
-            </a:r>
+              <a:t>Why </a:t>
+            </a:r>
+            <a:r>
+              <a:rPr lang="en-US" sz="1200" b="1" dirty="0" smtClean="0"/>
+              <a:t/>
+            </a:r>
+            <a:br>
+              <a:rPr lang="en-US" sz="1200" b="1" dirty="0" smtClean="0"/>
+            </a:br>
+            <a:r>
+              <a:rPr lang="en-US" sz="1200" b="1" dirty="0" smtClean="0"/>
+              <a:t>become</a:t>
+            </a:r>
+            <a:endParaRPr lang="en-US" sz="1200" b="1" dirty="0" smtClean="0"/>
           </a:p>
           <a:p>
             <a:r>
               <a:rPr lang="en-US" sz="1200" b="1" dirty="0" err="1" smtClean="0"/>
-              <a:t>you@ncstate.edu</a:t>
+              <a:t>you@ncsu.edu</a:t>
             </a:r>
             <a:r>
               <a:rPr lang="en-US" sz="1200" b="1" dirty="0" smtClean="0"/>
@@ -3801,7 +3821,7 @@
         </p:nvCxnSpPr>
         <p:spPr>
           <a:xfrm>
-            <a:off x="2607281" y="2695120"/>
+            <a:off x="2385031" y="2695120"/>
             <a:ext cx="0" cy="1180750"/>
           </a:xfrm>
           <a:prstGeom prst="line">
@@ -3836,7 +3856,7 @@
         </p:nvSpPr>
         <p:spPr>
           <a:xfrm>
-            <a:off x="2559050" y="2776573"/>
+            <a:off x="2343150" y="2776573"/>
             <a:ext cx="1662635" cy="1128514"/>
           </a:xfrm>
           <a:prstGeom prst="rect">
@@ -3874,15 +3894,11 @@
           <a:p>
             <a:r>
               <a:rPr lang="en-US" sz="900" dirty="0" smtClean="0"/>
-              <a:t>• </a:t>
+              <a:t>• Laurie </a:t>
             </a:r>
             <a:r>
               <a:rPr lang="en-US" sz="900" dirty="0" smtClean="0"/>
-              <a:t>Laurie </a:t>
-            </a:r>
-            <a:r>
-              <a:rPr lang="en-US" sz="900" dirty="0" err="1" smtClean="0"/>
-              <a:t>Willliams</a:t>
+              <a:t>Williams</a:t>
             </a:r>
             <a:r>
               <a:rPr lang="en-US" sz="900" dirty="0" smtClean="0"/>
@@ -3907,7 +3923,7 @@
             </a:r>
             <a:r>
               <a:rPr lang="en-US" sz="900" dirty="0" err="1" smtClean="0"/>
-              <a:t>Parin</a:t>
+              <a:t>Parnin</a:t>
             </a:r>
             <a:r>
               <a:rPr lang="en-US" sz="900" dirty="0" smtClean="0"/>
@@ -3951,7 +3967,7 @@
         </p:nvCxnSpPr>
         <p:spPr>
           <a:xfrm>
-            <a:off x="4188431" y="2630698"/>
+            <a:off x="3915381" y="2630698"/>
             <a:ext cx="0" cy="1180750"/>
           </a:xfrm>
           <a:prstGeom prst="line">
@@ -3986,7 +4002,7 @@
         </p:nvSpPr>
         <p:spPr>
           <a:xfrm>
-            <a:off x="4159250" y="2776573"/>
+            <a:off x="3892550" y="2776573"/>
             <a:ext cx="1555234" cy="923330"/>
           </a:xfrm>
           <a:prstGeom prst="rect">
@@ -4024,11 +4040,7 @@
           <a:p>
             <a:r>
               <a:rPr lang="en-US" sz="900" dirty="0" smtClean="0"/>
-              <a:t>• </a:t>
-            </a:r>
-            <a:r>
-              <a:rPr lang="en-US" sz="900" dirty="0" smtClean="0"/>
-              <a:t>On the same campus</a:t>
+              <a:t>• On the same campus</a:t>
             </a:r>
             <a:br>
               <a:rPr lang="en-US" sz="900" dirty="0" smtClean="0"/>
@@ -4058,7 +4070,6 @@
               <a:rPr lang="en-US" sz="900" dirty="0" smtClean="0"/>
               <a:t>         - IBM, CISCO, MetLife, …</a:t>
             </a:r>
-            <a:endParaRPr lang="en-US" sz="900" dirty="0" smtClean="0"/>
           </a:p>
         </p:txBody>
       </p:sp>
@@ -4070,7 +4081,7 @@
         </p:nvCxnSpPr>
         <p:spPr>
           <a:xfrm>
-            <a:off x="5699731" y="2643398"/>
+            <a:off x="5420331" y="2643398"/>
             <a:ext cx="0" cy="1180750"/>
           </a:xfrm>
           <a:prstGeom prst="line">
@@ -4105,7 +4116,7 @@
         </p:nvSpPr>
         <p:spPr>
           <a:xfrm>
-            <a:off x="5670550" y="2782923"/>
+            <a:off x="5386852" y="2790558"/>
             <a:ext cx="1531188" cy="784830"/>
           </a:xfrm>
           <a:prstGeom prst="rect">
@@ -4143,11 +4154,7 @@
           <a:p>
             <a:r>
               <a:rPr lang="en-US" sz="900" dirty="0" smtClean="0"/>
-              <a:t>• </a:t>
-            </a:r>
-            <a:r>
-              <a:rPr lang="en-US" sz="900" dirty="0" smtClean="0"/>
-              <a:t>20+ </a:t>
+              <a:t>• 20+ </a:t>
             </a:r>
             <a:r>
               <a:rPr lang="en-US" sz="900" dirty="0" err="1" smtClean="0"/>
@@ -4169,7 +4176,6 @@
               <a:rPr lang="en-US" sz="900" dirty="0" smtClean="0"/>
               <a:t>• NSF funded REU</a:t>
             </a:r>
-            <a:endParaRPr lang="en-US" sz="900" dirty="0" smtClean="0"/>
           </a:p>
         </p:txBody>
       </p:sp>
@@ -4211,8 +4217,8 @@
         </p:nvSpPr>
         <p:spPr>
           <a:xfrm>
-            <a:off x="7134408" y="2637048"/>
-            <a:ext cx="1578629" cy="1292662"/>
+            <a:off x="6841552" y="2637048"/>
+            <a:ext cx="1884186" cy="1292662"/>
           </a:xfrm>
           <a:prstGeom prst="rect">
             <a:avLst/>
@@ -4240,7 +4246,15 @@
                   <a:schemeClr val="bg1"/>
                 </a:solidFill>
               </a:rPr>
-              <a:t>Learn more!</a:t>
+              <a:t>Learn more</a:t>
+            </a:r>
+            <a:r>
+              <a:rPr lang="en-US" sz="1000" b="1" dirty="0" smtClean="0">
+                <a:solidFill>
+                  <a:schemeClr val="bg1"/>
+                </a:solidFill>
+              </a:rPr>
+              <a:t>!</a:t>
             </a:r>
             <a:br>
               <a:rPr lang="en-US" sz="1000" b="1" dirty="0" smtClean="0">
@@ -4256,6 +4270,11 @@
             </a:endParaRPr>
           </a:p>
           <a:p>
+            <a:pPr>
+              <a:lnSpc>
+                <a:spcPts val="880"/>
+              </a:lnSpc>
+            </a:pPr>
             <a:r>
               <a:rPr lang="en-US" sz="1000" dirty="0" smtClean="0">
                 <a:solidFill>
@@ -4270,35 +4289,135 @@
                   <a:schemeClr val="bg1"/>
                 </a:solidFill>
               </a:rPr>
-              <a:t>Visit us, give a talk!</a:t>
-            </a:r>
-          </a:p>
-          <a:p>
-            <a:r>
-              <a:rPr lang="en-US" sz="1000" dirty="0" smtClean="0">
+              <a:t> </a:t>
+            </a:r>
+            <a:r>
+              <a:rPr lang="en-US" sz="900" dirty="0" smtClean="0">
                 <a:solidFill>
                   <a:schemeClr val="bg1"/>
                 </a:solidFill>
               </a:rPr>
-              <a:t>• Contact us!</a:t>
+              <a:t>Visit </a:t>
+            </a:r>
+            <a:r>
+              <a:rPr lang="en-US" sz="900" dirty="0" smtClean="0">
+                <a:solidFill>
+                  <a:schemeClr val="bg1"/>
+                </a:solidFill>
+              </a:rPr>
+              <a:t>us, give a talk</a:t>
+            </a:r>
+            <a:r>
+              <a:rPr lang="en-US" sz="900" dirty="0" smtClean="0">
+                <a:solidFill>
+                  <a:schemeClr val="bg1"/>
+                </a:solidFill>
+              </a:rPr>
+              <a:t>!</a:t>
+            </a:r>
+          </a:p>
+          <a:p>
+            <a:pPr>
+              <a:lnSpc>
+                <a:spcPts val="880"/>
+              </a:lnSpc>
+            </a:pPr>
+            <a:r>
+              <a:rPr lang="en-US" sz="900" dirty="0">
+                <a:solidFill>
+                  <a:schemeClr val="bg1"/>
+                </a:solidFill>
+              </a:rPr>
+              <a:t>• </a:t>
+            </a:r>
+            <a:r>
+              <a:rPr lang="en-US" sz="900" dirty="0" smtClean="0">
+                <a:solidFill>
+                  <a:schemeClr val="bg1"/>
+                </a:solidFill>
+              </a:rPr>
+              <a:t> Apply </a:t>
+            </a:r>
+            <a:r>
+              <a:rPr lang="en-US" sz="900" dirty="0">
+                <a:solidFill>
+                  <a:schemeClr val="bg1"/>
+                </a:solidFill>
+              </a:rPr>
+              <a:t>for </a:t>
+            </a:r>
+            <a:r>
+              <a:rPr lang="en-US" sz="900" dirty="0" smtClean="0">
+                <a:solidFill>
+                  <a:schemeClr val="bg1"/>
+                </a:solidFill>
+              </a:rPr>
+              <a:t>study!  </a:t>
             </a:r>
             <a:br>
-              <a:rPr lang="en-US" sz="1000" dirty="0" smtClean="0">
+              <a:rPr lang="en-US" sz="900" dirty="0" smtClean="0">
                 <a:solidFill>
                   <a:schemeClr val="bg1"/>
                 </a:solidFill>
               </a:rPr>
             </a:br>
             <a:r>
-              <a:rPr lang="en-US" sz="1000" dirty="0" smtClean="0">
+              <a:rPr lang="en-US" sz="900" dirty="0">
                 <a:solidFill>
                   <a:schemeClr val="bg1"/>
                 </a:solidFill>
               </a:rPr>
-              <a:t>   </a:t>
-            </a:r>
-            <a:r>
-              <a:rPr lang="en-US" sz="1000" dirty="0" err="1" smtClean="0">
+              <a:t>    http://</a:t>
+            </a:r>
+            <a:r>
+              <a:rPr lang="en-US" sz="900" dirty="0" err="1" smtClean="0">
+                <a:solidFill>
+                  <a:schemeClr val="bg1"/>
+                </a:solidFill>
+              </a:rPr>
+              <a:t>tiny.cc</a:t>
+            </a:r>
+            <a:r>
+              <a:rPr lang="en-US" sz="900" dirty="0" smtClean="0">
+                <a:solidFill>
+                  <a:schemeClr val="bg1"/>
+                </a:solidFill>
+              </a:rPr>
+              <a:t>/</a:t>
+            </a:r>
+            <a:r>
+              <a:rPr lang="en-US" sz="900" dirty="0" err="1" smtClean="0">
+                <a:solidFill>
+                  <a:schemeClr val="bg1"/>
+                </a:solidFill>
+              </a:rPr>
+              <a:t>applync</a:t>
+            </a:r>
+            <a:r>
+              <a:rPr lang="en-US" sz="900" dirty="0" smtClean="0">
+                <a:solidFill>
+                  <a:schemeClr val="bg1"/>
+                </a:solidFill>
+              </a:rPr>
+              <a:t/>
+            </a:r>
+            <a:br>
+              <a:rPr lang="en-US" sz="900" dirty="0" smtClean="0">
+                <a:solidFill>
+                  <a:schemeClr val="bg1"/>
+                </a:solidFill>
+              </a:rPr>
+            </a:br>
+            <a:r>
+              <a:rPr lang="en-US" sz="900" dirty="0" smtClean="0">
+                <a:solidFill>
+                  <a:schemeClr val="bg1"/>
+                </a:solidFill>
+              </a:rPr>
+              <a:t>•  Contact: </a:t>
+            </a:r>
+            <a:r>
+              <a:rPr lang="en-US" sz="900" dirty="0" err="1" smtClean="0">
                 <a:solidFill>
                   <a:schemeClr val="bg1"/>
                 </a:solidFill>
@@ -4306,14 +4425,14 @@
               <a:t>williams@csc.ncsu.edu</a:t>
             </a:r>
             <a:r>
-              <a:rPr lang="en-US" sz="1000" dirty="0" smtClean="0">
+              <a:rPr lang="en-US" sz="900" dirty="0" smtClean="0">
                 <a:solidFill>
                   <a:schemeClr val="bg1"/>
                 </a:solidFill>
               </a:rPr>
-              <a:t> </a:t>
-            </a:r>
-            <a:endParaRPr lang="en-US" sz="1000" dirty="0"/>
+              <a:t>  </a:t>
+            </a:r>
+            <a:endParaRPr lang="en-US" sz="900" dirty="0"/>
           </a:p>
           <a:p>
             <a:endParaRPr lang="en-US" sz="900" dirty="0" smtClean="0"/>

--- a/img/bookmark.pptx
+++ b/img/bookmark.pptx
@@ -167,7 +167,7 @@
             </a:lvl1pPr>
           </a:lstStyle>
           <a:p>
-            <a:endParaRPr lang="en-US"/>
+            <a:endParaRPr lang="en-US" dirty="0"/>
           </a:p>
         </p:txBody>
       </p:sp>
@@ -200,9 +200,9 @@
           <a:p>
             <a:fld id="{46F07AF3-871D-6C4A-8794-EA70F00191D8}" type="datetimeFigureOut">
               <a:rPr lang="en-US" smtClean="0"/>
-              <a:t>4/20/16</a:t>
+              <a:t>4/21/16</a:t>
             </a:fld>
-            <a:endParaRPr lang="en-US"/>
+            <a:endParaRPr lang="en-US" dirty="0"/>
           </a:p>
         </p:txBody>
       </p:sp>
@@ -235,7 +235,7 @@
           <a:bodyPr vert="horz" lIns="91440" tIns="45720" rIns="91440" bIns="45720" rtlCol="0" anchor="ctr"/>
           <a:lstStyle/>
           <a:p>
-            <a:endParaRPr lang="en-US"/>
+            <a:endParaRPr lang="en-US" dirty="0"/>
           </a:p>
         </p:txBody>
       </p:sp>
@@ -326,7 +326,7 @@
             </a:lvl1pPr>
           </a:lstStyle>
           <a:p>
-            <a:endParaRPr lang="en-US"/>
+            <a:endParaRPr lang="en-US" dirty="0"/>
           </a:p>
         </p:txBody>
       </p:sp>
@@ -361,7 +361,7 @@
               <a:rPr lang="en-US" smtClean="0"/>
               <a:t>‹#›</a:t>
             </a:fld>
-            <a:endParaRPr lang="en-US"/>
+            <a:endParaRPr lang="en-US" dirty="0"/>
           </a:p>
         </p:txBody>
       </p:sp>
@@ -512,7 +512,7 @@
           <a:bodyPr/>
           <a:lstStyle/>
           <a:p>
-            <a:endParaRPr lang="en-US"/>
+            <a:endParaRPr lang="en-US" dirty="0"/>
           </a:p>
         </p:txBody>
       </p:sp>
@@ -535,7 +535,7 @@
               <a:rPr lang="en-US" smtClean="0"/>
               <a:t>1</a:t>
             </a:fld>
-            <a:endParaRPr lang="en-US"/>
+            <a:endParaRPr lang="en-US" dirty="0"/>
           </a:p>
         </p:txBody>
       </p:sp>
@@ -683,9 +683,9 @@
           <a:p>
             <a:fld id="{B540673F-1357-9443-ADCA-90B5455D5376}" type="datetimeFigureOut">
               <a:rPr lang="en-US" smtClean="0"/>
-              <a:t>4/20/16</a:t>
+              <a:t>4/21/16</a:t>
             </a:fld>
-            <a:endParaRPr lang="en-US"/>
+            <a:endParaRPr lang="en-US" dirty="0"/>
           </a:p>
         </p:txBody>
       </p:sp>
@@ -704,7 +704,7 @@
           <a:bodyPr/>
           <a:lstStyle/>
           <a:p>
-            <a:endParaRPr lang="en-US"/>
+            <a:endParaRPr lang="en-US" dirty="0"/>
           </a:p>
         </p:txBody>
       </p:sp>
@@ -727,7 +727,7 @@
               <a:rPr lang="en-US" smtClean="0"/>
               <a:t>‹#›</a:t>
             </a:fld>
-            <a:endParaRPr lang="en-US"/>
+            <a:endParaRPr lang="en-US" dirty="0"/>
           </a:p>
         </p:txBody>
       </p:sp>
@@ -853,9 +853,9 @@
           <a:p>
             <a:fld id="{B540673F-1357-9443-ADCA-90B5455D5376}" type="datetimeFigureOut">
               <a:rPr lang="en-US" smtClean="0"/>
-              <a:t>4/20/16</a:t>
+              <a:t>4/21/16</a:t>
             </a:fld>
-            <a:endParaRPr lang="en-US"/>
+            <a:endParaRPr lang="en-US" dirty="0"/>
           </a:p>
         </p:txBody>
       </p:sp>
@@ -874,7 +874,7 @@
           <a:bodyPr/>
           <a:lstStyle/>
           <a:p>
-            <a:endParaRPr lang="en-US"/>
+            <a:endParaRPr lang="en-US" dirty="0"/>
           </a:p>
         </p:txBody>
       </p:sp>
@@ -897,7 +897,7 @@
               <a:rPr lang="en-US" smtClean="0"/>
               <a:t>‹#›</a:t>
             </a:fld>
-            <a:endParaRPr lang="en-US"/>
+            <a:endParaRPr lang="en-US" dirty="0"/>
           </a:p>
         </p:txBody>
       </p:sp>
@@ -1033,9 +1033,9 @@
           <a:p>
             <a:fld id="{B540673F-1357-9443-ADCA-90B5455D5376}" type="datetimeFigureOut">
               <a:rPr lang="en-US" smtClean="0"/>
-              <a:t>4/20/16</a:t>
+              <a:t>4/21/16</a:t>
             </a:fld>
-            <a:endParaRPr lang="en-US"/>
+            <a:endParaRPr lang="en-US" dirty="0"/>
           </a:p>
         </p:txBody>
       </p:sp>
@@ -1054,7 +1054,7 @@
           <a:bodyPr/>
           <a:lstStyle/>
           <a:p>
-            <a:endParaRPr lang="en-US"/>
+            <a:endParaRPr lang="en-US" dirty="0"/>
           </a:p>
         </p:txBody>
       </p:sp>
@@ -1077,7 +1077,7 @@
               <a:rPr lang="en-US" smtClean="0"/>
               <a:t>‹#›</a:t>
             </a:fld>
-            <a:endParaRPr lang="en-US"/>
+            <a:endParaRPr lang="en-US" dirty="0"/>
           </a:p>
         </p:txBody>
       </p:sp>
@@ -1203,9 +1203,9 @@
           <a:p>
             <a:fld id="{B540673F-1357-9443-ADCA-90B5455D5376}" type="datetimeFigureOut">
               <a:rPr lang="en-US" smtClean="0"/>
-              <a:t>4/20/16</a:t>
+              <a:t>4/21/16</a:t>
             </a:fld>
-            <a:endParaRPr lang="en-US"/>
+            <a:endParaRPr lang="en-US" dirty="0"/>
           </a:p>
         </p:txBody>
       </p:sp>
@@ -1224,7 +1224,7 @@
           <a:bodyPr/>
           <a:lstStyle/>
           <a:p>
-            <a:endParaRPr lang="en-US"/>
+            <a:endParaRPr lang="en-US" dirty="0"/>
           </a:p>
         </p:txBody>
       </p:sp>
@@ -1247,7 +1247,7 @@
               <a:rPr lang="en-US" smtClean="0"/>
               <a:t>‹#›</a:t>
             </a:fld>
-            <a:endParaRPr lang="en-US"/>
+            <a:endParaRPr lang="en-US" dirty="0"/>
           </a:p>
         </p:txBody>
       </p:sp>
@@ -1449,9 +1449,9 @@
           <a:p>
             <a:fld id="{B540673F-1357-9443-ADCA-90B5455D5376}" type="datetimeFigureOut">
               <a:rPr lang="en-US" smtClean="0"/>
-              <a:t>4/20/16</a:t>
+              <a:t>4/21/16</a:t>
             </a:fld>
-            <a:endParaRPr lang="en-US"/>
+            <a:endParaRPr lang="en-US" dirty="0"/>
           </a:p>
         </p:txBody>
       </p:sp>
@@ -1470,7 +1470,7 @@
           <a:bodyPr/>
           <a:lstStyle/>
           <a:p>
-            <a:endParaRPr lang="en-US"/>
+            <a:endParaRPr lang="en-US" dirty="0"/>
           </a:p>
         </p:txBody>
       </p:sp>
@@ -1493,7 +1493,7 @@
               <a:rPr lang="en-US" smtClean="0"/>
               <a:t>‹#›</a:t>
             </a:fld>
-            <a:endParaRPr lang="en-US"/>
+            <a:endParaRPr lang="en-US" dirty="0"/>
           </a:p>
         </p:txBody>
       </p:sp>
@@ -1681,9 +1681,9 @@
           <a:p>
             <a:fld id="{B540673F-1357-9443-ADCA-90B5455D5376}" type="datetimeFigureOut">
               <a:rPr lang="en-US" smtClean="0"/>
-              <a:t>4/20/16</a:t>
+              <a:t>4/21/16</a:t>
             </a:fld>
-            <a:endParaRPr lang="en-US"/>
+            <a:endParaRPr lang="en-US" dirty="0"/>
           </a:p>
         </p:txBody>
       </p:sp>
@@ -1702,7 +1702,7 @@
           <a:bodyPr/>
           <a:lstStyle/>
           <a:p>
-            <a:endParaRPr lang="en-US"/>
+            <a:endParaRPr lang="en-US" dirty="0"/>
           </a:p>
         </p:txBody>
       </p:sp>
@@ -1725,7 +1725,7 @@
               <a:rPr lang="en-US" smtClean="0"/>
               <a:t>‹#›</a:t>
             </a:fld>
-            <a:endParaRPr lang="en-US"/>
+            <a:endParaRPr lang="en-US" dirty="0"/>
           </a:p>
         </p:txBody>
       </p:sp>
@@ -2048,9 +2048,9 @@
           <a:p>
             <a:fld id="{B540673F-1357-9443-ADCA-90B5455D5376}" type="datetimeFigureOut">
               <a:rPr lang="en-US" smtClean="0"/>
-              <a:t>4/20/16</a:t>
+              <a:t>4/21/16</a:t>
             </a:fld>
-            <a:endParaRPr lang="en-US"/>
+            <a:endParaRPr lang="en-US" dirty="0"/>
           </a:p>
         </p:txBody>
       </p:sp>
@@ -2069,7 +2069,7 @@
           <a:bodyPr/>
           <a:lstStyle/>
           <a:p>
-            <a:endParaRPr lang="en-US"/>
+            <a:endParaRPr lang="en-US" dirty="0"/>
           </a:p>
         </p:txBody>
       </p:sp>
@@ -2092,7 +2092,7 @@
               <a:rPr lang="en-US" smtClean="0"/>
               <a:t>‹#›</a:t>
             </a:fld>
-            <a:endParaRPr lang="en-US"/>
+            <a:endParaRPr lang="en-US" dirty="0"/>
           </a:p>
         </p:txBody>
       </p:sp>
@@ -2166,9 +2166,9 @@
           <a:p>
             <a:fld id="{B540673F-1357-9443-ADCA-90B5455D5376}" type="datetimeFigureOut">
               <a:rPr lang="en-US" smtClean="0"/>
-              <a:t>4/20/16</a:t>
+              <a:t>4/21/16</a:t>
             </a:fld>
-            <a:endParaRPr lang="en-US"/>
+            <a:endParaRPr lang="en-US" dirty="0"/>
           </a:p>
         </p:txBody>
       </p:sp>
@@ -2187,7 +2187,7 @@
           <a:bodyPr/>
           <a:lstStyle/>
           <a:p>
-            <a:endParaRPr lang="en-US"/>
+            <a:endParaRPr lang="en-US" dirty="0"/>
           </a:p>
         </p:txBody>
       </p:sp>
@@ -2210,7 +2210,7 @@
               <a:rPr lang="en-US" smtClean="0"/>
               <a:t>‹#›</a:t>
             </a:fld>
-            <a:endParaRPr lang="en-US"/>
+            <a:endParaRPr lang="en-US" dirty="0"/>
           </a:p>
         </p:txBody>
       </p:sp>
@@ -2261,9 +2261,9 @@
           <a:p>
             <a:fld id="{B540673F-1357-9443-ADCA-90B5455D5376}" type="datetimeFigureOut">
               <a:rPr lang="en-US" smtClean="0"/>
-              <a:t>4/20/16</a:t>
+              <a:t>4/21/16</a:t>
             </a:fld>
-            <a:endParaRPr lang="en-US"/>
+            <a:endParaRPr lang="en-US" dirty="0"/>
           </a:p>
         </p:txBody>
       </p:sp>
@@ -2282,7 +2282,7 @@
           <a:bodyPr/>
           <a:lstStyle/>
           <a:p>
-            <a:endParaRPr lang="en-US"/>
+            <a:endParaRPr lang="en-US" dirty="0"/>
           </a:p>
         </p:txBody>
       </p:sp>
@@ -2305,7 +2305,7 @@
               <a:rPr lang="en-US" smtClean="0"/>
               <a:t>‹#›</a:t>
             </a:fld>
-            <a:endParaRPr lang="en-US"/>
+            <a:endParaRPr lang="en-US" dirty="0"/>
           </a:p>
         </p:txBody>
       </p:sp>
@@ -2538,9 +2538,9 @@
           <a:p>
             <a:fld id="{B540673F-1357-9443-ADCA-90B5455D5376}" type="datetimeFigureOut">
               <a:rPr lang="en-US" smtClean="0"/>
-              <a:t>4/20/16</a:t>
+              <a:t>4/21/16</a:t>
             </a:fld>
-            <a:endParaRPr lang="en-US"/>
+            <a:endParaRPr lang="en-US" dirty="0"/>
           </a:p>
         </p:txBody>
       </p:sp>
@@ -2559,7 +2559,7 @@
           <a:bodyPr/>
           <a:lstStyle/>
           <a:p>
-            <a:endParaRPr lang="en-US"/>
+            <a:endParaRPr lang="en-US" dirty="0"/>
           </a:p>
         </p:txBody>
       </p:sp>
@@ -2582,7 +2582,7 @@
               <a:rPr lang="en-US" smtClean="0"/>
               <a:t>‹#›</a:t>
             </a:fld>
-            <a:endParaRPr lang="en-US"/>
+            <a:endParaRPr lang="en-US" dirty="0"/>
           </a:p>
         </p:txBody>
       </p:sp>
@@ -2705,7 +2705,7 @@
             </a:lvl9pPr>
           </a:lstStyle>
           <a:p>
-            <a:endParaRPr lang="en-US"/>
+            <a:endParaRPr lang="en-US" dirty="0"/>
           </a:p>
         </p:txBody>
       </p:sp>
@@ -2791,9 +2791,9 @@
           <a:p>
             <a:fld id="{B540673F-1357-9443-ADCA-90B5455D5376}" type="datetimeFigureOut">
               <a:rPr lang="en-US" smtClean="0"/>
-              <a:t>4/20/16</a:t>
+              <a:t>4/21/16</a:t>
             </a:fld>
-            <a:endParaRPr lang="en-US"/>
+            <a:endParaRPr lang="en-US" dirty="0"/>
           </a:p>
         </p:txBody>
       </p:sp>
@@ -2812,7 +2812,7 @@
           <a:bodyPr/>
           <a:lstStyle/>
           <a:p>
-            <a:endParaRPr lang="en-US"/>
+            <a:endParaRPr lang="en-US" dirty="0"/>
           </a:p>
         </p:txBody>
       </p:sp>
@@ -2835,7 +2835,7 @@
               <a:rPr lang="en-US" smtClean="0"/>
               <a:t>‹#›</a:t>
             </a:fld>
-            <a:endParaRPr lang="en-US"/>
+            <a:endParaRPr lang="en-US" dirty="0"/>
           </a:p>
         </p:txBody>
       </p:sp>
@@ -3004,9 +3004,9 @@
           <a:p>
             <a:fld id="{B540673F-1357-9443-ADCA-90B5455D5376}" type="datetimeFigureOut">
               <a:rPr lang="en-US" smtClean="0"/>
-              <a:t>4/20/16</a:t>
+              <a:t>4/21/16</a:t>
             </a:fld>
-            <a:endParaRPr lang="en-US"/>
+            <a:endParaRPr lang="en-US" dirty="0"/>
           </a:p>
         </p:txBody>
       </p:sp>
@@ -3043,7 +3043,7 @@
             </a:lvl1pPr>
           </a:lstStyle>
           <a:p>
-            <a:endParaRPr lang="en-US"/>
+            <a:endParaRPr lang="en-US" dirty="0"/>
           </a:p>
         </p:txBody>
       </p:sp>
@@ -3084,7 +3084,7 @@
               <a:rPr lang="en-US" smtClean="0"/>
               <a:t>‹#›</a:t>
             </a:fld>
-            <a:endParaRPr lang="en-US"/>
+            <a:endParaRPr lang="en-US" dirty="0"/>
           </a:p>
         </p:txBody>
       </p:sp>
@@ -3419,8 +3419,8 @@
         </p:nvSpPr>
         <p:spPr>
           <a:xfrm>
-            <a:off x="1268690" y="2763873"/>
-            <a:ext cx="7315200" cy="914400"/>
+            <a:off x="1268690" y="3690973"/>
+            <a:ext cx="5486400" cy="1828800"/>
           </a:xfrm>
           <a:prstGeom prst="rect">
             <a:avLst/>
@@ -3428,7 +3428,7 @@
           <a:noFill/>
           <a:ln>
             <a:solidFill>
-              <a:schemeClr val="accent3"/>
+              <a:schemeClr val="bg1"/>
             </a:solidFill>
           </a:ln>
         </p:spPr>
@@ -3457,7 +3457,7 @@
           </a:lstStyle>
           <a:p>
             <a:r>
-              <a:rPr lang="en-US" smtClean="0"/>
+              <a:rPr lang="en-US" dirty="0" smtClean="0"/>
               <a:t> </a:t>
             </a:r>
             <a:endParaRPr lang="en-US" dirty="0"/>
@@ -3466,41 +3466,61 @@
       </p:sp>
       <p:sp>
         <p:nvSpPr>
-          <p:cNvPr id="2" name="Title 1"/>
-          <p:cNvSpPr>
-            <a:spLocks noGrp="1"/>
-          </p:cNvSpPr>
-          <p:nvPr>
-            <p:ph type="ctrTitle"/>
-          </p:nvPr>
+          <p:cNvPr id="8" name="Title 1"/>
+          <p:cNvSpPr txBox="1">
+            <a:spLocks/>
+          </p:cNvSpPr>
+          <p:nvPr/>
         </p:nvSpPr>
         <p:spPr>
           <a:xfrm>
-            <a:off x="1103586" y="178676"/>
-            <a:ext cx="7315200" cy="914400"/>
+            <a:off x="1311921" y="1175981"/>
+            <a:ext cx="5486400" cy="1828800"/>
           </a:xfrm>
+          <a:prstGeom prst="rect">
+            <a:avLst/>
+          </a:prstGeom>
           <a:gradFill flip="none" rotWithShape="1">
             <a:gsLst>
-              <a:gs pos="30000">
+              <a:gs pos="44000">
                 <a:srgbClr val="CD1F28"/>
               </a:gs>
-              <a:gs pos="88000">
-                <a:schemeClr val="bg1"/>
-              </a:gs>
-              <a:gs pos="78000">
-                <a:schemeClr val="bg1"/>
-              </a:gs>
-              <a:gs pos="98000">
+              <a:gs pos="91000">
                 <a:schemeClr val="bg1"/>
               </a:gs>
             </a:gsLst>
             <a:lin ang="10800000" scaled="1"/>
             <a:tileRect/>
           </a:gradFill>
+          <a:ln>
+            <a:solidFill>
+              <a:schemeClr val="bg1"/>
+            </a:solidFill>
+          </a:ln>
         </p:spPr>
         <p:txBody>
-          <a:bodyPr/>
-          <a:lstStyle/>
+          <a:bodyPr vert="horz" lIns="91440" tIns="45720" rIns="91440" bIns="45720" rtlCol="0" anchor="b">
+            <a:normAutofit/>
+          </a:bodyPr>
+          <a:lstStyle>
+            <a:lvl1pPr algn="ctr" defTabSz="914400" rtl="0" eaLnBrk="1" latinLnBrk="0" hangingPunct="1">
+              <a:lnSpc>
+                <a:spcPct val="90000"/>
+              </a:lnSpc>
+              <a:spcBef>
+                <a:spcPct val="0"/>
+              </a:spcBef>
+              <a:buNone/>
+              <a:defRPr sz="6000" kern="1200">
+                <a:solidFill>
+                  <a:schemeClr val="tx1"/>
+                </a:solidFill>
+                <a:latin typeface="+mj-lt"/>
+                <a:ea typeface="+mj-ea"/>
+                <a:cs typeface="+mj-cs"/>
+              </a:defRPr>
+            </a:lvl1pPr>
+          </a:lstStyle>
           <a:p>
             <a:r>
               <a:rPr lang="en-US" dirty="0" smtClean="0"/>
@@ -3512,7 +3532,7 @@
       </p:sp>
       <p:pic>
         <p:nvPicPr>
-          <p:cNvPr id="5" name="Picture 4"/>
+          <p:cNvPr id="10" name="Picture 9"/>
           <p:cNvPicPr>
             <a:picLocks noChangeAspect="1"/>
           </p:cNvPicPr>
@@ -3526,48 +3546,24 @@
         </p:blipFill>
         <p:spPr>
           <a:xfrm>
-            <a:off x="6311900" y="99628"/>
-            <a:ext cx="2151340" cy="1061454"/>
+            <a:off x="1422400" y="1653876"/>
+            <a:ext cx="2969357" cy="883358"/>
           </a:xfrm>
           <a:prstGeom prst="rect">
             <a:avLst/>
           </a:prstGeom>
         </p:spPr>
       </p:pic>
-      <p:pic>
-        <p:nvPicPr>
-          <p:cNvPr id="6" name="Picture 5"/>
-          <p:cNvPicPr>
-            <a:picLocks noChangeAspect="1"/>
-          </p:cNvPicPr>
-          <p:nvPr/>
-        </p:nvPicPr>
-        <p:blipFill>
-          <a:blip r:embed="rId4"/>
-          <a:stretch>
-            <a:fillRect/>
-          </a:stretch>
-        </p:blipFill>
-        <p:spPr>
-          <a:xfrm>
-            <a:off x="1238250" y="199056"/>
-            <a:ext cx="2997200" cy="891641"/>
-          </a:xfrm>
-          <a:prstGeom prst="rect">
-            <a:avLst/>
-          </a:prstGeom>
-        </p:spPr>
-      </p:pic>
-      <p:sp>
-        <p:nvSpPr>
-          <p:cNvPr id="7" name="TextBox 6"/>
+      <p:sp>
+        <p:nvSpPr>
+          <p:cNvPr id="13" name="TextBox 12"/>
           <p:cNvSpPr txBox="1"/>
           <p:nvPr/>
         </p:nvSpPr>
         <p:spPr>
-          <a:xfrm>
-            <a:off x="5525769" y="245634"/>
-            <a:ext cx="689612" cy="769441"/>
+          <a:xfrm rot="16200000">
+            <a:off x="833054" y="4334643"/>
+            <a:ext cx="1710020" cy="553998"/>
           </a:xfrm>
           <a:prstGeom prst="rect">
             <a:avLst/>
@@ -3580,236 +3576,32 @@
           </a:bodyPr>
           <a:lstStyle/>
           <a:p>
-            <a:r>
-              <a:rPr lang="en-US" sz="4400" b="1" dirty="0" smtClean="0">
-                <a:solidFill>
-                  <a:schemeClr val="bg1"/>
-                </a:solidFill>
-              </a:rPr>
-              <a:t>@</a:t>
-            </a:r>
-            <a:endParaRPr lang="en-US" sz="4400" b="1" dirty="0">
-              <a:solidFill>
-                <a:schemeClr val="bg1"/>
-              </a:solidFill>
-            </a:endParaRPr>
-          </a:p>
-        </p:txBody>
-      </p:sp>
-      <p:sp>
-        <p:nvSpPr>
-          <p:cNvPr id="8" name="Title 1"/>
-          <p:cNvSpPr txBox="1">
-            <a:spLocks/>
-          </p:cNvSpPr>
-          <p:nvPr/>
-        </p:nvSpPr>
-        <p:spPr>
-          <a:xfrm>
-            <a:off x="1135336" y="1505826"/>
-            <a:ext cx="7315200" cy="914400"/>
-          </a:xfrm>
-          <a:prstGeom prst="rect">
-            <a:avLst/>
-          </a:prstGeom>
-          <a:gradFill flip="none" rotWithShape="1">
-            <a:gsLst>
-              <a:gs pos="30000">
-                <a:srgbClr val="CD1F28"/>
-              </a:gs>
-              <a:gs pos="88000">
-                <a:schemeClr val="bg1"/>
-              </a:gs>
-              <a:gs pos="78000">
-                <a:schemeClr val="bg1"/>
-              </a:gs>
-              <a:gs pos="98000">
-                <a:schemeClr val="bg1"/>
-              </a:gs>
-            </a:gsLst>
-            <a:lin ang="10800000" scaled="1"/>
-            <a:tileRect/>
-          </a:gradFill>
-        </p:spPr>
-        <p:txBody>
-          <a:bodyPr vert="horz" lIns="91440" tIns="45720" rIns="91440" bIns="45720" rtlCol="0" anchor="b">
-            <a:normAutofit/>
-          </a:bodyPr>
-          <a:lstStyle>
-            <a:lvl1pPr algn="ctr" defTabSz="914400" rtl="0" eaLnBrk="1" latinLnBrk="0" hangingPunct="1">
+            <a:pPr algn="ctr">
               <a:lnSpc>
-                <a:spcPct val="90000"/>
+                <a:spcPts val="1760"/>
               </a:lnSpc>
-              <a:spcBef>
-                <a:spcPct val="0"/>
-              </a:spcBef>
-              <a:buNone/>
-              <a:defRPr sz="6000" kern="1200">
-                <a:solidFill>
-                  <a:schemeClr val="tx1"/>
-                </a:solidFill>
-                <a:latin typeface="+mj-lt"/>
-                <a:ea typeface="+mj-ea"/>
-                <a:cs typeface="+mj-cs"/>
-              </a:defRPr>
-            </a:lvl1pPr>
-          </a:lstStyle>
-          <a:p>
-            <a:r>
-              <a:rPr lang="en-US" smtClean="0"/>
-              <a:t> </a:t>
-            </a:r>
-            <a:endParaRPr lang="en-US" dirty="0"/>
-          </a:p>
-        </p:txBody>
-      </p:sp>
-      <p:pic>
-        <p:nvPicPr>
-          <p:cNvPr id="9" name="Picture 8"/>
-          <p:cNvPicPr>
-            <a:picLocks noChangeAspect="1"/>
-          </p:cNvPicPr>
-          <p:nvPr/>
-        </p:nvPicPr>
-        <p:blipFill>
-          <a:blip r:embed="rId3"/>
-          <a:stretch>
-            <a:fillRect/>
-          </a:stretch>
-        </p:blipFill>
-        <p:spPr>
-          <a:xfrm>
-            <a:off x="6343650" y="1426778"/>
-            <a:ext cx="2151340" cy="1061454"/>
-          </a:xfrm>
-          <a:prstGeom prst="rect">
-            <a:avLst/>
-          </a:prstGeom>
-        </p:spPr>
-      </p:pic>
-      <p:pic>
-        <p:nvPicPr>
-          <p:cNvPr id="10" name="Picture 9"/>
-          <p:cNvPicPr>
-            <a:picLocks noChangeAspect="1"/>
-          </p:cNvPicPr>
-          <p:nvPr/>
-        </p:nvPicPr>
-        <p:blipFill>
-          <a:blip r:embed="rId4"/>
-          <a:stretch>
-            <a:fillRect/>
-          </a:stretch>
-        </p:blipFill>
-        <p:spPr>
-          <a:xfrm>
-            <a:off x="1270000" y="1526206"/>
-            <a:ext cx="2997200" cy="891641"/>
-          </a:xfrm>
-          <a:prstGeom prst="rect">
-            <a:avLst/>
-          </a:prstGeom>
-        </p:spPr>
-      </p:pic>
-      <p:sp>
-        <p:nvSpPr>
-          <p:cNvPr id="12" name="Title 1"/>
-          <p:cNvSpPr txBox="1">
-            <a:spLocks/>
-          </p:cNvSpPr>
-          <p:nvPr/>
-        </p:nvSpPr>
-        <p:spPr>
-          <a:xfrm>
-            <a:off x="1173440" y="2725773"/>
-            <a:ext cx="7315200" cy="914400"/>
-          </a:xfrm>
-          <a:prstGeom prst="rect">
-            <a:avLst/>
-          </a:prstGeom>
-          <a:noFill/>
-        </p:spPr>
-        <p:txBody>
-          <a:bodyPr vert="horz" lIns="91440" tIns="45720" rIns="91440" bIns="45720" rtlCol="0" anchor="b">
-            <a:normAutofit/>
-          </a:bodyPr>
-          <a:lstStyle>
-            <a:lvl1pPr algn="ctr" defTabSz="914400" rtl="0" eaLnBrk="1" latinLnBrk="0" hangingPunct="1">
+            </a:pPr>
+            <a:r>
+              <a:rPr lang="en-US" b="1" dirty="0" smtClean="0"/>
+              <a:t>Why </a:t>
+            </a:r>
+            <a:r>
+              <a:rPr lang="en-US" b="1" dirty="0" smtClean="0"/>
+              <a:t>become</a:t>
+            </a:r>
+            <a:endParaRPr lang="en-US" b="1" dirty="0" smtClean="0"/>
+          </a:p>
+          <a:p>
+            <a:pPr algn="ctr">
               <a:lnSpc>
-                <a:spcPct val="90000"/>
+                <a:spcPts val="1760"/>
               </a:lnSpc>
-              <a:spcBef>
-                <a:spcPct val="0"/>
-              </a:spcBef>
-              <a:buNone/>
-              <a:defRPr sz="6000" kern="1200">
-                <a:solidFill>
-                  <a:schemeClr val="tx1"/>
-                </a:solidFill>
-                <a:latin typeface="+mj-lt"/>
-                <a:ea typeface="+mj-ea"/>
-                <a:cs typeface="+mj-cs"/>
-              </a:defRPr>
-            </a:lvl1pPr>
-          </a:lstStyle>
-          <a:p>
-            <a:r>
-              <a:rPr lang="en-US" smtClean="0"/>
-              <a:t> </a:t>
-            </a:r>
-            <a:endParaRPr lang="en-US" dirty="0"/>
-          </a:p>
-        </p:txBody>
-      </p:sp>
-      <p:sp>
-        <p:nvSpPr>
-          <p:cNvPr id="13" name="TextBox 12"/>
-          <p:cNvSpPr txBox="1"/>
-          <p:nvPr/>
-        </p:nvSpPr>
-        <p:spPr>
-          <a:xfrm>
-            <a:off x="1218786" y="2880743"/>
-            <a:ext cx="1207446" cy="646331"/>
-          </a:xfrm>
-          <a:prstGeom prst="rect">
-            <a:avLst/>
-          </a:prstGeom>
-          <a:noFill/>
-        </p:spPr>
-        <p:txBody>
-          <a:bodyPr wrap="none" rtlCol="0">
-            <a:spAutoFit/>
-          </a:bodyPr>
-          <a:lstStyle/>
-          <a:p>
-            <a:r>
-              <a:rPr lang="en-US" sz="1200" b="1" dirty="0" smtClean="0"/>
-              <a:t>Why </a:t>
-            </a:r>
-            <a:r>
-              <a:rPr lang="en-US" sz="1200" b="1" dirty="0" smtClean="0"/>
-              <a:t/>
-            </a:r>
-            <a:br>
-              <a:rPr lang="en-US" sz="1200" b="1" dirty="0" smtClean="0"/>
-            </a:br>
-            <a:r>
-              <a:rPr lang="en-US" sz="1200" b="1" dirty="0" smtClean="0"/>
-              <a:t>become</a:t>
-            </a:r>
-            <a:endParaRPr lang="en-US" sz="1200" b="1" dirty="0" smtClean="0"/>
-          </a:p>
-          <a:p>
-            <a:r>
-              <a:rPr lang="en-US" sz="1200" b="1" dirty="0" err="1" smtClean="0"/>
-              <a:t>you@ncsu.edu</a:t>
-            </a:r>
-            <a:r>
-              <a:rPr lang="en-US" sz="1200" b="1" dirty="0" smtClean="0"/>
-              <a:t>?</a:t>
-            </a:r>
-            <a:endParaRPr lang="en-US" sz="1200" b="1" dirty="0"/>
+            </a:pPr>
+            <a:r>
+              <a:rPr lang="en-US" b="1" dirty="0" smtClean="0"/>
+              <a:t>you@ncsu.edu?</a:t>
+            </a:r>
+            <a:endParaRPr lang="en-US" b="1" dirty="0"/>
           </a:p>
         </p:txBody>
       </p:sp>
@@ -3821,13 +3613,13 @@
         </p:nvCxnSpPr>
         <p:spPr>
           <a:xfrm>
-            <a:off x="2385031" y="2695120"/>
-            <a:ext cx="0" cy="1180750"/>
+            <a:off x="2112672" y="3620103"/>
+            <a:ext cx="0" cy="2050447"/>
           </a:xfrm>
           <a:prstGeom prst="line">
             <a:avLst/>
           </a:prstGeom>
-          <a:ln w="12700">
+          <a:ln w="69850">
             <a:solidFill>
               <a:srgbClr val="CD1F28"/>
             </a:solidFill>
@@ -3855,9 +3647,9 @@
           <p:nvPr/>
         </p:nvSpPr>
         <p:spPr>
-          <a:xfrm>
-            <a:off x="2343150" y="2776573"/>
-            <a:ext cx="1662635" cy="1128514"/>
+          <a:xfrm rot="16200000">
+            <a:off x="2324800" y="3870369"/>
+            <a:ext cx="1213794" cy="1544012"/>
           </a:xfrm>
           <a:prstGeom prst="rect">
             <a:avLst/>
@@ -3870,6 +3662,7 @@
           </a:bodyPr>
           <a:lstStyle/>
           <a:p>
+            <a:pPr algn="ctr"/>
             <a:r>
               <a:rPr lang="en-US" sz="1000" b="1" dirty="0" smtClean="0">
                 <a:solidFill>
@@ -3892,57 +3685,94 @@
             </a:endParaRPr>
           </a:p>
           <a:p>
+            <a:pPr algn="ctr"/>
             <a:r>
               <a:rPr lang="en-US" sz="900" dirty="0" smtClean="0"/>
-              <a:t>• Laurie </a:t>
-            </a:r>
+              <a:t> Laurie Williams</a:t>
+            </a:r>
+          </a:p>
+          <a:p>
+            <a:pPr algn="ctr"/>
             <a:r>
               <a:rPr lang="en-US" sz="900" dirty="0" smtClean="0"/>
-              <a:t>Williams</a:t>
+              <a:t> </a:t>
             </a:r>
             <a:r>
               <a:rPr lang="en-US" sz="900" dirty="0" smtClean="0"/>
-              <a:t>, Tim </a:t>
-            </a:r>
-            <a:r>
-              <a:rPr lang="en-US" sz="900" dirty="0" err="1" smtClean="0"/>
+              <a:t>Tim </a:t>
+            </a:r>
+            <a:r>
+              <a:rPr lang="en-US" sz="900" dirty="0" smtClean="0"/>
               <a:t>Menzies</a:t>
             </a:r>
+          </a:p>
+          <a:p>
+            <a:pPr algn="ctr"/>
+            <a:r>
+              <a:rPr lang="en-US" sz="900" dirty="0" smtClean="0"/>
+              <a:t> </a:t>
+            </a:r>
+            <a:r>
+              <a:rPr lang="en-US" sz="900" dirty="0" smtClean="0"/>
+              <a:t>Sarah </a:t>
+            </a:r>
+            <a:r>
+              <a:rPr lang="en-US" sz="900" dirty="0"/>
+              <a:t>Heckman, </a:t>
+            </a:r>
             <a:endParaRPr lang="en-US" sz="900" dirty="0" smtClean="0"/>
           </a:p>
           <a:p>
+            <a:pPr algn="ctr"/>
             <a:r>
               <a:rPr lang="en-US" sz="900" dirty="0" smtClean="0"/>
-              <a:t>• Emerson Murphy-Hill</a:t>
-            </a:r>
-          </a:p>
-          <a:p>
+              <a:t> Emerson </a:t>
+            </a:r>
             <a:r>
               <a:rPr lang="en-US" sz="900" dirty="0" smtClean="0"/>
-              <a:t>• Chris </a:t>
-            </a:r>
-            <a:r>
-              <a:rPr lang="en-US" sz="900" dirty="0" err="1" smtClean="0"/>
-              <a:t>Parnin</a:t>
-            </a:r>
+              <a:t>Murphy-Hill</a:t>
+            </a:r>
+          </a:p>
+          <a:p>
+            <a:pPr algn="ctr"/>
             <a:r>
               <a:rPr lang="en-US" sz="900" dirty="0" smtClean="0"/>
-              <a:t>, Kathryn </a:t>
-            </a:r>
-            <a:r>
-              <a:rPr lang="en-US" sz="900" dirty="0" err="1" smtClean="0"/>
+              <a:t> Chris </a:t>
+            </a:r>
+            <a:r>
+              <a:rPr lang="en-US" sz="900" dirty="0" smtClean="0"/>
+              <a:t>Parnin, </a:t>
+            </a:r>
+            <a:endParaRPr lang="en-US" sz="900" dirty="0" smtClean="0"/>
+          </a:p>
+          <a:p>
+            <a:pPr algn="ctr"/>
+            <a:r>
+              <a:rPr lang="en-US" sz="900" dirty="0" smtClean="0"/>
+              <a:t> </a:t>
+            </a:r>
+            <a:r>
+              <a:rPr lang="en-US" sz="900" dirty="0" smtClean="0"/>
+              <a:t>Kathryn </a:t>
+            </a:r>
+            <a:r>
+              <a:rPr lang="en-US" sz="900" dirty="0" smtClean="0"/>
               <a:t>Stolee</a:t>
             </a:r>
-            <a:endParaRPr lang="en-US" sz="900" dirty="0" smtClean="0"/>
-          </a:p>
-          <a:p>
+          </a:p>
+          <a:p>
+            <a:pPr algn="ctr"/>
             <a:r>
               <a:rPr lang="en-US" sz="900" dirty="0" smtClean="0"/>
-              <a:t>• Sarah Heckman, Jason King</a:t>
-            </a:r>
-          </a:p>
-          <a:p>
-            <a:pPr>
+              <a:t> Jason </a:t>
+            </a:r>
+            <a:r>
+              <a:rPr lang="en-US" sz="900" dirty="0" smtClean="0"/>
+              <a:t>King</a:t>
+            </a:r>
+          </a:p>
+          <a:p>
+            <a:pPr algn="ctr">
               <a:lnSpc>
                 <a:spcPts val="780"/>
               </a:lnSpc>
@@ -3950,7 +3780,7 @@
             <a:endParaRPr lang="en-US" sz="900" dirty="0" smtClean="0"/>
           </a:p>
           <a:p>
-            <a:pPr>
+            <a:pPr algn="ctr">
               <a:lnSpc>
                 <a:spcPts val="780"/>
               </a:lnSpc>
@@ -3967,13 +3797,13 @@
         </p:nvCxnSpPr>
         <p:spPr>
           <a:xfrm>
-            <a:off x="3915381" y="2630698"/>
-            <a:ext cx="0" cy="1180750"/>
+            <a:off x="3534381" y="3570498"/>
+            <a:ext cx="0" cy="2049252"/>
           </a:xfrm>
           <a:prstGeom prst="line">
             <a:avLst/>
           </a:prstGeom>
-          <a:ln w="12700">
+          <a:ln w="69850">
             <a:solidFill>
               <a:srgbClr val="CD1F28"/>
             </a:solidFill>
@@ -4001,9 +3831,9 @@
           <p:nvPr/>
         </p:nvSpPr>
         <p:spPr>
-          <a:xfrm>
-            <a:off x="3892550" y="2776573"/>
-            <a:ext cx="1555234" cy="923330"/>
+          <a:xfrm rot="16200000">
+            <a:off x="3350268" y="4095959"/>
+            <a:ext cx="1508746" cy="1061829"/>
           </a:xfrm>
           <a:prstGeom prst="rect">
             <a:avLst/>
@@ -4016,6 +3846,7 @@
           </a:bodyPr>
           <a:lstStyle/>
           <a:p>
+            <a:pPr algn="ctr"/>
             <a:r>
               <a:rPr lang="en-US" sz="1000" b="1" dirty="0" smtClean="0">
                 <a:solidFill>
@@ -4038,37 +3869,70 @@
             </a:endParaRPr>
           </a:p>
           <a:p>
+            <a:pPr algn="ctr"/>
             <a:r>
               <a:rPr lang="en-US" sz="900" dirty="0" smtClean="0"/>
-              <a:t>• On the same campus</a:t>
+              <a:t> On </a:t>
+            </a:r>
+            <a:r>
+              <a:rPr lang="en-US" sz="900" dirty="0" smtClean="0"/>
+              <a:t>the same </a:t>
+            </a:r>
+            <a:r>
+              <a:rPr lang="en-US" sz="900" dirty="0" smtClean="0"/>
+              <a:t>campus:</a:t>
+            </a:r>
+            <a:r>
+              <a:rPr lang="en-US" sz="900" dirty="0"/>
+              <a:t/>
+            </a:r>
+            <a:br>
+              <a:rPr lang="en-US" sz="900" dirty="0"/>
+            </a:br>
+            <a:r>
+              <a:rPr lang="en-US" sz="900" dirty="0" smtClean="0"/>
+              <a:t> </a:t>
+            </a:r>
+            <a:r>
+              <a:rPr lang="en-US" sz="900" dirty="0" smtClean="0"/>
+              <a:t>ABB, LexisNexis,…</a:t>
+            </a:r>
+          </a:p>
+          <a:p>
+            <a:pPr algn="ctr"/>
+            <a:r>
+              <a:rPr lang="en-US" sz="900" dirty="0" smtClean="0"/>
+              <a:t> </a:t>
+            </a:r>
+          </a:p>
+          <a:p>
+            <a:pPr algn="ctr"/>
+            <a:r>
+              <a:rPr lang="en-US" sz="900" dirty="0" smtClean="0"/>
+              <a:t>Locally </a:t>
+            </a:r>
+            <a:r>
+              <a:rPr lang="en-US" sz="900" dirty="0" smtClean="0"/>
+              <a:t>at Research</a:t>
+            </a:r>
+            <a:r>
+              <a:rPr lang="en-US" sz="900" dirty="0"/>
+              <a:t> </a:t>
+            </a:r>
+            <a:r>
+              <a:rPr lang="en-US" sz="900" dirty="0" smtClean="0"/>
+              <a:t>Triangle:</a:t>
             </a:r>
             <a:br>
               <a:rPr lang="en-US" sz="900" dirty="0" smtClean="0"/>
             </a:br>
             <a:r>
               <a:rPr lang="en-US" sz="900" dirty="0" smtClean="0"/>
-              <a:t>        - ABB, LexisNexis,…</a:t>
-            </a:r>
-          </a:p>
-          <a:p>
+              <a:t> </a:t>
+            </a:r>
             <a:r>
               <a:rPr lang="en-US" sz="900" dirty="0" smtClean="0"/>
-              <a:t>• Locally at Research</a:t>
-            </a:r>
-            <a:r>
-              <a:rPr lang="en-US" sz="900" dirty="0"/>
-              <a:t> </a:t>
-            </a:r>
-            <a:r>
-              <a:rPr lang="en-US" sz="900" dirty="0" smtClean="0"/>
-              <a:t>Triangle</a:t>
-            </a:r>
-            <a:br>
-              <a:rPr lang="en-US" sz="900" dirty="0" smtClean="0"/>
-            </a:br>
-            <a:r>
-              <a:rPr lang="en-US" sz="900" dirty="0" smtClean="0"/>
-              <a:t>         - IBM, CISCO, MetLife, …</a:t>
+              <a:t>IBM, CISCO, MetLife, …</a:t>
             </a:r>
           </a:p>
         </p:txBody>
@@ -4081,13 +3945,13 @@
         </p:nvCxnSpPr>
         <p:spPr>
           <a:xfrm>
-            <a:off x="5420331" y="2643398"/>
-            <a:ext cx="0" cy="1180750"/>
+            <a:off x="4761190" y="3570498"/>
+            <a:ext cx="0" cy="2100052"/>
           </a:xfrm>
           <a:prstGeom prst="line">
             <a:avLst/>
           </a:prstGeom>
-          <a:ln w="12700">
+          <a:ln w="69850">
             <a:solidFill>
               <a:srgbClr val="CD1F28"/>
             </a:solidFill>
@@ -4115,8 +3979,8 @@
           <p:nvPr/>
         </p:nvSpPr>
         <p:spPr>
-          <a:xfrm>
-            <a:off x="5386852" y="2790558"/>
+          <a:xfrm rot="16200000">
+            <a:off x="4435535" y="4217934"/>
             <a:ext cx="1531188" cy="784830"/>
           </a:xfrm>
           <a:prstGeom prst="rect">
@@ -4130,6 +3994,7 @@
           </a:bodyPr>
           <a:lstStyle/>
           <a:p>
+            <a:pPr algn="ctr"/>
             <a:r>
               <a:rPr lang="en-US" sz="1000" b="1" dirty="0" smtClean="0">
                 <a:solidFill>
@@ -4152,26 +4017,21 @@
             </a:endParaRPr>
           </a:p>
           <a:p>
+            <a:pPr algn="ctr"/>
             <a:r>
               <a:rPr lang="en-US" sz="900" dirty="0" smtClean="0"/>
-              <a:t>• 20+ </a:t>
-            </a:r>
-            <a:r>
-              <a:rPr lang="en-US" sz="900" dirty="0" err="1" smtClean="0"/>
-              <a:t>Ph.D.s</a:t>
-            </a:r>
-            <a:r>
-              <a:rPr lang="en-US" sz="900" dirty="0" smtClean="0"/>
-              <a:t> in SE</a:t>
-            </a:r>
-          </a:p>
-          <a:p>
+              <a:t>• 20+ Ph.D.s in SE</a:t>
+            </a:r>
+          </a:p>
+          <a:p>
+            <a:pPr algn="ctr"/>
             <a:r>
               <a:rPr lang="en-US" sz="900" dirty="0" smtClean="0"/>
               <a:t>• 4 years of TA support</a:t>
             </a:r>
           </a:p>
           <a:p>
+            <a:pPr algn="ctr"/>
             <a:r>
               <a:rPr lang="en-US" sz="900" dirty="0" smtClean="0"/>
               <a:t>• NSF funded REU</a:t>
@@ -4187,7 +4047,7 @@
         </p:nvCxnSpPr>
         <p:spPr>
           <a:xfrm>
-            <a:off x="7445981" y="2625971"/>
+            <a:off x="7445981" y="3553071"/>
             <a:ext cx="0" cy="1180750"/>
           </a:xfrm>
           <a:prstGeom prst="line">
@@ -4216,9 +4076,9 @@
           <p:nvPr/>
         </p:nvSpPr>
         <p:spPr>
-          <a:xfrm>
-            <a:off x="6841552" y="2637048"/>
-            <a:ext cx="1884186" cy="1292662"/>
+          <a:xfrm rot="16200000">
+            <a:off x="5236406" y="4055223"/>
+            <a:ext cx="1884186" cy="1100301"/>
           </a:xfrm>
           <a:prstGeom prst="rect">
             <a:avLst/>
@@ -4233,56 +4093,42 @@
           </a:bodyPr>
           <a:lstStyle/>
           <a:p>
-            <a:endParaRPr lang="en-US" sz="1000" b="1" dirty="0" smtClean="0">
-              <a:solidFill>
-                <a:schemeClr val="bg1"/>
-              </a:solidFill>
-            </a:endParaRPr>
-          </a:p>
-          <a:p>
-            <a:r>
-              <a:rPr lang="en-US" sz="1000" b="1" dirty="0" smtClean="0">
+            <a:pPr algn="ctr"/>
+            <a:r>
+              <a:rPr lang="en-US" sz="1600" b="1" dirty="0" smtClean="0">
                 <a:solidFill>
                   <a:schemeClr val="bg1"/>
                 </a:solidFill>
               </a:rPr>
-              <a:t>Learn more</a:t>
-            </a:r>
-            <a:r>
-              <a:rPr lang="en-US" sz="1000" b="1" dirty="0" smtClean="0">
+              <a:t>Learn </a:t>
+            </a:r>
+            <a:r>
+              <a:rPr lang="en-US" sz="1600" b="1" dirty="0" smtClean="0">
                 <a:solidFill>
                   <a:schemeClr val="bg1"/>
                 </a:solidFill>
               </a:rPr>
-              <a:t>!</a:t>
+              <a:t>more!</a:t>
             </a:r>
             <a:br>
-              <a:rPr lang="en-US" sz="1000" b="1" dirty="0" smtClean="0">
+              <a:rPr lang="en-US" sz="1600" b="1" dirty="0" smtClean="0">
                 <a:solidFill>
                   <a:schemeClr val="bg1"/>
                 </a:solidFill>
               </a:rPr>
             </a:br>
-            <a:endParaRPr lang="en-US" sz="1000" b="1" dirty="0" smtClean="0">
+            <a:endParaRPr lang="en-US" sz="1200" b="1" dirty="0" smtClean="0">
               <a:solidFill>
                 <a:schemeClr val="bg1"/>
               </a:solidFill>
             </a:endParaRPr>
           </a:p>
           <a:p>
-            <a:pPr>
+            <a:pPr algn="ctr">
               <a:lnSpc>
                 <a:spcPts val="880"/>
               </a:lnSpc>
             </a:pPr>
-            <a:r>
-              <a:rPr lang="en-US" sz="1000" dirty="0" smtClean="0">
-                <a:solidFill>
-                  <a:schemeClr val="bg1"/>
-                </a:solidFill>
-              </a:rPr>
-              <a:t>• </a:t>
-            </a:r>
             <a:r>
               <a:rPr lang="en-US" sz="1000" dirty="0" smtClean="0">
                 <a:solidFill>
@@ -4317,19 +4163,23 @@
             </a:r>
           </a:p>
           <a:p>
-            <a:pPr>
+            <a:pPr algn="ctr">
               <a:lnSpc>
                 <a:spcPts val="880"/>
               </a:lnSpc>
             </a:pPr>
-            <a:r>
-              <a:rPr lang="en-US" sz="900" dirty="0">
-                <a:solidFill>
-                  <a:schemeClr val="bg1"/>
-                </a:solidFill>
-              </a:rPr>
-              <a:t>• </a:t>
-            </a:r>
+            <a:endParaRPr lang="en-US" sz="900" dirty="0" smtClean="0">
+              <a:solidFill>
+                <a:schemeClr val="bg1"/>
+              </a:solidFill>
+            </a:endParaRPr>
+          </a:p>
+          <a:p>
+            <a:pPr algn="ctr">
+              <a:lnSpc>
+                <a:spcPts val="880"/>
+              </a:lnSpc>
+            </a:pPr>
             <a:r>
               <a:rPr lang="en-US" sz="900" dirty="0" smtClean="0">
                 <a:solidFill>
@@ -4352,7 +4202,15 @@
                   <a:schemeClr val="bg1"/>
                 </a:solidFill>
               </a:rPr>
-              <a:t>study!  </a:t>
+              <a:t>study: tiny.cc/applync</a:t>
+            </a:r>
+            <a:r>
+              <a:rPr lang="en-US" sz="900" dirty="0" smtClean="0">
+                <a:solidFill>
+                  <a:schemeClr val="bg1"/>
+                </a:solidFill>
+              </a:rPr>
+              <a:t/>
             </a:r>
             <a:br>
               <a:rPr lang="en-US" sz="900" dirty="0" smtClean="0">
@@ -4362,86 +4220,64 @@
               </a:rPr>
             </a:br>
             <a:r>
-              <a:rPr lang="en-US" sz="900" dirty="0">
-                <a:solidFill>
-                  <a:schemeClr val="bg1"/>
-                </a:solidFill>
-              </a:rPr>
-              <a:t>    http://</a:t>
-            </a:r>
-            <a:r>
-              <a:rPr lang="en-US" sz="900" dirty="0" err="1" smtClean="0">
-                <a:solidFill>
-                  <a:schemeClr val="bg1"/>
-                </a:solidFill>
-              </a:rPr>
-              <a:t>tiny.cc</a:t>
-            </a:r>
-            <a:r>
               <a:rPr lang="en-US" sz="900" dirty="0" smtClean="0">
                 <a:solidFill>
                   <a:schemeClr val="bg1"/>
                 </a:solidFill>
               </a:rPr>
-              <a:t>/</a:t>
-            </a:r>
-            <a:r>
-              <a:rPr lang="en-US" sz="900" dirty="0" err="1" smtClean="0">
-                <a:solidFill>
-                  <a:schemeClr val="bg1"/>
-                </a:solidFill>
-              </a:rPr>
-              <a:t>applync</a:t>
-            </a:r>
+              <a:t> </a:t>
+            </a:r>
+          </a:p>
+          <a:p>
+            <a:pPr algn="ctr">
+              <a:lnSpc>
+                <a:spcPts val="880"/>
+              </a:lnSpc>
+            </a:pPr>
             <a:r>
               <a:rPr lang="en-US" sz="900" dirty="0" smtClean="0">
                 <a:solidFill>
                   <a:schemeClr val="bg1"/>
                 </a:solidFill>
               </a:rPr>
-              <a:t/>
-            </a:r>
-            <a:br>
+              <a:t>Contact</a:t>
+            </a:r>
+            <a:r>
               <a:rPr lang="en-US" sz="900" dirty="0" smtClean="0">
                 <a:solidFill>
                   <a:schemeClr val="bg1"/>
                 </a:solidFill>
               </a:rPr>
-            </a:br>
-            <a:r>
-              <a:rPr lang="en-US" sz="900" dirty="0" smtClean="0">
-                <a:solidFill>
-                  <a:schemeClr val="bg1"/>
-                </a:solidFill>
-              </a:rPr>
-              <a:t>•  Contact: </a:t>
-            </a:r>
-            <a:r>
-              <a:rPr lang="en-US" sz="900" dirty="0" err="1" smtClean="0">
-                <a:solidFill>
-                  <a:schemeClr val="bg1"/>
-                </a:solidFill>
-              </a:rPr>
-              <a:t>williams@csc.ncsu.edu</a:t>
-            </a:r>
-            <a:r>
-              <a:rPr lang="en-US" sz="900" dirty="0" smtClean="0">
-                <a:solidFill>
-                  <a:schemeClr val="bg1"/>
-                </a:solidFill>
-              </a:rPr>
-              <a:t>  </a:t>
+              <a:t>: williams@csc.ncsu.edu  </a:t>
             </a:r>
             <a:endParaRPr lang="en-US" sz="900" dirty="0"/>
           </a:p>
-          <a:p>
-            <a:endParaRPr lang="en-US" sz="900" dirty="0" smtClean="0"/>
-          </a:p>
-          <a:p>
-            <a:endParaRPr lang="en-US" sz="900" dirty="0"/>
-          </a:p>
-        </p:txBody>
-      </p:sp>
+        </p:txBody>
+      </p:sp>
+      <p:pic>
+        <p:nvPicPr>
+          <p:cNvPr id="3" name="Picture 2"/>
+          <p:cNvPicPr>
+            <a:picLocks noChangeAspect="1"/>
+          </p:cNvPicPr>
+          <p:nvPr/>
+        </p:nvPicPr>
+        <p:blipFill>
+          <a:blip r:embed="rId4"/>
+          <a:stretch>
+            <a:fillRect/>
+          </a:stretch>
+        </p:blipFill>
+        <p:spPr>
+          <a:xfrm>
+            <a:off x="4571875" y="1593492"/>
+            <a:ext cx="2149039" cy="1013593"/>
+          </a:xfrm>
+          <a:prstGeom prst="rect">
+            <a:avLst/>
+          </a:prstGeom>
+        </p:spPr>
+      </p:pic>
     </p:spTree>
     <p:extLst>
       <p:ext uri="{BB962C8B-B14F-4D97-AF65-F5344CB8AC3E}">

--- a/img/bookmark.pptx
+++ b/img/bookmark.pptx
@@ -3419,7 +3419,7 @@
         </p:nvSpPr>
         <p:spPr>
           <a:xfrm>
-            <a:off x="1268690" y="3690973"/>
+            <a:off x="340847" y="3690973"/>
             <a:ext cx="5486400" cy="1828800"/>
           </a:xfrm>
           <a:prstGeom prst="rect">
@@ -3474,7 +3474,7 @@
         </p:nvSpPr>
         <p:spPr>
           <a:xfrm>
-            <a:off x="1311921" y="1175981"/>
+            <a:off x="384078" y="1175981"/>
             <a:ext cx="5486400" cy="1828800"/>
           </a:xfrm>
           <a:prstGeom prst="rect">
@@ -3546,7 +3546,7 @@
         </p:blipFill>
         <p:spPr>
           <a:xfrm>
-            <a:off x="1422400" y="1653876"/>
+            <a:off x="494557" y="1653876"/>
             <a:ext cx="2969357" cy="883358"/>
           </a:xfrm>
           <a:prstGeom prst="rect">
@@ -3562,7 +3562,7 @@
         </p:nvSpPr>
         <p:spPr>
           <a:xfrm rot="16200000">
-            <a:off x="833054" y="4334643"/>
+            <a:off x="-164639" y="4334643"/>
             <a:ext cx="1710020" cy="553998"/>
           </a:xfrm>
           <a:prstGeom prst="rect">
@@ -3583,13 +3583,8 @@
             </a:pPr>
             <a:r>
               <a:rPr lang="en-US" b="1" dirty="0" smtClean="0"/>
-              <a:t>Why </a:t>
-            </a:r>
-            <a:r>
-              <a:rPr lang="en-US" b="1" dirty="0" smtClean="0"/>
-              <a:t>become</a:t>
-            </a:r>
-            <a:endParaRPr lang="en-US" b="1" dirty="0" smtClean="0"/>
+              <a:t>Why become</a:t>
+            </a:r>
           </a:p>
           <a:p>
             <a:pPr algn="ctr">
@@ -3613,8 +3608,8 @@
         </p:nvCxnSpPr>
         <p:spPr>
           <a:xfrm>
-            <a:off x="2112672" y="3620103"/>
-            <a:ext cx="0" cy="2050447"/>
+            <a:off x="1070529" y="3689953"/>
+            <a:ext cx="0" cy="1827527"/>
           </a:xfrm>
           <a:prstGeom prst="line">
             <a:avLst/>
@@ -3648,8 +3643,8 @@
         </p:nvSpPr>
         <p:spPr>
           <a:xfrm rot="16200000">
-            <a:off x="2324800" y="3870369"/>
-            <a:ext cx="1213794" cy="1544012"/>
+            <a:off x="1346157" y="3801119"/>
+            <a:ext cx="1213794" cy="1682512"/>
           </a:xfrm>
           <a:prstGeom prst="rect">
             <a:avLst/>
@@ -3695,42 +3690,26 @@
             <a:pPr algn="ctr"/>
             <a:r>
               <a:rPr lang="en-US" sz="900" dirty="0" smtClean="0"/>
-              <a:t> </a:t>
-            </a:r>
+              <a:t> Tim Menzies</a:t>
+            </a:r>
+          </a:p>
+          <a:p>
+            <a:pPr algn="ctr"/>
             <a:r>
               <a:rPr lang="en-US" sz="900" dirty="0" smtClean="0"/>
-              <a:t>Tim </a:t>
+              <a:t> Sarah </a:t>
             </a:r>
             <a:r>
               <a:rPr lang="en-US" sz="900" dirty="0" smtClean="0"/>
-              <a:t>Menzies</a:t>
-            </a:r>
+              <a:t>Heckman </a:t>
+            </a:r>
+            <a:endParaRPr lang="en-US" sz="900" dirty="0" smtClean="0"/>
           </a:p>
           <a:p>
             <a:pPr algn="ctr"/>
             <a:r>
               <a:rPr lang="en-US" sz="900" dirty="0" smtClean="0"/>
-              <a:t> </a:t>
-            </a:r>
-            <a:r>
-              <a:rPr lang="en-US" sz="900" dirty="0" smtClean="0"/>
-              <a:t>Sarah </a:t>
-            </a:r>
-            <a:r>
-              <a:rPr lang="en-US" sz="900" dirty="0"/>
-              <a:t>Heckman, </a:t>
-            </a:r>
-            <a:endParaRPr lang="en-US" sz="900" dirty="0" smtClean="0"/>
-          </a:p>
-          <a:p>
-            <a:pPr algn="ctr"/>
-            <a:r>
-              <a:rPr lang="en-US" sz="900" dirty="0" smtClean="0"/>
-              <a:t> Emerson </a:t>
-            </a:r>
-            <a:r>
-              <a:rPr lang="en-US" sz="900" dirty="0" smtClean="0"/>
-              <a:t>Murphy-Hill</a:t>
+              <a:t> Emerson Murphy-Hill</a:t>
             </a:r>
           </a:p>
           <a:p>
@@ -3741,7 +3720,7 @@
             </a:r>
             <a:r>
               <a:rPr lang="en-US" sz="900" dirty="0" smtClean="0"/>
-              <a:t>Parnin, </a:t>
+              <a:t>Parnin </a:t>
             </a:r>
             <a:endParaRPr lang="en-US" sz="900" dirty="0" smtClean="0"/>
           </a:p>
@@ -3749,15 +3728,7 @@
             <a:pPr algn="ctr"/>
             <a:r>
               <a:rPr lang="en-US" sz="900" dirty="0" smtClean="0"/>
-              <a:t> </a:t>
-            </a:r>
-            <a:r>
-              <a:rPr lang="en-US" sz="900" dirty="0" smtClean="0"/>
-              <a:t>Kathryn </a:t>
-            </a:r>
-            <a:r>
-              <a:rPr lang="en-US" sz="900" dirty="0" smtClean="0"/>
-              <a:t>Stolee</a:t>
+              <a:t> Kathryn Stolee</a:t>
             </a:r>
           </a:p>
           <a:p>
@@ -3770,6 +3741,14 @@
               <a:rPr lang="en-US" sz="900" dirty="0" smtClean="0"/>
               <a:t>King</a:t>
             </a:r>
+          </a:p>
+          <a:p>
+            <a:pPr algn="ctr"/>
+            <a:r>
+              <a:rPr lang="en-US" sz="900" dirty="0" smtClean="0"/>
+              <a:t>Lucas Layman</a:t>
+            </a:r>
+            <a:endParaRPr lang="en-US" sz="900" dirty="0" smtClean="0"/>
           </a:p>
           <a:p>
             <a:pPr algn="ctr">
@@ -3796,9 +3775,9 @@
           <p:nvPr/>
         </p:nvCxnSpPr>
         <p:spPr>
-          <a:xfrm>
-            <a:off x="3534381" y="3570498"/>
-            <a:ext cx="0" cy="2049252"/>
+          <a:xfrm flipH="1">
+            <a:off x="2577357" y="3691148"/>
+            <a:ext cx="10132" cy="1826332"/>
           </a:xfrm>
           <a:prstGeom prst="line">
             <a:avLst/>
@@ -3832,8 +3811,8 @@
         </p:nvSpPr>
         <p:spPr>
           <a:xfrm rot="16200000">
-            <a:off x="3350268" y="4095959"/>
-            <a:ext cx="1508746" cy="1061829"/>
+            <a:off x="2312005" y="4095959"/>
+            <a:ext cx="1691489" cy="1061829"/>
           </a:xfrm>
           <a:prstGeom prst="rect">
             <a:avLst/>
@@ -3872,15 +3851,7 @@
             <a:pPr algn="ctr"/>
             <a:r>
               <a:rPr lang="en-US" sz="900" dirty="0" smtClean="0"/>
-              <a:t> On </a:t>
-            </a:r>
-            <a:r>
-              <a:rPr lang="en-US" sz="900" dirty="0" smtClean="0"/>
-              <a:t>the same </a:t>
-            </a:r>
-            <a:r>
-              <a:rPr lang="en-US" sz="900" dirty="0" smtClean="0"/>
-              <a:t>campus:</a:t>
+              <a:t> On the same campus:</a:t>
             </a:r>
             <a:r>
               <a:rPr lang="en-US" sz="900" dirty="0"/>
@@ -3891,12 +3862,13 @@
             </a:br>
             <a:r>
               <a:rPr lang="en-US" sz="900" dirty="0" smtClean="0"/>
-              <a:t> </a:t>
+              <a:t> ABB, </a:t>
             </a:r>
             <a:r>
               <a:rPr lang="en-US" sz="900" dirty="0" smtClean="0"/>
-              <a:t>ABB, LexisNexis,…</a:t>
-            </a:r>
+              <a:t>LexisNexis, and more.</a:t>
+            </a:r>
+            <a:endParaRPr lang="en-US" sz="900" dirty="0" smtClean="0"/>
           </a:p>
           <a:p>
             <a:pPr algn="ctr"/>
@@ -3909,11 +3881,7 @@
             <a:pPr algn="ctr"/>
             <a:r>
               <a:rPr lang="en-US" sz="900" dirty="0" smtClean="0"/>
-              <a:t>Locally </a:t>
-            </a:r>
-            <a:r>
-              <a:rPr lang="en-US" sz="900" dirty="0" smtClean="0"/>
-              <a:t>at Research</a:t>
+              <a:t>Locally at Research</a:t>
             </a:r>
             <a:r>
               <a:rPr lang="en-US" sz="900" dirty="0"/>
@@ -3928,12 +3896,13 @@
             </a:br>
             <a:r>
               <a:rPr lang="en-US" sz="900" dirty="0" smtClean="0"/>
-              <a:t> </a:t>
+              <a:t> IBM, CISCO, </a:t>
             </a:r>
             <a:r>
               <a:rPr lang="en-US" sz="900" dirty="0" smtClean="0"/>
-              <a:t>IBM, CISCO, MetLife, …</a:t>
-            </a:r>
+              <a:t>MetLife, and more.</a:t>
+            </a:r>
+            <a:endParaRPr lang="en-US" sz="900" dirty="0" smtClean="0"/>
           </a:p>
         </p:txBody>
       </p:sp>
@@ -3945,8 +3914,8 @@
         </p:nvCxnSpPr>
         <p:spPr>
           <a:xfrm>
-            <a:off x="4761190" y="3570498"/>
-            <a:ext cx="0" cy="2100052"/>
+            <a:off x="3757147" y="3691148"/>
+            <a:ext cx="0" cy="1826332"/>
           </a:xfrm>
           <a:prstGeom prst="line">
             <a:avLst/>
@@ -3980,8 +3949,8 @@
         </p:nvSpPr>
         <p:spPr>
           <a:xfrm rot="16200000">
-            <a:off x="4435535" y="4217934"/>
-            <a:ext cx="1531188" cy="784830"/>
+            <a:off x="3405226" y="4148684"/>
+            <a:ext cx="1710725" cy="923330"/>
           </a:xfrm>
           <a:prstGeom prst="rect">
             <a:avLst/>
@@ -4020,55 +3989,41 @@
             <a:pPr algn="ctr"/>
             <a:r>
               <a:rPr lang="en-US" sz="900" dirty="0" smtClean="0"/>
-              <a:t>• 20+ Ph.D.s in SE</a:t>
+              <a:t>20</a:t>
+            </a:r>
+            <a:r>
+              <a:rPr lang="en-US" sz="900" dirty="0" smtClean="0"/>
+              <a:t>+ Ph.D.s in SE</a:t>
             </a:r>
           </a:p>
           <a:p>
             <a:pPr algn="ctr"/>
             <a:r>
               <a:rPr lang="en-US" sz="900" dirty="0" smtClean="0"/>
-              <a:t>• 4 years of TA support</a:t>
+              <a:t>4 </a:t>
+            </a:r>
+            <a:r>
+              <a:rPr lang="en-US" sz="900" dirty="0" smtClean="0"/>
+              <a:t>years of TA support</a:t>
             </a:r>
           </a:p>
           <a:p>
             <a:pPr algn="ctr"/>
             <a:r>
               <a:rPr lang="en-US" sz="900" dirty="0" smtClean="0"/>
-              <a:t>• NSF funded REU</a:t>
-            </a:r>
-          </a:p>
-        </p:txBody>
-      </p:sp>
-      <p:cxnSp>
-        <p:nvCxnSpPr>
-          <p:cNvPr id="23" name="Straight Connector 22"/>
-          <p:cNvCxnSpPr/>
-          <p:nvPr/>
-        </p:nvCxnSpPr>
-        <p:spPr>
-          <a:xfrm>
-            <a:off x="7445981" y="3553071"/>
-            <a:ext cx="0" cy="1180750"/>
-          </a:xfrm>
-          <a:prstGeom prst="line">
-            <a:avLst/>
-          </a:prstGeom>
-        </p:spPr>
-        <p:style>
-          <a:lnRef idx="1">
-            <a:schemeClr val="accent1"/>
-          </a:lnRef>
-          <a:fillRef idx="0">
-            <a:schemeClr val="accent1"/>
-          </a:fillRef>
-          <a:effectRef idx="0">
-            <a:schemeClr val="accent1"/>
-          </a:effectRef>
-          <a:fontRef idx="minor">
-            <a:schemeClr val="tx1"/>
-          </a:fontRef>
-        </p:style>
-      </p:cxnSp>
+              <a:t>Mentor opportunities for ugrads</a:t>
+            </a:r>
+            <a:br>
+              <a:rPr lang="en-US" sz="900" dirty="0" smtClean="0"/>
+            </a:br>
+            <a:r>
+              <a:rPr lang="en-US" sz="900" dirty="0" smtClean="0"/>
+              <a:t>(NSF REU)</a:t>
+            </a:r>
+            <a:endParaRPr lang="en-US" sz="900" dirty="0" smtClean="0"/>
+          </a:p>
+        </p:txBody>
+      </p:sp>
       <p:sp>
         <p:nvSpPr>
           <p:cNvPr id="24" name="TextBox 23"/>
@@ -4077,8 +4032,8 @@
         </p:nvSpPr>
         <p:spPr>
           <a:xfrm rot="16200000">
-            <a:off x="5236406" y="4055223"/>
-            <a:ext cx="1884186" cy="1100301"/>
+            <a:off x="4334745" y="4059026"/>
+            <a:ext cx="1828800" cy="1097280"/>
           </a:xfrm>
           <a:prstGeom prst="rect">
             <a:avLst/>
@@ -4100,15 +4055,7 @@
                   <a:schemeClr val="bg1"/>
                 </a:solidFill>
               </a:rPr>
-              <a:t>Learn </a:t>
-            </a:r>
-            <a:r>
-              <a:rPr lang="en-US" sz="1600" b="1" dirty="0" smtClean="0">
-                <a:solidFill>
-                  <a:schemeClr val="bg1"/>
-                </a:solidFill>
-              </a:rPr>
-              <a:t>more!</a:t>
+              <a:t>Learn more!</a:t>
             </a:r>
             <a:br>
               <a:rPr lang="en-US" sz="1600" b="1" dirty="0" smtClean="0">
@@ -4143,23 +4090,7 @@
                   <a:schemeClr val="bg1"/>
                 </a:solidFill>
               </a:rPr>
-              <a:t>Visit </a:t>
-            </a:r>
-            <a:r>
-              <a:rPr lang="en-US" sz="900" dirty="0" smtClean="0">
-                <a:solidFill>
-                  <a:schemeClr val="bg1"/>
-                </a:solidFill>
-              </a:rPr>
-              <a:t>us, give a talk</a:t>
-            </a:r>
-            <a:r>
-              <a:rPr lang="en-US" sz="900" dirty="0" smtClean="0">
-                <a:solidFill>
-                  <a:schemeClr val="bg1"/>
-                </a:solidFill>
-              </a:rPr>
-              <a:t>!</a:t>
+              <a:t>Visit us, give a talk!</a:t>
             </a:r>
           </a:p>
           <a:p>
@@ -4204,14 +4135,6 @@
               </a:rPr>
               <a:t>study: tiny.cc/applync</a:t>
             </a:r>
-            <a:r>
-              <a:rPr lang="en-US" sz="900" dirty="0" smtClean="0">
-                <a:solidFill>
-                  <a:schemeClr val="bg1"/>
-                </a:solidFill>
-              </a:rPr>
-              <a:t/>
-            </a:r>
             <a:br>
               <a:rPr lang="en-US" sz="900" dirty="0" smtClean="0">
                 <a:solidFill>
@@ -4240,15 +4163,7 @@
                   <a:schemeClr val="bg1"/>
                 </a:solidFill>
               </a:rPr>
-              <a:t>Contact</a:t>
-            </a:r>
-            <a:r>
-              <a:rPr lang="en-US" sz="900" dirty="0" smtClean="0">
-                <a:solidFill>
-                  <a:schemeClr val="bg1"/>
-                </a:solidFill>
-              </a:rPr>
-              <a:t>: williams@csc.ncsu.edu  </a:t>
+              <a:t>Contact: williams@csc.ncsu.edu  </a:t>
             </a:r>
             <a:endParaRPr lang="en-US" sz="900" dirty="0"/>
           </a:p>
@@ -4270,8 +4185,56 @@
         </p:blipFill>
         <p:spPr>
           <a:xfrm>
-            <a:off x="4571875" y="1593492"/>
+            <a:off x="3644032" y="1593492"/>
             <a:ext cx="2149039" cy="1013593"/>
+          </a:xfrm>
+          <a:prstGeom prst="rect">
+            <a:avLst/>
+          </a:prstGeom>
+        </p:spPr>
+      </p:pic>
+      <p:pic>
+        <p:nvPicPr>
+          <p:cNvPr id="11" name="Picture 10"/>
+          <p:cNvPicPr>
+            <a:picLocks noChangeAspect="1"/>
+          </p:cNvPicPr>
+          <p:nvPr/>
+        </p:nvPicPr>
+        <p:blipFill>
+          <a:blip r:embed="rId5"/>
+          <a:stretch>
+            <a:fillRect/>
+          </a:stretch>
+        </p:blipFill>
+        <p:spPr>
+          <a:xfrm>
+            <a:off x="6260319" y="1175981"/>
+            <a:ext cx="5486400" cy="1777716"/>
+          </a:xfrm>
+          <a:prstGeom prst="rect">
+            <a:avLst/>
+          </a:prstGeom>
+        </p:spPr>
+      </p:pic>
+      <p:pic>
+        <p:nvPicPr>
+          <p:cNvPr id="12" name="Picture 11"/>
+          <p:cNvPicPr>
+            <a:picLocks noChangeAspect="1"/>
+          </p:cNvPicPr>
+          <p:nvPr/>
+        </p:nvPicPr>
+        <p:blipFill>
+          <a:blip r:embed="rId6"/>
+          <a:stretch>
+            <a:fillRect/>
+          </a:stretch>
+        </p:blipFill>
+        <p:spPr>
+          <a:xfrm>
+            <a:off x="6215509" y="3407092"/>
+            <a:ext cx="5483980" cy="1819656"/>
           </a:xfrm>
           <a:prstGeom prst="rect">
             <a:avLst/>

--- a/img/bookmark.pptx
+++ b/img/bookmark.pptx
@@ -3643,8 +3643,8 @@
         </p:nvSpPr>
         <p:spPr>
           <a:xfrm rot="16200000">
-            <a:off x="1346157" y="3801119"/>
-            <a:ext cx="1213794" cy="1682512"/>
+            <a:off x="961444" y="3785731"/>
+            <a:ext cx="1983235" cy="1713290"/>
           </a:xfrm>
           <a:prstGeom prst="rect">
             <a:avLst/>
@@ -3683,70 +3683,122 @@
             <a:pPr algn="ctr"/>
             <a:r>
               <a:rPr lang="en-US" sz="900" dirty="0" smtClean="0"/>
-              <a:t> Laurie Williams</a:t>
-            </a:r>
+              <a:t> </a:t>
+            </a:r>
+            <a:r>
+              <a:rPr lang="en-US" sz="900" i="1" dirty="0" smtClean="0"/>
+              <a:t>Research</a:t>
+            </a:r>
+            <a:r>
+              <a:rPr lang="en-US" sz="900" dirty="0" smtClean="0"/>
+              <a:t>: </a:t>
+            </a:r>
+            <a:r>
+              <a:rPr lang="en-US" sz="900" dirty="0"/>
+              <a:t>Tim </a:t>
+            </a:r>
+            <a:r>
+              <a:rPr lang="en-US" sz="900" dirty="0" err="1" smtClean="0"/>
+              <a:t>Menzies</a:t>
+            </a:r>
+            <a:r>
+              <a:rPr lang="en-US" sz="900" dirty="0" smtClean="0"/>
+              <a:t>,</a:t>
+            </a:r>
+            <a:endParaRPr lang="en-US" sz="900" dirty="0"/>
           </a:p>
           <a:p>
             <a:pPr algn="ctr"/>
             <a:r>
               <a:rPr lang="en-US" sz="900" dirty="0" smtClean="0"/>
-              <a:t> Tim Menzies</a:t>
+              <a:t> Emerson Murphy-Hill, Chris </a:t>
+            </a:r>
+            <a:r>
+              <a:rPr lang="en-US" sz="900" dirty="0" err="1" smtClean="0"/>
+              <a:t>Parin</a:t>
+            </a:r>
+            <a:r>
+              <a:rPr lang="en-US" sz="900" dirty="0" smtClean="0"/>
+              <a:t>,</a:t>
             </a:r>
           </a:p>
           <a:p>
             <a:pPr algn="ctr"/>
             <a:r>
+              <a:rPr lang="en-US" sz="900" dirty="0" err="1" smtClean="0"/>
+              <a:t>Kathyrn</a:t>
+            </a:r>
+            <a:r>
               <a:rPr lang="en-US" sz="900" dirty="0" smtClean="0"/>
-              <a:t> Sarah </a:t>
+              <a:t> </a:t>
+            </a:r>
+            <a:r>
+              <a:rPr lang="en-US" sz="900" dirty="0" err="1" smtClean="0"/>
+              <a:t>Stolee</a:t>
             </a:r>
             <a:r>
               <a:rPr lang="en-US" sz="900" dirty="0" smtClean="0"/>
-              <a:t>Heckman </a:t>
-            </a:r>
-            <a:endParaRPr lang="en-US" sz="900" dirty="0" smtClean="0"/>
-          </a:p>
-          <a:p>
-            <a:pPr algn="ctr"/>
+              <a:t>, Laurie </a:t>
+            </a:r>
             <a:r>
               <a:rPr lang="en-US" sz="900" dirty="0" smtClean="0"/>
-              <a:t> Emerson Murphy-Hill</a:t>
-            </a:r>
-          </a:p>
-          <a:p>
-            <a:pPr algn="ctr"/>
+              <a:t>Williams</a:t>
+            </a:r>
+          </a:p>
+          <a:p>
+            <a:pPr algn="ctr">
+              <a:spcBef>
+                <a:spcPts val="800"/>
+              </a:spcBef>
+              <a:spcAft>
+                <a:spcPts val="400"/>
+              </a:spcAft>
+            </a:pPr>
+            <a:r>
+              <a:rPr lang="en-US" sz="900" b="1" i="1" dirty="0" smtClean="0"/>
+              <a:t>Teaching</a:t>
+            </a:r>
+            <a:r>
+              <a:rPr lang="en-US" sz="900" b="1" dirty="0"/>
+              <a:t>: Sarah Heckman</a:t>
+            </a:r>
+            <a:r>
+              <a:rPr lang="en-US" sz="900" b="1" dirty="0" smtClean="0"/>
+              <a:t>, Jason King</a:t>
+            </a:r>
+            <a:endParaRPr lang="en-US" sz="900" i="1" dirty="0" smtClean="0"/>
+          </a:p>
+          <a:p>
+            <a:pPr algn="ctr">
+              <a:spcBef>
+                <a:spcPts val="800"/>
+              </a:spcBef>
+              <a:spcAft>
+                <a:spcPts val="400"/>
+              </a:spcAft>
+            </a:pPr>
+            <a:r>
+              <a:rPr lang="en-US" sz="900" i="1" dirty="0" smtClean="0"/>
+              <a:t>Adjunct</a:t>
+            </a:r>
             <a:r>
               <a:rPr lang="en-US" sz="900" dirty="0" smtClean="0"/>
-              <a:t> Chris </a:t>
-            </a:r>
-            <a:r>
+              <a:t>: Annie Anton, </a:t>
+            </a:r>
+            <a:br>
               <a:rPr lang="en-US" sz="900" dirty="0" smtClean="0"/>
-              <a:t>Parnin </a:t>
-            </a:r>
-            <a:endParaRPr lang="en-US" sz="900" dirty="0" smtClean="0"/>
-          </a:p>
-          <a:p>
-            <a:pPr algn="ctr"/>
+            </a:br>
             <a:r>
               <a:rPr lang="en-US" sz="900" dirty="0" smtClean="0"/>
-              <a:t> Kathryn Stolee</a:t>
-            </a:r>
-          </a:p>
-          <a:p>
-            <a:pPr algn="ctr"/>
+              <a:t>Aldo, </a:t>
+            </a:r>
+            <a:r>
+              <a:rPr lang="en-US" sz="900" dirty="0" err="1" smtClean="0"/>
+              <a:t>Dagnino</a:t>
+            </a:r>
             <a:r>
               <a:rPr lang="en-US" sz="900" dirty="0" smtClean="0"/>
-              <a:t> Jason </a:t>
-            </a:r>
-            <a:r>
-              <a:rPr lang="en-US" sz="900" dirty="0" smtClean="0"/>
-              <a:t>King</a:t>
-            </a:r>
-          </a:p>
-          <a:p>
-            <a:pPr algn="ctr"/>
-            <a:r>
-              <a:rPr lang="en-US" sz="900" dirty="0" smtClean="0"/>
-              <a:t>Lucas Layman</a:t>
+              <a:t>, Lucas Layman</a:t>
             </a:r>
             <a:endParaRPr lang="en-US" sz="900" dirty="0" smtClean="0"/>
           </a:p>

--- a/img/bookmark.pptx
+++ b/img/bookmark.pptx
@@ -200,7 +200,7 @@
           <a:p>
             <a:fld id="{46F07AF3-871D-6C4A-8794-EA70F00191D8}" type="datetimeFigureOut">
               <a:rPr lang="en-US" smtClean="0"/>
-              <a:t>4/21/16</a:t>
+              <a:t>4/29/16</a:t>
             </a:fld>
             <a:endParaRPr lang="en-US" dirty="0"/>
           </a:p>
@@ -683,7 +683,7 @@
           <a:p>
             <a:fld id="{B540673F-1357-9443-ADCA-90B5455D5376}" type="datetimeFigureOut">
               <a:rPr lang="en-US" smtClean="0"/>
-              <a:t>4/21/16</a:t>
+              <a:t>4/29/16</a:t>
             </a:fld>
             <a:endParaRPr lang="en-US" dirty="0"/>
           </a:p>
@@ -853,7 +853,7 @@
           <a:p>
             <a:fld id="{B540673F-1357-9443-ADCA-90B5455D5376}" type="datetimeFigureOut">
               <a:rPr lang="en-US" smtClean="0"/>
-              <a:t>4/21/16</a:t>
+              <a:t>4/29/16</a:t>
             </a:fld>
             <a:endParaRPr lang="en-US" dirty="0"/>
           </a:p>
@@ -1033,7 +1033,7 @@
           <a:p>
             <a:fld id="{B540673F-1357-9443-ADCA-90B5455D5376}" type="datetimeFigureOut">
               <a:rPr lang="en-US" smtClean="0"/>
-              <a:t>4/21/16</a:t>
+              <a:t>4/29/16</a:t>
             </a:fld>
             <a:endParaRPr lang="en-US" dirty="0"/>
           </a:p>
@@ -1203,7 +1203,7 @@
           <a:p>
             <a:fld id="{B540673F-1357-9443-ADCA-90B5455D5376}" type="datetimeFigureOut">
               <a:rPr lang="en-US" smtClean="0"/>
-              <a:t>4/21/16</a:t>
+              <a:t>4/29/16</a:t>
             </a:fld>
             <a:endParaRPr lang="en-US" dirty="0"/>
           </a:p>
@@ -1449,7 +1449,7 @@
           <a:p>
             <a:fld id="{B540673F-1357-9443-ADCA-90B5455D5376}" type="datetimeFigureOut">
               <a:rPr lang="en-US" smtClean="0"/>
-              <a:t>4/21/16</a:t>
+              <a:t>4/29/16</a:t>
             </a:fld>
             <a:endParaRPr lang="en-US" dirty="0"/>
           </a:p>
@@ -1681,7 +1681,7 @@
           <a:p>
             <a:fld id="{B540673F-1357-9443-ADCA-90B5455D5376}" type="datetimeFigureOut">
               <a:rPr lang="en-US" smtClean="0"/>
-              <a:t>4/21/16</a:t>
+              <a:t>4/29/16</a:t>
             </a:fld>
             <a:endParaRPr lang="en-US" dirty="0"/>
           </a:p>
@@ -2048,7 +2048,7 @@
           <a:p>
             <a:fld id="{B540673F-1357-9443-ADCA-90B5455D5376}" type="datetimeFigureOut">
               <a:rPr lang="en-US" smtClean="0"/>
-              <a:t>4/21/16</a:t>
+              <a:t>4/29/16</a:t>
             </a:fld>
             <a:endParaRPr lang="en-US" dirty="0"/>
           </a:p>
@@ -2166,7 +2166,7 @@
           <a:p>
             <a:fld id="{B540673F-1357-9443-ADCA-90B5455D5376}" type="datetimeFigureOut">
               <a:rPr lang="en-US" smtClean="0"/>
-              <a:t>4/21/16</a:t>
+              <a:t>4/29/16</a:t>
             </a:fld>
             <a:endParaRPr lang="en-US" dirty="0"/>
           </a:p>
@@ -2261,7 +2261,7 @@
           <a:p>
             <a:fld id="{B540673F-1357-9443-ADCA-90B5455D5376}" type="datetimeFigureOut">
               <a:rPr lang="en-US" smtClean="0"/>
-              <a:t>4/21/16</a:t>
+              <a:t>4/29/16</a:t>
             </a:fld>
             <a:endParaRPr lang="en-US" dirty="0"/>
           </a:p>
@@ -2538,7 +2538,7 @@
           <a:p>
             <a:fld id="{B540673F-1357-9443-ADCA-90B5455D5376}" type="datetimeFigureOut">
               <a:rPr lang="en-US" smtClean="0"/>
-              <a:t>4/21/16</a:t>
+              <a:t>4/29/16</a:t>
             </a:fld>
             <a:endParaRPr lang="en-US" dirty="0"/>
           </a:p>
@@ -2791,7 +2791,7 @@
           <a:p>
             <a:fld id="{B540673F-1357-9443-ADCA-90B5455D5376}" type="datetimeFigureOut">
               <a:rPr lang="en-US" smtClean="0"/>
-              <a:t>4/21/16</a:t>
+              <a:t>4/29/16</a:t>
             </a:fld>
             <a:endParaRPr lang="en-US" dirty="0"/>
           </a:p>
@@ -3004,7 +3004,7 @@
           <a:p>
             <a:fld id="{B540673F-1357-9443-ADCA-90B5455D5376}" type="datetimeFigureOut">
               <a:rPr lang="en-US" smtClean="0"/>
-              <a:t>4/21/16</a:t>
+              <a:t>4/29/16</a:t>
             </a:fld>
             <a:endParaRPr lang="en-US" dirty="0"/>
           </a:p>
@@ -3419,8 +3419,8 @@
         </p:nvSpPr>
         <p:spPr>
           <a:xfrm>
-            <a:off x="340847" y="3690973"/>
-            <a:ext cx="5486400" cy="1828800"/>
+            <a:off x="340846" y="3690973"/>
+            <a:ext cx="8229600" cy="1828800"/>
           </a:xfrm>
           <a:prstGeom prst="rect">
             <a:avLst/>
@@ -3428,7 +3428,7 @@
           <a:noFill/>
           <a:ln>
             <a:solidFill>
-              <a:schemeClr val="bg1"/>
+              <a:schemeClr val="accent1"/>
             </a:solidFill>
           </a:ln>
         </p:spPr>
@@ -3475,7 +3475,7 @@
         <p:spPr>
           <a:xfrm>
             <a:off x="384078" y="1175981"/>
-            <a:ext cx="5486400" cy="1828800"/>
+            <a:ext cx="8229600" cy="1828800"/>
           </a:xfrm>
           <a:prstGeom prst="rect">
             <a:avLst/>
@@ -3562,7 +3562,7 @@
         </p:nvSpPr>
         <p:spPr>
           <a:xfrm rot="16200000">
-            <a:off x="-164639" y="4334643"/>
+            <a:off x="-82343" y="4334643"/>
             <a:ext cx="1710020" cy="553998"/>
           </a:xfrm>
           <a:prstGeom prst="rect">
@@ -3608,7 +3608,7 @@
         </p:nvCxnSpPr>
         <p:spPr>
           <a:xfrm>
-            <a:off x="1070529" y="3689953"/>
+            <a:off x="1299129" y="3689953"/>
             <a:ext cx="0" cy="1827527"/>
           </a:xfrm>
           <a:prstGeom prst="line">
@@ -3643,8 +3643,8 @@
         </p:nvSpPr>
         <p:spPr>
           <a:xfrm rot="16200000">
-            <a:off x="961444" y="3785731"/>
-            <a:ext cx="1983235" cy="1713290"/>
+            <a:off x="1607246" y="3442050"/>
+            <a:ext cx="1843773" cy="2400657"/>
           </a:xfrm>
           <a:prstGeom prst="rect">
             <a:avLst/>
@@ -3659,7 +3659,7 @@
           <a:p>
             <a:pPr algn="ctr"/>
             <a:r>
-              <a:rPr lang="en-US" sz="1000" b="1" dirty="0" smtClean="0">
+              <a:rPr lang="en-US" sz="1100" b="1" dirty="0" smtClean="0">
                 <a:solidFill>
                   <a:srgbClr val="CD1F28"/>
                 </a:solidFill>
@@ -3667,13 +3667,13 @@
               <a:t>Active SE Faculty</a:t>
             </a:r>
             <a:br>
-              <a:rPr lang="en-US" sz="1000" b="1" dirty="0" smtClean="0">
+              <a:rPr lang="en-US" sz="1100" b="1" dirty="0" smtClean="0">
                 <a:solidFill>
                   <a:srgbClr val="CD1F28"/>
                 </a:solidFill>
               </a:rPr>
             </a:br>
-            <a:endParaRPr lang="en-US" sz="800" b="1" dirty="0" smtClean="0">
+            <a:endParaRPr lang="en-US" sz="1100" b="1" dirty="0" smtClean="0">
               <a:solidFill>
                 <a:srgbClr val="CD1F28"/>
               </a:solidFill>
@@ -3682,125 +3682,154 @@
           <a:p>
             <a:pPr algn="ctr"/>
             <a:r>
-              <a:rPr lang="en-US" sz="900" dirty="0" smtClean="0"/>
+              <a:rPr lang="en-US" sz="1100" dirty="0" smtClean="0"/>
               <a:t> </a:t>
             </a:r>
             <a:r>
-              <a:rPr lang="en-US" sz="900" i="1" dirty="0" smtClean="0"/>
+              <a:rPr lang="en-US" sz="1100" i="1" dirty="0" smtClean="0"/>
               <a:t>Research</a:t>
             </a:r>
             <a:r>
-              <a:rPr lang="en-US" sz="900" dirty="0" smtClean="0"/>
+              <a:rPr lang="en-US" sz="1100" dirty="0" smtClean="0"/>
               <a:t>: </a:t>
             </a:r>
             <a:r>
-              <a:rPr lang="en-US" sz="900" dirty="0"/>
+              <a:rPr lang="en-US" sz="1100" dirty="0"/>
               <a:t>Tim </a:t>
             </a:r>
             <a:r>
-              <a:rPr lang="en-US" sz="900" dirty="0" err="1" smtClean="0"/>
+              <a:rPr lang="en-US" sz="1100" dirty="0" err="1" smtClean="0"/>
               <a:t>Menzies</a:t>
             </a:r>
             <a:r>
-              <a:rPr lang="en-US" sz="900" dirty="0" smtClean="0"/>
+              <a:rPr lang="en-US" sz="1100" dirty="0" smtClean="0"/>
               <a:t>,</a:t>
             </a:r>
-            <a:endParaRPr lang="en-US" sz="900" dirty="0"/>
+            <a:endParaRPr lang="en-US" sz="1100" dirty="0"/>
           </a:p>
           <a:p>
             <a:pPr algn="ctr"/>
             <a:r>
-              <a:rPr lang="en-US" sz="900" dirty="0" smtClean="0"/>
-              <a:t> Emerson Murphy-Hill, Chris </a:t>
-            </a:r>
-            <a:r>
-              <a:rPr lang="en-US" sz="900" dirty="0" err="1" smtClean="0"/>
+              <a:rPr lang="en-US" sz="1100" dirty="0" smtClean="0"/>
+              <a:t> Emerson Murphy-Hill</a:t>
+            </a:r>
+            <a:r>
+              <a:rPr lang="en-US" sz="1100" dirty="0" smtClean="0"/>
+              <a:t>,</a:t>
+            </a:r>
+          </a:p>
+          <a:p>
+            <a:pPr algn="ctr"/>
+            <a:r>
+              <a:rPr lang="en-US" sz="1100" dirty="0" smtClean="0"/>
+              <a:t> </a:t>
+            </a:r>
+            <a:r>
+              <a:rPr lang="en-US" sz="1100" dirty="0" smtClean="0"/>
+              <a:t>Chris </a:t>
+            </a:r>
+            <a:r>
+              <a:rPr lang="en-US" sz="1100" dirty="0" err="1" smtClean="0"/>
               <a:t>Parin</a:t>
             </a:r>
             <a:r>
-              <a:rPr lang="en-US" sz="900" dirty="0" smtClean="0"/>
+              <a:rPr lang="en-US" sz="1100" dirty="0" smtClean="0"/>
+              <a:t>, </a:t>
+            </a:r>
+            <a:r>
+              <a:rPr lang="en-US" sz="1100" dirty="0" err="1" smtClean="0"/>
+              <a:t>Kathyrn</a:t>
+            </a:r>
+            <a:r>
+              <a:rPr lang="en-US" sz="1100" dirty="0" smtClean="0"/>
+              <a:t> </a:t>
+            </a:r>
+            <a:r>
+              <a:rPr lang="en-US" sz="1100" dirty="0" err="1" smtClean="0"/>
+              <a:t>Stolee</a:t>
+            </a:r>
+            <a:r>
+              <a:rPr lang="en-US" sz="1100" dirty="0" smtClean="0"/>
               <a:t>,</a:t>
             </a:r>
           </a:p>
           <a:p>
             <a:pPr algn="ctr"/>
             <a:r>
-              <a:rPr lang="en-US" sz="900" dirty="0" err="1" smtClean="0"/>
-              <a:t>Kathyrn</a:t>
-            </a:r>
-            <a:r>
-              <a:rPr lang="en-US" sz="900" dirty="0" smtClean="0"/>
-              <a:t> </a:t>
-            </a:r>
-            <a:r>
-              <a:rPr lang="en-US" sz="900" dirty="0" err="1" smtClean="0"/>
-              <a:t>Stolee</a:t>
-            </a:r>
-            <a:r>
-              <a:rPr lang="en-US" sz="900" dirty="0" smtClean="0"/>
-              <a:t>, Laurie </a:t>
-            </a:r>
-            <a:r>
-              <a:rPr lang="en-US" sz="900" dirty="0" smtClean="0"/>
+              <a:rPr lang="en-US" sz="1100" dirty="0" smtClean="0"/>
+              <a:t> Laurie </a:t>
+            </a:r>
+            <a:r>
+              <a:rPr lang="en-US" sz="1100" dirty="0" smtClean="0"/>
               <a:t>Williams</a:t>
             </a:r>
           </a:p>
           <a:p>
             <a:pPr algn="ctr">
               <a:spcBef>
-                <a:spcPts val="800"/>
+                <a:spcPts val="1200"/>
               </a:spcBef>
               <a:spcAft>
                 <a:spcPts val="400"/>
               </a:spcAft>
             </a:pPr>
             <a:r>
-              <a:rPr lang="en-US" sz="900" b="1" i="1" dirty="0" smtClean="0"/>
+              <a:rPr lang="en-US" sz="1100" b="1" i="1" dirty="0" smtClean="0"/>
               <a:t>Teaching</a:t>
             </a:r>
             <a:r>
-              <a:rPr lang="en-US" sz="900" b="1" dirty="0"/>
+              <a:rPr lang="en-US" sz="1100" b="1" dirty="0"/>
               <a:t>: Sarah Heckman</a:t>
             </a:r>
             <a:r>
-              <a:rPr lang="en-US" sz="900" b="1" dirty="0" smtClean="0"/>
-              <a:t>, Jason King</a:t>
-            </a:r>
-            <a:endParaRPr lang="en-US" sz="900" i="1" dirty="0" smtClean="0"/>
+              <a:rPr lang="en-US" sz="1100" b="1" dirty="0" smtClean="0"/>
+              <a:t>,</a:t>
+            </a:r>
+            <a:br>
+              <a:rPr lang="en-US" sz="1100" b="1" dirty="0" smtClean="0"/>
+            </a:br>
+            <a:r>
+              <a:rPr lang="en-US" sz="1100" b="1" dirty="0" smtClean="0"/>
+              <a:t> </a:t>
+            </a:r>
+            <a:r>
+              <a:rPr lang="en-US" sz="1100" b="1" dirty="0" smtClean="0"/>
+              <a:t>Jason King</a:t>
+            </a:r>
+            <a:endParaRPr lang="en-US" sz="1100" i="1" dirty="0" smtClean="0"/>
           </a:p>
           <a:p>
             <a:pPr algn="ctr">
               <a:spcBef>
-                <a:spcPts val="800"/>
+                <a:spcPts val="1200"/>
               </a:spcBef>
               <a:spcAft>
                 <a:spcPts val="400"/>
               </a:spcAft>
             </a:pPr>
             <a:r>
-              <a:rPr lang="en-US" sz="900" i="1" dirty="0" smtClean="0"/>
+              <a:rPr lang="en-US" sz="1100" i="1" dirty="0" smtClean="0"/>
               <a:t>Adjunct</a:t>
             </a:r>
             <a:r>
-              <a:rPr lang="en-US" sz="900" dirty="0" smtClean="0"/>
+              <a:rPr lang="en-US" sz="1100" dirty="0" smtClean="0"/>
               <a:t>: Annie Anton, </a:t>
             </a:r>
             <a:br>
-              <a:rPr lang="en-US" sz="900" dirty="0" smtClean="0"/>
+              <a:rPr lang="en-US" sz="1100" dirty="0" smtClean="0"/>
             </a:br>
             <a:r>
-              <a:rPr lang="en-US" sz="900" dirty="0" smtClean="0"/>
+              <a:rPr lang="en-US" sz="1100" dirty="0" smtClean="0"/>
               <a:t>Aldo, </a:t>
             </a:r>
             <a:r>
-              <a:rPr lang="en-US" sz="900" dirty="0" err="1" smtClean="0"/>
+              <a:rPr lang="en-US" sz="1100" dirty="0" err="1" smtClean="0"/>
               <a:t>Dagnino</a:t>
             </a:r>
             <a:r>
-              <a:rPr lang="en-US" sz="900" dirty="0" smtClean="0"/>
+              <a:rPr lang="en-US" sz="1100" dirty="0" smtClean="0"/>
               <a:t>, Lucas Layman</a:t>
             </a:r>
-            <a:endParaRPr lang="en-US" sz="900" dirty="0" smtClean="0"/>
           </a:p>
           <a:p>
             <a:pPr algn="ctr">
@@ -3808,7 +3837,7 @@
                 <a:spcPts val="780"/>
               </a:lnSpc>
             </a:pPr>
-            <a:endParaRPr lang="en-US" sz="900" dirty="0" smtClean="0"/>
+            <a:endParaRPr lang="en-US" sz="1100" dirty="0" smtClean="0"/>
           </a:p>
           <a:p>
             <a:pPr algn="ctr">
@@ -3816,7 +3845,7 @@
                 <a:spcPts val="780"/>
               </a:lnSpc>
             </a:pPr>
-            <a:endParaRPr lang="en-US" sz="900" dirty="0" smtClean="0"/>
+            <a:endParaRPr lang="en-US" sz="1100" dirty="0" smtClean="0"/>
           </a:p>
         </p:txBody>
       </p:sp>
@@ -3828,7 +3857,7 @@
         </p:nvCxnSpPr>
         <p:spPr>
           <a:xfrm flipH="1">
-            <a:off x="2577357" y="3691148"/>
+            <a:off x="3583197" y="3691148"/>
             <a:ext cx="10132" cy="1826332"/>
           </a:xfrm>
           <a:prstGeom prst="line">
@@ -3863,8 +3892,8 @@
         </p:nvSpPr>
         <p:spPr>
           <a:xfrm rot="16200000">
-            <a:off x="2312005" y="4095959"/>
-            <a:ext cx="1691489" cy="1061829"/>
+            <a:off x="3434597" y="3988237"/>
+            <a:ext cx="2024913" cy="1277273"/>
           </a:xfrm>
           <a:prstGeom prst="rect">
             <a:avLst/>
@@ -3879,7 +3908,7 @@
           <a:p>
             <a:pPr algn="ctr"/>
             <a:r>
-              <a:rPr lang="en-US" sz="1000" b="1" dirty="0" smtClean="0">
+              <a:rPr lang="en-US" sz="1100" b="1" dirty="0" smtClean="0">
                 <a:solidFill>
                   <a:srgbClr val="CD1F28"/>
                 </a:solidFill>
@@ -3887,13 +3916,13 @@
               <a:t>Local industrial partners</a:t>
             </a:r>
             <a:br>
-              <a:rPr lang="en-US" sz="1000" b="1" dirty="0" smtClean="0">
+              <a:rPr lang="en-US" sz="1100" b="1" dirty="0" smtClean="0">
                 <a:solidFill>
                   <a:srgbClr val="CD1F28"/>
                 </a:solidFill>
               </a:rPr>
             </a:br>
-            <a:endParaRPr lang="en-US" sz="800" b="1" dirty="0" smtClean="0">
+            <a:endParaRPr lang="en-US" sz="1100" b="1" dirty="0" smtClean="0">
               <a:solidFill>
                 <a:srgbClr val="CD1F28"/>
               </a:solidFill>
@@ -3902,59 +3931,49 @@
           <a:p>
             <a:pPr algn="ctr"/>
             <a:r>
-              <a:rPr lang="en-US" sz="900" dirty="0" smtClean="0"/>
+              <a:rPr lang="en-US" sz="1100" dirty="0" smtClean="0"/>
               <a:t> On the same campus:</a:t>
             </a:r>
             <a:r>
-              <a:rPr lang="en-US" sz="900" dirty="0"/>
+              <a:rPr lang="en-US" sz="1100" dirty="0"/>
               <a:t/>
             </a:r>
             <a:br>
-              <a:rPr lang="en-US" sz="900" dirty="0"/>
+              <a:rPr lang="en-US" sz="1100" dirty="0"/>
             </a:br>
             <a:r>
-              <a:rPr lang="en-US" sz="900" dirty="0" smtClean="0"/>
-              <a:t> ABB, </a:t>
-            </a:r>
-            <a:r>
-              <a:rPr lang="en-US" sz="900" dirty="0" smtClean="0"/>
-              <a:t>LexisNexis, and more.</a:t>
-            </a:r>
-            <a:endParaRPr lang="en-US" sz="900" dirty="0" smtClean="0"/>
+              <a:rPr lang="en-US" sz="1100" dirty="0" smtClean="0"/>
+              <a:t> ABB, LexisNexis, and more.</a:t>
+            </a:r>
           </a:p>
           <a:p>
             <a:pPr algn="ctr"/>
             <a:r>
-              <a:rPr lang="en-US" sz="900" dirty="0" smtClean="0"/>
+              <a:rPr lang="en-US" sz="1100" dirty="0" smtClean="0"/>
               <a:t> </a:t>
             </a:r>
           </a:p>
           <a:p>
             <a:pPr algn="ctr"/>
             <a:r>
-              <a:rPr lang="en-US" sz="900" dirty="0" smtClean="0"/>
+              <a:rPr lang="en-US" sz="1100" dirty="0" smtClean="0"/>
               <a:t>Locally at Research</a:t>
             </a:r>
             <a:r>
-              <a:rPr lang="en-US" sz="900" dirty="0"/>
+              <a:rPr lang="en-US" sz="1100" dirty="0"/>
               <a:t> </a:t>
             </a:r>
             <a:r>
-              <a:rPr lang="en-US" sz="900" dirty="0" smtClean="0"/>
+              <a:rPr lang="en-US" sz="1100" dirty="0" smtClean="0"/>
               <a:t>Triangle:</a:t>
             </a:r>
             <a:br>
-              <a:rPr lang="en-US" sz="900" dirty="0" smtClean="0"/>
+              <a:rPr lang="en-US" sz="1100" dirty="0" smtClean="0"/>
             </a:br>
             <a:r>
-              <a:rPr lang="en-US" sz="900" dirty="0" smtClean="0"/>
-              <a:t> IBM, CISCO, </a:t>
-            </a:r>
-            <a:r>
-              <a:rPr lang="en-US" sz="900" dirty="0" smtClean="0"/>
-              <a:t>MetLife, and more.</a:t>
-            </a:r>
-            <a:endParaRPr lang="en-US" sz="900" dirty="0" smtClean="0"/>
+              <a:rPr lang="en-US" sz="1100" dirty="0" smtClean="0"/>
+              <a:t> IBM, CISCO, MetLife, and more.</a:t>
+            </a:r>
           </a:p>
         </p:txBody>
       </p:sp>
@@ -3966,7 +3985,7 @@
         </p:nvCxnSpPr>
         <p:spPr>
           <a:xfrm>
-            <a:off x="3757147" y="3691148"/>
+            <a:off x="5375635" y="3691148"/>
             <a:ext cx="0" cy="1826332"/>
           </a:xfrm>
           <a:prstGeom prst="line">
@@ -4001,8 +4020,8 @@
         </p:nvSpPr>
         <p:spPr>
           <a:xfrm rot="16200000">
-            <a:off x="3405226" y="4148684"/>
-            <a:ext cx="1710725" cy="923330"/>
+            <a:off x="5446088" y="4056352"/>
+            <a:ext cx="1670649" cy="1107996"/>
           </a:xfrm>
           <a:prstGeom prst="rect">
             <a:avLst/>
@@ -4017,7 +4036,7 @@
           <a:p>
             <a:pPr algn="ctr"/>
             <a:r>
-              <a:rPr lang="en-US" sz="1000" b="1" dirty="0" smtClean="0">
+              <a:rPr lang="en-US" sz="1100" b="1" dirty="0" smtClean="0">
                 <a:solidFill>
                   <a:srgbClr val="CD1F28"/>
                 </a:solidFill>
@@ -4025,13 +4044,13 @@
               <a:t>Vibrant Ph.D. community</a:t>
             </a:r>
             <a:br>
-              <a:rPr lang="en-US" sz="1000" b="1" dirty="0" smtClean="0">
+              <a:rPr lang="en-US" sz="1100" b="1" dirty="0" smtClean="0">
                 <a:solidFill>
                   <a:srgbClr val="CD1F28"/>
                 </a:solidFill>
               </a:rPr>
             </a:br>
-            <a:endParaRPr lang="en-US" sz="800" b="1" dirty="0" smtClean="0">
+            <a:endParaRPr lang="en-US" sz="1100" b="1" dirty="0" smtClean="0">
               <a:solidFill>
                 <a:srgbClr val="CD1F28"/>
               </a:solidFill>
@@ -4040,39 +4059,42 @@
           <a:p>
             <a:pPr algn="ctr"/>
             <a:r>
-              <a:rPr lang="en-US" sz="900" dirty="0" smtClean="0"/>
-              <a:t>20</a:t>
-            </a:r>
-            <a:r>
-              <a:rPr lang="en-US" sz="900" dirty="0" smtClean="0"/>
-              <a:t>+ Ph.D.s in SE</a:t>
+              <a:rPr lang="en-US" sz="1100" dirty="0" smtClean="0"/>
+              <a:t>20+ Ph.D.s in SE</a:t>
             </a:r>
           </a:p>
           <a:p>
             <a:pPr algn="ctr"/>
             <a:r>
-              <a:rPr lang="en-US" sz="900" dirty="0" smtClean="0"/>
-              <a:t>4 </a:t>
-            </a:r>
-            <a:r>
-              <a:rPr lang="en-US" sz="900" dirty="0" smtClean="0"/>
-              <a:t>years of TA support</a:t>
+              <a:rPr lang="en-US" sz="1100" dirty="0" smtClean="0"/>
+              <a:t>4 years of TA support</a:t>
             </a:r>
           </a:p>
           <a:p>
             <a:pPr algn="ctr"/>
             <a:r>
-              <a:rPr lang="en-US" sz="900" dirty="0" smtClean="0"/>
-              <a:t>Mentor opportunities for ugrads</a:t>
+              <a:rPr lang="en-US" sz="1100" dirty="0" smtClean="0"/>
+              <a:t>Mentor opportunities for </a:t>
+            </a:r>
+            <a:r>
+              <a:rPr lang="en-US" sz="1100" dirty="0" smtClean="0"/>
+              <a:t/>
             </a:r>
             <a:br>
-              <a:rPr lang="en-US" sz="900" dirty="0" smtClean="0"/>
+              <a:rPr lang="en-US" sz="1100" dirty="0" smtClean="0"/>
             </a:br>
             <a:r>
-              <a:rPr lang="en-US" sz="900" dirty="0" smtClean="0"/>
-              <a:t>(NSF REU)</a:t>
-            </a:r>
-            <a:endParaRPr lang="en-US" sz="900" dirty="0" smtClean="0"/>
+              <a:rPr lang="en-US" sz="1100" dirty="0" err="1" smtClean="0"/>
+              <a:t>ugrads</a:t>
+            </a:r>
+            <a:r>
+              <a:rPr lang="en-US" sz="1100" dirty="0" smtClean="0"/>
+              <a:t>(NSF </a:t>
+            </a:r>
+            <a:r>
+              <a:rPr lang="en-US" sz="1100" dirty="0" smtClean="0"/>
+              <a:t>REU)</a:t>
+            </a:r>
           </a:p>
         </p:txBody>
       </p:sp>
@@ -4084,8 +4106,8 @@
         </p:nvSpPr>
         <p:spPr>
           <a:xfrm rot="16200000">
-            <a:off x="4334745" y="4059026"/>
-            <a:ext cx="1828800" cy="1097280"/>
+            <a:off x="6929514" y="3879379"/>
+            <a:ext cx="1828800" cy="1461939"/>
           </a:xfrm>
           <a:prstGeom prst="rect">
             <a:avLst/>
@@ -4101,13 +4123,29 @@
           <a:lstStyle/>
           <a:p>
             <a:pPr algn="ctr"/>
+            <a:endParaRPr lang="en-US" sz="1600" b="1" dirty="0" smtClean="0">
+              <a:solidFill>
+                <a:schemeClr val="bg1"/>
+              </a:solidFill>
+            </a:endParaRPr>
+          </a:p>
+          <a:p>
+            <a:pPr algn="ctr"/>
             <a:r>
               <a:rPr lang="en-US" sz="1600" b="1" dirty="0" smtClean="0">
                 <a:solidFill>
                   <a:schemeClr val="bg1"/>
                 </a:solidFill>
               </a:rPr>
-              <a:t>Learn more!</a:t>
+              <a:t>Learn </a:t>
+            </a:r>
+            <a:r>
+              <a:rPr lang="en-US" sz="1600" b="1" dirty="0" smtClean="0">
+                <a:solidFill>
+                  <a:schemeClr val="bg1"/>
+                </a:solidFill>
+              </a:rPr>
+              <a:t>more!</a:t>
             </a:r>
             <a:br>
               <a:rPr lang="en-US" sz="1600" b="1" dirty="0" smtClean="0">
@@ -4215,7 +4253,43 @@
                   <a:schemeClr val="bg1"/>
                 </a:solidFill>
               </a:rPr>
-              <a:t>Contact: williams@csc.ncsu.edu  </a:t>
+              <a:t>Contact: </a:t>
+            </a:r>
+            <a:r>
+              <a:rPr lang="en-US" sz="900" dirty="0" err="1" smtClean="0">
+                <a:solidFill>
+                  <a:schemeClr val="bg1"/>
+                </a:solidFill>
+              </a:rPr>
+              <a:t>williams@csc.ncsu.edu</a:t>
+            </a:r>
+            <a:r>
+              <a:rPr lang="en-US" sz="900" dirty="0" smtClean="0">
+                <a:solidFill>
+                  <a:schemeClr val="bg1"/>
+                </a:solidFill>
+              </a:rPr>
+              <a:t> </a:t>
+            </a:r>
+            <a:endParaRPr lang="en-US" sz="900" dirty="0" smtClean="0">
+              <a:solidFill>
+                <a:schemeClr val="bg1"/>
+              </a:solidFill>
+            </a:endParaRPr>
+          </a:p>
+          <a:p>
+            <a:pPr algn="ctr">
+              <a:lnSpc>
+                <a:spcPts val="880"/>
+              </a:lnSpc>
+            </a:pPr>
+            <a:r>
+              <a:rPr lang="en-US" sz="900" dirty="0" smtClean="0">
+                <a:solidFill>
+                  <a:schemeClr val="bg1"/>
+                </a:solidFill>
+              </a:rPr>
+              <a:t> </a:t>
             </a:r>
             <a:endParaRPr lang="en-US" sz="900" dirty="0"/>
           </a:p>
@@ -4237,8 +4311,8 @@
         </p:blipFill>
         <p:spPr>
           <a:xfrm>
-            <a:off x="3644032" y="1593492"/>
-            <a:ext cx="2149039" cy="1013593"/>
+            <a:off x="5242282" y="1262811"/>
+            <a:ext cx="3371396" cy="1590117"/>
           </a:xfrm>
           <a:prstGeom prst="rect">
             <a:avLst/>
@@ -4261,7 +4335,7 @@
         </p:blipFill>
         <p:spPr>
           <a:xfrm>
-            <a:off x="6260319" y="1175981"/>
+            <a:off x="8628615" y="1175981"/>
             <a:ext cx="5486400" cy="1777716"/>
           </a:xfrm>
           <a:prstGeom prst="rect">
@@ -4285,7 +4359,7 @@
         </p:blipFill>
         <p:spPr>
           <a:xfrm>
-            <a:off x="6215509" y="3407092"/>
+            <a:off x="8995285" y="3489388"/>
             <a:ext cx="5483980" cy="1819656"/>
           </a:xfrm>
           <a:prstGeom prst="rect">

--- a/img/bookmark.pptx
+++ b/img/bookmark.pptx
@@ -3428,7 +3428,7 @@
           <a:noFill/>
           <a:ln>
             <a:solidFill>
-              <a:schemeClr val="accent1"/>
+              <a:srgbClr val="C00000"/>
             </a:solidFill>
           </a:ln>
         </p:spPr>
@@ -3562,8 +3562,8 @@
         </p:nvSpPr>
         <p:spPr>
           <a:xfrm rot="16200000">
-            <a:off x="-82343" y="4334643"/>
-            <a:ext cx="1710020" cy="553998"/>
+            <a:off x="-54911" y="4334643"/>
+            <a:ext cx="1710019" cy="553998"/>
           </a:xfrm>
           <a:prstGeom prst="rect">
             <a:avLst/>
@@ -3593,48 +3593,17 @@
               </a:lnSpc>
             </a:pPr>
             <a:r>
+              <a:rPr lang="en-US" b="1" dirty="0" err="1" smtClean="0"/>
+              <a:t>you@ncsu.edu</a:t>
+            </a:r>
+            <a:r>
               <a:rPr lang="en-US" b="1" dirty="0" smtClean="0"/>
-              <a:t>you@ncsu.edu?</a:t>
+              <a:t>?</a:t>
             </a:r>
             <a:endParaRPr lang="en-US" b="1" dirty="0"/>
           </a:p>
         </p:txBody>
       </p:sp>
-      <p:cxnSp>
-        <p:nvCxnSpPr>
-          <p:cNvPr id="16" name="Straight Connector 15"/>
-          <p:cNvCxnSpPr/>
-          <p:nvPr/>
-        </p:nvCxnSpPr>
-        <p:spPr>
-          <a:xfrm>
-            <a:off x="1299129" y="3689953"/>
-            <a:ext cx="0" cy="1827527"/>
-          </a:xfrm>
-          <a:prstGeom prst="line">
-            <a:avLst/>
-          </a:prstGeom>
-          <a:ln w="69850">
-            <a:solidFill>
-              <a:srgbClr val="CD1F28"/>
-            </a:solidFill>
-          </a:ln>
-        </p:spPr>
-        <p:style>
-          <a:lnRef idx="1">
-            <a:schemeClr val="accent1"/>
-          </a:lnRef>
-          <a:fillRef idx="0">
-            <a:schemeClr val="accent1"/>
-          </a:fillRef>
-          <a:effectRef idx="0">
-            <a:schemeClr val="accent1"/>
-          </a:effectRef>
-          <a:fontRef idx="minor">
-            <a:schemeClr val="tx1"/>
-          </a:fontRef>
-        </p:style>
-      </p:cxnSp>
       <p:sp>
         <p:nvSpPr>
           <p:cNvPr id="17" name="TextBox 16"/>
@@ -3643,8 +3612,8 @@
         </p:nvSpPr>
         <p:spPr>
           <a:xfrm rot="16200000">
-            <a:off x="1607246" y="3442050"/>
-            <a:ext cx="1843773" cy="2400657"/>
+            <a:off x="1726117" y="3392985"/>
+            <a:ext cx="1843774" cy="2462213"/>
           </a:xfrm>
           <a:prstGeom prst="rect">
             <a:avLst/>
@@ -3659,12 +3628,235 @@
           <a:p>
             <a:pPr algn="ctr"/>
             <a:r>
+              <a:rPr lang="en-US" sz="1300" b="1" dirty="0" smtClean="0">
+                <a:solidFill>
+                  <a:srgbClr val="C00000"/>
+                </a:solidFill>
+              </a:rPr>
+              <a:t>Active SE Faculty</a:t>
+            </a:r>
+            <a:br>
+              <a:rPr lang="en-US" sz="1300" b="1" dirty="0" smtClean="0">
+                <a:solidFill>
+                  <a:srgbClr val="C00000"/>
+                </a:solidFill>
+              </a:rPr>
+            </a:br>
+            <a:endParaRPr lang="en-US" sz="1300" b="1" dirty="0" smtClean="0">
+              <a:solidFill>
+                <a:srgbClr val="C00000"/>
+              </a:solidFill>
+            </a:endParaRPr>
+          </a:p>
+          <a:p>
+            <a:pPr algn="ctr"/>
+            <a:r>
+              <a:rPr lang="en-US" sz="1100" dirty="0" smtClean="0"/>
+              <a:t> </a:t>
+            </a:r>
+            <a:r>
+              <a:rPr lang="en-US" sz="1100" i="1" dirty="0" smtClean="0"/>
+              <a:t>Research</a:t>
+            </a:r>
+            <a:r>
+              <a:rPr lang="en-US" sz="1100" dirty="0" smtClean="0"/>
+              <a:t>: </a:t>
+            </a:r>
+            <a:r>
+              <a:rPr lang="en-US" sz="1100" dirty="0"/>
+              <a:t> Laurie </a:t>
+            </a:r>
+            <a:r>
+              <a:rPr lang="en-US" sz="1100" dirty="0" smtClean="0"/>
+              <a:t>Williams,</a:t>
+            </a:r>
+            <a:endParaRPr lang="en-US" sz="1100" dirty="0"/>
+          </a:p>
+          <a:p>
+            <a:pPr algn="ctr"/>
+            <a:r>
+              <a:rPr lang="en-US" sz="1100" dirty="0" smtClean="0"/>
+              <a:t>Tim </a:t>
+            </a:r>
+            <a:r>
+              <a:rPr lang="en-US" sz="1100" dirty="0" err="1" smtClean="0"/>
+              <a:t>Menzies</a:t>
+            </a:r>
+            <a:r>
+              <a:rPr lang="en-US" sz="1100" dirty="0" smtClean="0"/>
+              <a:t>, </a:t>
+            </a:r>
+            <a:r>
+              <a:rPr lang="en-US" sz="1100" dirty="0" smtClean="0"/>
+              <a:t>Emerson </a:t>
+            </a:r>
+            <a:endParaRPr lang="en-US" sz="1100" dirty="0" smtClean="0"/>
+          </a:p>
+          <a:p>
+            <a:pPr algn="ctr"/>
+            <a:r>
+              <a:rPr lang="en-US" sz="1100" dirty="0" smtClean="0"/>
+              <a:t>Murphy-Hill, </a:t>
+            </a:r>
+            <a:r>
+              <a:rPr lang="en-US" sz="1100" dirty="0" smtClean="0"/>
+              <a:t>Chris </a:t>
+            </a:r>
+            <a:r>
+              <a:rPr lang="en-US" sz="1100" dirty="0" err="1" smtClean="0"/>
+              <a:t>Parin</a:t>
+            </a:r>
+            <a:r>
+              <a:rPr lang="en-US" sz="1100" dirty="0" smtClean="0"/>
+              <a:t>,</a:t>
+            </a:r>
+          </a:p>
+          <a:p>
+            <a:pPr algn="ctr"/>
+            <a:r>
+              <a:rPr lang="en-US" sz="1100" dirty="0" smtClean="0"/>
+              <a:t> </a:t>
+            </a:r>
+            <a:r>
+              <a:rPr lang="en-US" sz="1100" dirty="0" err="1" smtClean="0"/>
+              <a:t>Kathyrn</a:t>
+            </a:r>
+            <a:r>
+              <a:rPr lang="en-US" sz="1100" dirty="0" smtClean="0"/>
+              <a:t> </a:t>
+            </a:r>
+            <a:r>
+              <a:rPr lang="en-US" sz="1100" dirty="0" err="1" smtClean="0"/>
+              <a:t>Stolee</a:t>
+            </a:r>
+            <a:r>
+              <a:rPr lang="en-US" sz="1100" dirty="0" smtClean="0"/>
+              <a:t>,</a:t>
+            </a:r>
+          </a:p>
+          <a:p>
+            <a:pPr algn="ctr">
+              <a:spcBef>
+                <a:spcPts val="1200"/>
+              </a:spcBef>
+              <a:spcAft>
+                <a:spcPts val="400"/>
+              </a:spcAft>
+            </a:pPr>
+            <a:r>
+              <a:rPr lang="en-US" sz="1100" b="1" i="1" dirty="0" smtClean="0"/>
+              <a:t>Teaching</a:t>
+            </a:r>
+            <a:r>
+              <a:rPr lang="en-US" sz="1100" b="1" dirty="0"/>
+              <a:t>: Sarah Heckman</a:t>
+            </a:r>
+            <a:r>
+              <a:rPr lang="en-US" sz="1100" b="1" dirty="0" smtClean="0"/>
+              <a:t>,</a:t>
+            </a:r>
+            <a:br>
+              <a:rPr lang="en-US" sz="1100" b="1" dirty="0" smtClean="0"/>
+            </a:br>
+            <a:r>
+              <a:rPr lang="en-US" sz="1100" b="1" dirty="0" smtClean="0"/>
+              <a:t> </a:t>
+            </a:r>
+            <a:r>
+              <a:rPr lang="en-US" sz="1100" b="1" dirty="0" smtClean="0"/>
+              <a:t>Jason King</a:t>
+            </a:r>
+            <a:endParaRPr lang="en-US" sz="1100" i="1" dirty="0" smtClean="0"/>
+          </a:p>
+          <a:p>
+            <a:pPr algn="ctr">
+              <a:spcBef>
+                <a:spcPts val="1200"/>
+              </a:spcBef>
+              <a:spcAft>
+                <a:spcPts val="400"/>
+              </a:spcAft>
+            </a:pPr>
+            <a:r>
+              <a:rPr lang="en-US" sz="1100" i="1" dirty="0" smtClean="0"/>
+              <a:t>Adjunct</a:t>
+            </a:r>
+            <a:r>
+              <a:rPr lang="en-US" sz="1100" dirty="0" smtClean="0"/>
+              <a:t>: Annie Anton, </a:t>
+            </a:r>
+            <a:br>
+              <a:rPr lang="en-US" sz="1100" dirty="0" smtClean="0"/>
+            </a:br>
+            <a:r>
+              <a:rPr lang="en-US" sz="1100" dirty="0" smtClean="0"/>
+              <a:t>Aldo, </a:t>
+            </a:r>
+            <a:r>
+              <a:rPr lang="en-US" sz="1100" dirty="0" err="1" smtClean="0"/>
+              <a:t>Dagnino</a:t>
+            </a:r>
+            <a:r>
+              <a:rPr lang="en-US" sz="1100" dirty="0" smtClean="0"/>
+              <a:t>, Lucas Layman</a:t>
+            </a:r>
+          </a:p>
+          <a:p>
+            <a:pPr algn="ctr">
+              <a:lnSpc>
+                <a:spcPts val="780"/>
+              </a:lnSpc>
+            </a:pPr>
+            <a:endParaRPr lang="en-US" sz="1100" dirty="0" smtClean="0"/>
+          </a:p>
+          <a:p>
+            <a:pPr algn="ctr">
+              <a:lnSpc>
+                <a:spcPts val="780"/>
+              </a:lnSpc>
+            </a:pPr>
+            <a:endParaRPr lang="en-US" sz="1100" dirty="0" smtClean="0"/>
+          </a:p>
+        </p:txBody>
+      </p:sp>
+      <p:sp>
+        <p:nvSpPr>
+          <p:cNvPr id="20" name="TextBox 19"/>
+          <p:cNvSpPr txBox="1"/>
+          <p:nvPr/>
+        </p:nvSpPr>
+        <p:spPr>
+          <a:xfrm rot="16200000">
+            <a:off x="3756434" y="3879067"/>
+            <a:ext cx="1856726" cy="1477328"/>
+          </a:xfrm>
+          <a:prstGeom prst="rect">
+            <a:avLst/>
+          </a:prstGeom>
+          <a:noFill/>
+        </p:spPr>
+        <p:txBody>
+          <a:bodyPr wrap="none" rtlCol="0">
+            <a:spAutoFit/>
+          </a:bodyPr>
+          <a:lstStyle/>
+          <a:p>
+            <a:pPr algn="ctr"/>
+            <a:r>
+              <a:rPr lang="en-US" sz="1300" b="1" dirty="0" smtClean="0">
+                <a:solidFill>
+                  <a:srgbClr val="C00000"/>
+                </a:solidFill>
+              </a:rPr>
+              <a:t>Local industrial partners</a:t>
+            </a:r>
+            <a:r>
               <a:rPr lang="en-US" sz="1100" b="1" dirty="0" smtClean="0">
                 <a:solidFill>
                   <a:srgbClr val="CD1F28"/>
                 </a:solidFill>
               </a:rPr>
-              <a:t>Active SE Faculty</a:t>
+              <a:t/>
             </a:r>
             <a:br>
               <a:rPr lang="en-US" sz="1100" b="1" dirty="0" smtClean="0">
@@ -3683,39 +3875,18 @@
             <a:pPr algn="ctr"/>
             <a:r>
               <a:rPr lang="en-US" sz="1100" dirty="0" smtClean="0"/>
-              <a:t> </a:t>
-            </a:r>
-            <a:r>
-              <a:rPr lang="en-US" sz="1100" i="1" dirty="0" smtClean="0"/>
-              <a:t>Research</a:t>
-            </a:r>
+              <a:t> On the same campus:</a:t>
+            </a:r>
+            <a:r>
+              <a:rPr lang="en-US" sz="1100" dirty="0"/>
+              <a:t/>
+            </a:r>
+            <a:br>
+              <a:rPr lang="en-US" sz="1100" dirty="0"/>
+            </a:br>
             <a:r>
               <a:rPr lang="en-US" sz="1100" dirty="0" smtClean="0"/>
-              <a:t>: </a:t>
-            </a:r>
-            <a:r>
-              <a:rPr lang="en-US" sz="1100" dirty="0"/>
-              <a:t>Tim </a:t>
-            </a:r>
-            <a:r>
-              <a:rPr lang="en-US" sz="1100" dirty="0" err="1" smtClean="0"/>
-              <a:t>Menzies</a:t>
-            </a:r>
-            <a:r>
-              <a:rPr lang="en-US" sz="1100" dirty="0" smtClean="0"/>
-              <a:t>,</a:t>
-            </a:r>
-            <a:endParaRPr lang="en-US" sz="1100" dirty="0"/>
-          </a:p>
-          <a:p>
-            <a:pPr algn="ctr"/>
-            <a:r>
-              <a:rPr lang="en-US" sz="1100" dirty="0" smtClean="0"/>
-              <a:t> Emerson Murphy-Hill</a:t>
-            </a:r>
-            <a:r>
-              <a:rPr lang="en-US" sz="1100" dirty="0" smtClean="0"/>
-              <a:t>,</a:t>
+              <a:t> ABB, LexisNexis, and more.</a:t>
             </a:r>
           </a:p>
           <a:p>
@@ -3724,176 +3895,56 @@
               <a:rPr lang="en-US" sz="1100" dirty="0" smtClean="0"/>
               <a:t> </a:t>
             </a:r>
+          </a:p>
+          <a:p>
+            <a:pPr algn="ctr"/>
             <a:r>
               <a:rPr lang="en-US" sz="1100" dirty="0" smtClean="0"/>
-              <a:t>Chris </a:t>
-            </a:r>
-            <a:r>
-              <a:rPr lang="en-US" sz="1100" dirty="0" err="1" smtClean="0"/>
-              <a:t>Parin</a:t>
+              <a:t>Locally at Research</a:t>
+            </a:r>
+            <a:r>
+              <a:rPr lang="en-US" sz="1100" dirty="0"/>
+              <a:t> </a:t>
             </a:r>
             <a:r>
               <a:rPr lang="en-US" sz="1100" dirty="0" smtClean="0"/>
-              <a:t>, </a:t>
-            </a:r>
-            <a:r>
-              <a:rPr lang="en-US" sz="1100" dirty="0" err="1" smtClean="0"/>
-              <a:t>Kathyrn</a:t>
-            </a:r>
-            <a:r>
-              <a:rPr lang="en-US" sz="1100" dirty="0" smtClean="0"/>
-              <a:t> </a:t>
-            </a:r>
-            <a:r>
-              <a:rPr lang="en-US" sz="1100" dirty="0" err="1" smtClean="0"/>
-              <a:t>Stolee</a:t>
-            </a:r>
-            <a:r>
-              <a:rPr lang="en-US" sz="1100" dirty="0" smtClean="0"/>
-              <a:t>,</a:t>
-            </a:r>
-          </a:p>
-          <a:p>
-            <a:pPr algn="ctr"/>
-            <a:r>
-              <a:rPr lang="en-US" sz="1100" dirty="0" smtClean="0"/>
-              <a:t> Laurie </a:t>
-            </a:r>
-            <a:r>
-              <a:rPr lang="en-US" sz="1100" dirty="0" smtClean="0"/>
-              <a:t>Williams</a:t>
-            </a:r>
-          </a:p>
-          <a:p>
-            <a:pPr algn="ctr">
-              <a:spcBef>
-                <a:spcPts val="1200"/>
-              </a:spcBef>
-              <a:spcAft>
-                <a:spcPts val="400"/>
-              </a:spcAft>
-            </a:pPr>
-            <a:r>
-              <a:rPr lang="en-US" sz="1100" b="1" i="1" dirty="0" smtClean="0"/>
-              <a:t>Teaching</a:t>
-            </a:r>
-            <a:r>
-              <a:rPr lang="en-US" sz="1100" b="1" dirty="0"/>
-              <a:t>: Sarah Heckman</a:t>
-            </a:r>
-            <a:r>
-              <a:rPr lang="en-US" sz="1100" b="1" dirty="0" smtClean="0"/>
-              <a:t>,</a:t>
-            </a:r>
-            <a:br>
-              <a:rPr lang="en-US" sz="1100" b="1" dirty="0" smtClean="0"/>
-            </a:br>
-            <a:r>
-              <a:rPr lang="en-US" sz="1100" b="1" dirty="0" smtClean="0"/>
-              <a:t> </a:t>
-            </a:r>
-            <a:r>
-              <a:rPr lang="en-US" sz="1100" b="1" dirty="0" smtClean="0"/>
-              <a:t>Jason King</a:t>
-            </a:r>
-            <a:endParaRPr lang="en-US" sz="1100" i="1" dirty="0" smtClean="0"/>
-          </a:p>
-          <a:p>
-            <a:pPr algn="ctr">
-              <a:spcBef>
-                <a:spcPts val="1200"/>
-              </a:spcBef>
-              <a:spcAft>
-                <a:spcPts val="400"/>
-              </a:spcAft>
-            </a:pPr>
-            <a:r>
-              <a:rPr lang="en-US" sz="1100" i="1" dirty="0" smtClean="0"/>
-              <a:t>Adjunct</a:t>
-            </a:r>
-            <a:r>
-              <a:rPr lang="en-US" sz="1100" dirty="0" smtClean="0"/>
-              <a:t>: Annie Anton, </a:t>
+              <a:t>Triangle:</a:t>
             </a:r>
             <a:br>
               <a:rPr lang="en-US" sz="1100" dirty="0" smtClean="0"/>
             </a:br>
             <a:r>
               <a:rPr lang="en-US" sz="1100" dirty="0" smtClean="0"/>
-              <a:t>Aldo, </a:t>
-            </a:r>
-            <a:r>
-              <a:rPr lang="en-US" sz="1100" dirty="0" err="1" smtClean="0"/>
-              <a:t>Dagnino</a:t>
+              <a:t> IBM, CISCO, MetLife</a:t>
             </a:r>
             <a:r>
               <a:rPr lang="en-US" sz="1100" dirty="0" smtClean="0"/>
-              <a:t>, Lucas Layman</a:t>
-            </a:r>
-          </a:p>
-          <a:p>
-            <a:pPr algn="ctr">
-              <a:lnSpc>
-                <a:spcPts val="780"/>
-              </a:lnSpc>
-            </a:pPr>
-            <a:endParaRPr lang="en-US" sz="1100" dirty="0" smtClean="0"/>
-          </a:p>
-          <a:p>
-            <a:pPr algn="ctr">
-              <a:lnSpc>
-                <a:spcPts val="780"/>
-              </a:lnSpc>
-            </a:pPr>
-            <a:endParaRPr lang="en-US" sz="1100" dirty="0" smtClean="0"/>
-          </a:p>
-        </p:txBody>
-      </p:sp>
-      <p:cxnSp>
-        <p:nvCxnSpPr>
-          <p:cNvPr id="18" name="Straight Connector 17"/>
-          <p:cNvCxnSpPr/>
-          <p:nvPr/>
-        </p:nvCxnSpPr>
-        <p:spPr>
-          <a:xfrm flipH="1">
-            <a:off x="3583197" y="3691148"/>
-            <a:ext cx="10132" cy="1826332"/>
-          </a:xfrm>
-          <a:prstGeom prst="line">
-            <a:avLst/>
-          </a:prstGeom>
-          <a:ln w="69850">
-            <a:solidFill>
-              <a:srgbClr val="CD1F28"/>
-            </a:solidFill>
-          </a:ln>
-        </p:spPr>
-        <p:style>
-          <a:lnRef idx="1">
-            <a:schemeClr val="accent1"/>
-          </a:lnRef>
-          <a:fillRef idx="0">
-            <a:schemeClr val="accent1"/>
-          </a:fillRef>
-          <a:effectRef idx="0">
-            <a:schemeClr val="accent1"/>
-          </a:effectRef>
-          <a:fontRef idx="minor">
-            <a:schemeClr val="tx1"/>
-          </a:fontRef>
-        </p:style>
-      </p:cxnSp>
-      <p:sp>
-        <p:nvSpPr>
-          <p:cNvPr id="20" name="TextBox 19"/>
+              <a:t>,</a:t>
+            </a:r>
+            <a:br>
+              <a:rPr lang="en-US" sz="1100" dirty="0" smtClean="0"/>
+            </a:br>
+            <a:r>
+              <a:rPr lang="en-US" sz="1100" dirty="0" smtClean="0"/>
+              <a:t> </a:t>
+            </a:r>
+            <a:r>
+              <a:rPr lang="en-US" sz="1100" dirty="0" smtClean="0"/>
+              <a:t>and more.</a:t>
+            </a:r>
+          </a:p>
+        </p:txBody>
+      </p:sp>
+      <p:sp>
+        <p:nvSpPr>
+          <p:cNvPr id="22" name="TextBox 21"/>
           <p:cNvSpPr txBox="1"/>
           <p:nvPr/>
         </p:nvSpPr>
         <p:spPr>
           <a:xfrm rot="16200000">
-            <a:off x="3434597" y="3988237"/>
-            <a:ext cx="2024913" cy="1277273"/>
+            <a:off x="5448327" y="4043375"/>
+            <a:ext cx="1800044" cy="1138773"/>
           </a:xfrm>
           <a:prstGeom prst="rect">
             <a:avLst/>
@@ -3908,21 +3959,21 @@
           <a:p>
             <a:pPr algn="ctr"/>
             <a:r>
-              <a:rPr lang="en-US" sz="1100" b="1" dirty="0" smtClean="0">
+              <a:rPr lang="en-US" sz="1200" b="1" dirty="0" smtClean="0">
                 <a:solidFill>
                   <a:srgbClr val="CD1F28"/>
                 </a:solidFill>
               </a:rPr>
-              <a:t>Local industrial partners</a:t>
+              <a:t>Vibrant Ph.D. community</a:t>
             </a:r>
             <a:br>
-              <a:rPr lang="en-US" sz="1100" b="1" dirty="0" smtClean="0">
+              <a:rPr lang="en-US" sz="1200" b="1" dirty="0" smtClean="0">
                 <a:solidFill>
                   <a:srgbClr val="CD1F28"/>
                 </a:solidFill>
               </a:rPr>
             </a:br>
-            <a:endParaRPr lang="en-US" sz="1100" b="1" dirty="0" smtClean="0">
+            <a:endParaRPr lang="en-US" sz="1200" b="1" dirty="0" smtClean="0">
               <a:solidFill>
                 <a:srgbClr val="CD1F28"/>
               </a:solidFill>
@@ -3932,158 +3983,30 @@
             <a:pPr algn="ctr"/>
             <a:r>
               <a:rPr lang="en-US" sz="1100" dirty="0" smtClean="0"/>
-              <a:t> On the same campus:</a:t>
-            </a:r>
-            <a:r>
-              <a:rPr lang="en-US" sz="1100" dirty="0"/>
+              <a:t>20+ Ph.D.s in SE</a:t>
+            </a:r>
+          </a:p>
+          <a:p>
+            <a:pPr algn="ctr"/>
+            <a:r>
+              <a:rPr lang="en-US" sz="1100" dirty="0" smtClean="0"/>
+              <a:t>4 years of TA support</a:t>
+            </a:r>
+          </a:p>
+          <a:p>
+            <a:pPr algn="ctr"/>
+            <a:r>
+              <a:rPr lang="en-US" sz="1100" dirty="0" smtClean="0"/>
+              <a:t>Mentor opportunities for </a:t>
+            </a:r>
+            <a:r>
+              <a:rPr lang="en-US" sz="1100" dirty="0" smtClean="0"/>
               <a:t/>
-            </a:r>
-            <a:br>
-              <a:rPr lang="en-US" sz="1100" dirty="0"/>
-            </a:br>
-            <a:r>
-              <a:rPr lang="en-US" sz="1100" dirty="0" smtClean="0"/>
-              <a:t> ABB, LexisNexis, and more.</a:t>
-            </a:r>
-          </a:p>
-          <a:p>
-            <a:pPr algn="ctr"/>
-            <a:r>
-              <a:rPr lang="en-US" sz="1100" dirty="0" smtClean="0"/>
-              <a:t> </a:t>
-            </a:r>
-          </a:p>
-          <a:p>
-            <a:pPr algn="ctr"/>
-            <a:r>
-              <a:rPr lang="en-US" sz="1100" dirty="0" smtClean="0"/>
-              <a:t>Locally at Research</a:t>
-            </a:r>
-            <a:r>
-              <a:rPr lang="en-US" sz="1100" dirty="0"/>
-              <a:t> </a:t>
-            </a:r>
-            <a:r>
-              <a:rPr lang="en-US" sz="1100" dirty="0" smtClean="0"/>
-              <a:t>Triangle:</a:t>
             </a:r>
             <a:br>
               <a:rPr lang="en-US" sz="1100" dirty="0" smtClean="0"/>
             </a:br>
             <a:r>
-              <a:rPr lang="en-US" sz="1100" dirty="0" smtClean="0"/>
-              <a:t> IBM, CISCO, MetLife, and more.</a:t>
-            </a:r>
-          </a:p>
-        </p:txBody>
-      </p:sp>
-      <p:cxnSp>
-        <p:nvCxnSpPr>
-          <p:cNvPr id="21" name="Straight Connector 20"/>
-          <p:cNvCxnSpPr/>
-          <p:nvPr/>
-        </p:nvCxnSpPr>
-        <p:spPr>
-          <a:xfrm>
-            <a:off x="5375635" y="3691148"/>
-            <a:ext cx="0" cy="1826332"/>
-          </a:xfrm>
-          <a:prstGeom prst="line">
-            <a:avLst/>
-          </a:prstGeom>
-          <a:ln w="69850">
-            <a:solidFill>
-              <a:srgbClr val="CD1F28"/>
-            </a:solidFill>
-          </a:ln>
-        </p:spPr>
-        <p:style>
-          <a:lnRef idx="1">
-            <a:schemeClr val="accent1"/>
-          </a:lnRef>
-          <a:fillRef idx="0">
-            <a:schemeClr val="accent1"/>
-          </a:fillRef>
-          <a:effectRef idx="0">
-            <a:schemeClr val="accent1"/>
-          </a:effectRef>
-          <a:fontRef idx="minor">
-            <a:schemeClr val="tx1"/>
-          </a:fontRef>
-        </p:style>
-      </p:cxnSp>
-      <p:sp>
-        <p:nvSpPr>
-          <p:cNvPr id="22" name="TextBox 21"/>
-          <p:cNvSpPr txBox="1"/>
-          <p:nvPr/>
-        </p:nvSpPr>
-        <p:spPr>
-          <a:xfrm rot="16200000">
-            <a:off x="5446088" y="4056352"/>
-            <a:ext cx="1670649" cy="1107996"/>
-          </a:xfrm>
-          <a:prstGeom prst="rect">
-            <a:avLst/>
-          </a:prstGeom>
-          <a:noFill/>
-        </p:spPr>
-        <p:txBody>
-          <a:bodyPr wrap="none" rtlCol="0">
-            <a:spAutoFit/>
-          </a:bodyPr>
-          <a:lstStyle/>
-          <a:p>
-            <a:pPr algn="ctr"/>
-            <a:r>
-              <a:rPr lang="en-US" sz="1100" b="1" dirty="0" smtClean="0">
-                <a:solidFill>
-                  <a:srgbClr val="CD1F28"/>
-                </a:solidFill>
-              </a:rPr>
-              <a:t>Vibrant Ph.D. community</a:t>
-            </a:r>
-            <a:br>
-              <a:rPr lang="en-US" sz="1100" b="1" dirty="0" smtClean="0">
-                <a:solidFill>
-                  <a:srgbClr val="CD1F28"/>
-                </a:solidFill>
-              </a:rPr>
-            </a:br>
-            <a:endParaRPr lang="en-US" sz="1100" b="1" dirty="0" smtClean="0">
-              <a:solidFill>
-                <a:srgbClr val="CD1F28"/>
-              </a:solidFill>
-            </a:endParaRPr>
-          </a:p>
-          <a:p>
-            <a:pPr algn="ctr"/>
-            <a:r>
-              <a:rPr lang="en-US" sz="1100" dirty="0" smtClean="0"/>
-              <a:t>20+ Ph.D.s in SE</a:t>
-            </a:r>
-          </a:p>
-          <a:p>
-            <a:pPr algn="ctr"/>
-            <a:r>
-              <a:rPr lang="en-US" sz="1100" dirty="0" smtClean="0"/>
-              <a:t>4 years of TA support</a:t>
-            </a:r>
-          </a:p>
-          <a:p>
-            <a:pPr algn="ctr"/>
-            <a:r>
-              <a:rPr lang="en-US" sz="1100" dirty="0" smtClean="0"/>
-              <a:t>Mentor opportunities for </a:t>
-            </a:r>
-            <a:r>
-              <a:rPr lang="en-US" sz="1100" dirty="0" smtClean="0"/>
-              <a:t/>
-            </a:r>
-            <a:br>
-              <a:rPr lang="en-US" sz="1100" dirty="0" smtClean="0"/>
-            </a:br>
-            <a:r>
               <a:rPr lang="en-US" sz="1100" dirty="0" err="1" smtClean="0"/>
               <a:t>ugrads</a:t>
             </a:r>
@@ -4106,8 +4029,8 @@
         </p:nvSpPr>
         <p:spPr>
           <a:xfrm rot="16200000">
-            <a:off x="6929514" y="3879379"/>
-            <a:ext cx="1828800" cy="1461939"/>
+            <a:off x="6865506" y="3830815"/>
+            <a:ext cx="1828800" cy="1577355"/>
           </a:xfrm>
           <a:prstGeom prst="rect">
             <a:avLst/>
@@ -4123,7 +4046,7 @@
           <a:lstStyle/>
           <a:p>
             <a:pPr algn="ctr"/>
-            <a:endParaRPr lang="en-US" sz="1600" b="1" dirty="0" smtClean="0">
+            <a:endParaRPr lang="en-US" sz="1600" b="1" dirty="0">
               <a:solidFill>
                 <a:schemeClr val="bg1"/>
               </a:solidFill>
@@ -4271,6 +4194,18 @@
               </a:rPr>
               <a:t> </a:t>
             </a:r>
+            <a:endParaRPr lang="en-US" sz="900" dirty="0" smtClean="0">
+              <a:solidFill>
+                <a:schemeClr val="bg1"/>
+              </a:solidFill>
+            </a:endParaRPr>
+          </a:p>
+          <a:p>
+            <a:pPr algn="ctr">
+              <a:lnSpc>
+                <a:spcPts val="880"/>
+              </a:lnSpc>
+            </a:pPr>
             <a:endParaRPr lang="en-US" sz="900" dirty="0" smtClean="0">
               <a:solidFill>
                 <a:schemeClr val="bg1"/>
@@ -4319,54 +4254,111 @@
           </a:prstGeom>
         </p:spPr>
       </p:pic>
-      <p:pic>
-        <p:nvPicPr>
-          <p:cNvPr id="11" name="Picture 10"/>
-          <p:cNvPicPr>
-            <a:picLocks noChangeAspect="1"/>
-          </p:cNvPicPr>
+      <p:cxnSp>
+        <p:nvCxnSpPr>
+          <p:cNvPr id="4" name="Straight Connector 3"/>
+          <p:cNvCxnSpPr/>
           <p:nvPr/>
-        </p:nvPicPr>
-        <p:blipFill>
-          <a:blip r:embed="rId5"/>
-          <a:stretch>
-            <a:fillRect/>
-          </a:stretch>
-        </p:blipFill>
+        </p:nvCxnSpPr>
         <p:spPr>
           <a:xfrm>
-            <a:off x="8628615" y="1175981"/>
-            <a:ext cx="5486400" cy="1777716"/>
+            <a:off x="1305072" y="3690973"/>
+            <a:ext cx="0" cy="1821811"/>
           </a:xfrm>
-          <a:prstGeom prst="rect">
+          <a:prstGeom prst="line">
             <a:avLst/>
           </a:prstGeom>
+          <a:ln w="133350">
+            <a:solidFill>
+              <a:srgbClr val="C00000"/>
+            </a:solidFill>
+          </a:ln>
         </p:spPr>
-      </p:pic>
-      <p:pic>
-        <p:nvPicPr>
-          <p:cNvPr id="12" name="Picture 11"/>
-          <p:cNvPicPr>
-            <a:picLocks noChangeAspect="1"/>
-          </p:cNvPicPr>
+        <p:style>
+          <a:lnRef idx="1">
+            <a:schemeClr val="accent1"/>
+          </a:lnRef>
+          <a:fillRef idx="0">
+            <a:schemeClr val="accent1"/>
+          </a:fillRef>
+          <a:effectRef idx="0">
+            <a:schemeClr val="accent1"/>
+          </a:effectRef>
+          <a:fontRef idx="minor">
+            <a:schemeClr val="tx1"/>
+          </a:fontRef>
+        </p:style>
+      </p:cxnSp>
+      <p:cxnSp>
+        <p:nvCxnSpPr>
+          <p:cNvPr id="19" name="Straight Connector 18"/>
+          <p:cNvCxnSpPr/>
           <p:nvPr/>
-        </p:nvPicPr>
-        <p:blipFill>
-          <a:blip r:embed="rId6"/>
-          <a:stretch>
-            <a:fillRect/>
-          </a:stretch>
-        </p:blipFill>
+        </p:nvCxnSpPr>
         <p:spPr>
           <a:xfrm>
-            <a:off x="8995285" y="3489388"/>
-            <a:ext cx="5483980" cy="1819656"/>
+            <a:off x="3834912" y="3690971"/>
+            <a:ext cx="0" cy="1828800"/>
           </a:xfrm>
-          <a:prstGeom prst="rect">
+          <a:prstGeom prst="line">
             <a:avLst/>
           </a:prstGeom>
+          <a:ln w="133350">
+            <a:solidFill>
+              <a:srgbClr val="C00000"/>
+            </a:solidFill>
+          </a:ln>
         </p:spPr>
-      </p:pic>
+        <p:style>
+          <a:lnRef idx="1">
+            <a:schemeClr val="accent1"/>
+          </a:lnRef>
+          <a:fillRef idx="0">
+            <a:schemeClr val="accent1"/>
+          </a:fillRef>
+          <a:effectRef idx="0">
+            <a:schemeClr val="accent1"/>
+          </a:effectRef>
+          <a:fontRef idx="minor">
+            <a:schemeClr val="tx1"/>
+          </a:fontRef>
+        </p:style>
+      </p:cxnSp>
+      <p:cxnSp>
+        <p:nvCxnSpPr>
+          <p:cNvPr id="23" name="Straight Connector 22"/>
+          <p:cNvCxnSpPr/>
+          <p:nvPr/>
+        </p:nvCxnSpPr>
+        <p:spPr>
+          <a:xfrm>
+            <a:off x="5642376" y="3697962"/>
+            <a:ext cx="0" cy="1821811"/>
+          </a:xfrm>
+          <a:prstGeom prst="line">
+            <a:avLst/>
+          </a:prstGeom>
+          <a:ln w="133350">
+            <a:solidFill>
+              <a:srgbClr val="C00000"/>
+            </a:solidFill>
+          </a:ln>
+        </p:spPr>
+        <p:style>
+          <a:lnRef idx="1">
+            <a:schemeClr val="accent1"/>
+          </a:lnRef>
+          <a:fillRef idx="0">
+            <a:schemeClr val="accent1"/>
+          </a:fillRef>
+          <a:effectRef idx="0">
+            <a:schemeClr val="accent1"/>
+          </a:effectRef>
+          <a:fontRef idx="minor">
+            <a:schemeClr val="tx1"/>
+          </a:fontRef>
+        </p:style>
+      </p:cxnSp>
     </p:spTree>
     <p:extLst>
       <p:ext uri="{BB962C8B-B14F-4D97-AF65-F5344CB8AC3E}">

--- a/img/bookmark.pptx
+++ b/img/bookmark.pptx
@@ -3482,10 +3482,13 @@
           </a:prstGeom>
           <a:gradFill flip="none" rotWithShape="1">
             <a:gsLst>
-              <a:gs pos="44000">
+              <a:gs pos="69000">
+                <a:srgbClr val="EAA2A6"/>
+              </a:gs>
+              <a:gs pos="41000">
                 <a:srgbClr val="CD1F28"/>
               </a:gs>
-              <a:gs pos="91000">
+              <a:gs pos="100000">
                 <a:schemeClr val="bg1"/>
               </a:gs>
             </a:gsLst>
@@ -3562,7 +3565,7 @@
         </p:nvSpPr>
         <p:spPr>
           <a:xfrm rot="16200000">
-            <a:off x="-54911" y="4334643"/>
+            <a:off x="-118919" y="4334643"/>
             <a:ext cx="1710019" cy="553998"/>
           </a:xfrm>
           <a:prstGeom prst="rect">
@@ -3593,12 +3596,8 @@
               </a:lnSpc>
             </a:pPr>
             <a:r>
-              <a:rPr lang="en-US" b="1" dirty="0" err="1" smtClean="0"/>
-              <a:t>you@ncsu.edu</a:t>
-            </a:r>
-            <a:r>
               <a:rPr lang="en-US" b="1" dirty="0" smtClean="0"/>
-              <a:t>?</a:t>
+              <a:t>you@ncsu.edu?</a:t>
             </a:r>
             <a:endParaRPr lang="en-US" b="1" dirty="0"/>
           </a:p>
@@ -3612,8 +3611,8 @@
         </p:nvSpPr>
         <p:spPr>
           <a:xfrm rot="16200000">
-            <a:off x="1726117" y="3392985"/>
-            <a:ext cx="1843774" cy="2462213"/>
+            <a:off x="1726116" y="3244230"/>
+            <a:ext cx="1843773" cy="2759730"/>
           </a:xfrm>
           <a:prstGeom prst="rect">
             <a:avLst/>
@@ -3633,15 +3632,30 @@
                   <a:srgbClr val="C00000"/>
                 </a:solidFill>
               </a:rPr>
-              <a:t>Active SE Faculty</a:t>
-            </a:r>
-            <a:br>
+              <a:t>Active </a:t>
+            </a:r>
+            <a:r>
               <a:rPr lang="en-US" sz="1300" b="1" dirty="0" smtClean="0">
                 <a:solidFill>
                   <a:srgbClr val="C00000"/>
                 </a:solidFill>
               </a:rPr>
-            </a:br>
+              <a:t>SE</a:t>
+            </a:r>
+          </a:p>
+          <a:p>
+            <a:pPr algn="ctr"/>
+            <a:r>
+              <a:rPr lang="en-US" sz="1300" b="1" dirty="0" smtClean="0">
+                <a:solidFill>
+                  <a:srgbClr val="C00000"/>
+                </a:solidFill>
+              </a:rPr>
+              <a:t>Faculty</a:t>
+            </a:r>
+          </a:p>
+          <a:p>
+            <a:pPr algn="ctr"/>
             <a:endParaRPr lang="en-US" sz="1300" b="1" dirty="0" smtClean="0">
               <a:solidFill>
                 <a:srgbClr val="C00000"/>
@@ -3676,11 +3690,26 @@
             <a:pPr algn="ctr"/>
             <a:r>
               <a:rPr lang="en-US" sz="1100" dirty="0" smtClean="0"/>
-              <a:t>Tim </a:t>
-            </a:r>
-            <a:r>
-              <a:rPr lang="en-US" sz="1100" dirty="0" err="1" smtClean="0"/>
-              <a:t>Menzies</a:t>
+              <a:t>Tim Menzies, </a:t>
+            </a:r>
+            <a:r>
+              <a:rPr lang="en-US" sz="1100" dirty="0" smtClean="0"/>
+              <a:t/>
+            </a:r>
+            <a:br>
+              <a:rPr lang="en-US" sz="1100" dirty="0" smtClean="0"/>
+            </a:br>
+            <a:r>
+              <a:rPr lang="en-US" sz="1100" dirty="0" smtClean="0"/>
+              <a:t>Emerson </a:t>
+            </a:r>
+            <a:r>
+              <a:rPr lang="en-US" sz="1100" dirty="0"/>
+              <a:t> </a:t>
+            </a:r>
+            <a:r>
+              <a:rPr lang="en-US" sz="1100" dirty="0" smtClean="0"/>
+              <a:t>Murphy-Hill</a:t>
             </a:r>
             <a:r>
               <a:rPr lang="en-US" sz="1100" dirty="0" smtClean="0"/>
@@ -3688,7 +3717,14 @@
             </a:r>
             <a:r>
               <a:rPr lang="en-US" sz="1100" dirty="0" smtClean="0"/>
-              <a:t>Emerson </a:t>
+              <a:t/>
+            </a:r>
+            <a:br>
+              <a:rPr lang="en-US" sz="1100" dirty="0" smtClean="0"/>
+            </a:br>
+            <a:r>
+              <a:rPr lang="en-US" sz="1100" dirty="0" smtClean="0"/>
+              <a:t>Chris Parnin,</a:t>
             </a:r>
             <a:endParaRPr lang="en-US" sz="1100" dirty="0" smtClean="0"/>
           </a:p>
@@ -3696,53 +3732,22 @@
             <a:pPr algn="ctr"/>
             <a:r>
               <a:rPr lang="en-US" sz="1100" dirty="0" smtClean="0"/>
-              <a:t>Murphy-Hill, </a:t>
+              <a:t> Kathyrn </a:t>
             </a:r>
             <a:r>
               <a:rPr lang="en-US" sz="1100" dirty="0" smtClean="0"/>
-              <a:t>Chris </a:t>
-            </a:r>
-            <a:r>
-              <a:rPr lang="en-US" sz="1100" dirty="0" err="1" smtClean="0"/>
-              <a:t>Parin</a:t>
-            </a:r>
-            <a:r>
+              <a:t>Stolee</a:t>
+            </a:r>
+            <a:br>
               <a:rPr lang="en-US" sz="1100" dirty="0" smtClean="0"/>
-              <a:t>,</a:t>
-            </a:r>
-          </a:p>
-          <a:p>
-            <a:pPr algn="ctr"/>
+            </a:br>
             <a:r>
               <a:rPr lang="en-US" sz="1100" dirty="0" smtClean="0"/>
-              <a:t> </a:t>
-            </a:r>
-            <a:r>
-              <a:rPr lang="en-US" sz="1100" dirty="0" err="1" smtClean="0"/>
-              <a:t>Kathyrn</a:t>
-            </a:r>
-            <a:r>
+              <a:t/>
+            </a:r>
+            <a:br>
               <a:rPr lang="en-US" sz="1100" dirty="0" smtClean="0"/>
-              <a:t> </a:t>
-            </a:r>
-            <a:r>
-              <a:rPr lang="en-US" sz="1100" dirty="0" err="1" smtClean="0"/>
-              <a:t>Stolee</a:t>
-            </a:r>
-            <a:r>
-              <a:rPr lang="en-US" sz="1100" dirty="0" smtClean="0"/>
-              <a:t>,</a:t>
-            </a:r>
-          </a:p>
-          <a:p>
-            <a:pPr algn="ctr">
-              <a:spcBef>
-                <a:spcPts val="1200"/>
-              </a:spcBef>
-              <a:spcAft>
-                <a:spcPts val="400"/>
-              </a:spcAft>
-            </a:pPr>
+            </a:br>
             <a:r>
               <a:rPr lang="en-US" sz="1100" b="1" i="1" dirty="0" smtClean="0"/>
               <a:t>Teaching</a:t>
@@ -3760,23 +3765,26 @@
             </a:br>
             <a:r>
               <a:rPr lang="en-US" sz="1100" b="1" dirty="0" smtClean="0"/>
-              <a:t> </a:t>
+              <a:t> Jason </a:t>
             </a:r>
             <a:r>
               <a:rPr lang="en-US" sz="1100" b="1" dirty="0" smtClean="0"/>
-              <a:t>Jason King</a:t>
-            </a:r>
-            <a:endParaRPr lang="en-US" sz="1100" i="1" dirty="0" smtClean="0"/>
-          </a:p>
-          <a:p>
-            <a:pPr algn="ctr">
-              <a:spcBef>
-                <a:spcPts val="1200"/>
-              </a:spcBef>
-              <a:spcAft>
-                <a:spcPts val="400"/>
-              </a:spcAft>
-            </a:pPr>
+              <a:t>King</a:t>
+            </a:r>
+            <a:r>
+              <a:rPr lang="en-US" sz="1100" i="1" dirty="0"/>
+              <a:t/>
+            </a:r>
+            <a:br>
+              <a:rPr lang="en-US" sz="1100" i="1" dirty="0"/>
+            </a:br>
+            <a:r>
+              <a:rPr lang="en-US" sz="1100" i="1" dirty="0" smtClean="0"/>
+              <a:t/>
+            </a:r>
+            <a:br>
+              <a:rPr lang="en-US" sz="1100" i="1" dirty="0" smtClean="0"/>
+            </a:br>
             <a:r>
               <a:rPr lang="en-US" sz="1100" i="1" dirty="0" smtClean="0"/>
               <a:t>Adjunct</a:t>
@@ -3790,16 +3798,13 @@
             </a:br>
             <a:r>
               <a:rPr lang="en-US" sz="1100" dirty="0" smtClean="0"/>
-              <a:t>Aldo, </a:t>
-            </a:r>
-            <a:r>
-              <a:rPr lang="en-US" sz="1100" dirty="0" err="1" smtClean="0"/>
-              <a:t>Dagnino</a:t>
+              <a:t>Aldo, Dagnino, Lucas </a:t>
             </a:r>
             <a:r>
               <a:rPr lang="en-US" sz="1100" dirty="0" smtClean="0"/>
-              <a:t>, Lucas Layman</a:t>
-            </a:r>
+              <a:t>Layman</a:t>
+            </a:r>
+            <a:endParaRPr lang="en-US" sz="1100" dirty="0" smtClean="0"/>
           </a:p>
           <a:p>
             <a:pPr algn="ctr">
@@ -3809,14 +3814,6 @@
             </a:pPr>
             <a:endParaRPr lang="en-US" sz="1100" dirty="0" smtClean="0"/>
           </a:p>
-          <a:p>
-            <a:pPr algn="ctr">
-              <a:lnSpc>
-                <a:spcPts val="780"/>
-              </a:lnSpc>
-            </a:pPr>
-            <a:endParaRPr lang="en-US" sz="1100" dirty="0" smtClean="0"/>
-          </a:p>
         </p:txBody>
       </p:sp>
       <p:sp>
@@ -3827,8 +3824,8 @@
         </p:nvSpPr>
         <p:spPr>
           <a:xfrm rot="16200000">
-            <a:off x="3756434" y="3879067"/>
-            <a:ext cx="1856726" cy="1477328"/>
+            <a:off x="3828667" y="3779040"/>
+            <a:ext cx="1803699" cy="1677382"/>
           </a:xfrm>
           <a:prstGeom prst="rect">
             <a:avLst/>
@@ -3848,7 +3845,23 @@
                   <a:srgbClr val="C00000"/>
                 </a:solidFill>
               </a:rPr>
-              <a:t>Local industrial partners</a:t>
+              <a:t>Local industrial </a:t>
+            </a:r>
+            <a:endParaRPr lang="en-US" sz="1300" b="1" dirty="0" smtClean="0">
+              <a:solidFill>
+                <a:srgbClr val="C00000"/>
+              </a:solidFill>
+            </a:endParaRPr>
+          </a:p>
+          <a:p>
+            <a:pPr algn="ctr"/>
+            <a:r>
+              <a:rPr lang="en-US" sz="1300" b="1" dirty="0" smtClean="0">
+                <a:solidFill>
+                  <a:srgbClr val="C00000"/>
+                </a:solidFill>
+              </a:rPr>
+              <a:t>partners</a:t>
             </a:r>
             <a:r>
               <a:rPr lang="en-US" sz="1100" b="1" dirty="0" smtClean="0">
@@ -3915,22 +3928,14 @@
             </a:br>
             <a:r>
               <a:rPr lang="en-US" sz="1100" dirty="0" smtClean="0"/>
-              <a:t> IBM, CISCO, MetLife</a:t>
-            </a:r>
-            <a:r>
-              <a:rPr lang="en-US" sz="1100" dirty="0" smtClean="0"/>
-              <a:t>,</a:t>
+              <a:t> IBM, CISCO, MetLife,</a:t>
             </a:r>
             <a:br>
               <a:rPr lang="en-US" sz="1100" dirty="0" smtClean="0"/>
             </a:br>
             <a:r>
               <a:rPr lang="en-US" sz="1100" dirty="0" smtClean="0"/>
-              <a:t> </a:t>
-            </a:r>
-            <a:r>
-              <a:rPr lang="en-US" sz="1100" dirty="0" smtClean="0"/>
-              <a:t>and more.</a:t>
+              <a:t> and more.</a:t>
             </a:r>
           </a:p>
         </p:txBody>
@@ -3943,8 +3948,8 @@
         </p:nvSpPr>
         <p:spPr>
           <a:xfrm rot="16200000">
-            <a:off x="5448327" y="4043375"/>
-            <a:ext cx="1800044" cy="1138773"/>
+            <a:off x="5520237" y="3951042"/>
+            <a:ext cx="1656223" cy="1323439"/>
           </a:xfrm>
           <a:prstGeom prst="rect">
             <a:avLst/>
@@ -3964,7 +3969,34 @@
                   <a:srgbClr val="CD1F28"/>
                 </a:solidFill>
               </a:rPr>
-              <a:t>Vibrant Ph.D. community</a:t>
+              <a:t>Vibrant </a:t>
+            </a:r>
+            <a:r>
+              <a:rPr lang="en-US" sz="1200" b="1" dirty="0" smtClean="0">
+                <a:solidFill>
+                  <a:srgbClr val="CD1F28"/>
+                </a:solidFill>
+              </a:rPr>
+              <a:t>Ph.D.</a:t>
+            </a:r>
+          </a:p>
+          <a:p>
+            <a:pPr algn="ctr"/>
+            <a:r>
+              <a:rPr lang="en-US" sz="1200" b="1" dirty="0" smtClean="0">
+                <a:solidFill>
+                  <a:srgbClr val="CD1F28"/>
+                </a:solidFill>
+              </a:rPr>
+              <a:t>community</a:t>
+            </a:r>
+            <a:r>
+              <a:rPr lang="en-US" sz="1200" b="1" dirty="0" smtClean="0">
+                <a:solidFill>
+                  <a:srgbClr val="CD1F28"/>
+                </a:solidFill>
+              </a:rPr>
+              <a:t/>
             </a:r>
             <a:br>
               <a:rPr lang="en-US" sz="1200" b="1" dirty="0" smtClean="0">
@@ -3999,24 +4031,16 @@
               <a:rPr lang="en-US" sz="1100" dirty="0" smtClean="0"/>
               <a:t>Mentor opportunities for </a:t>
             </a:r>
-            <a:r>
-              <a:rPr lang="en-US" sz="1100" dirty="0" smtClean="0"/>
-              <a:t/>
-            </a:r>
             <a:br>
               <a:rPr lang="en-US" sz="1100" dirty="0" smtClean="0"/>
             </a:br>
             <a:r>
-              <a:rPr lang="en-US" sz="1100" dirty="0" err="1" smtClean="0"/>
-              <a:t>ugrads</a:t>
-            </a:r>
-            <a:r>
               <a:rPr lang="en-US" sz="1100" dirty="0" smtClean="0"/>
-              <a:t>(NSF </a:t>
+              <a:t>ugrads (</a:t>
             </a:r>
             <a:r>
               <a:rPr lang="en-US" sz="1100" dirty="0" smtClean="0"/>
-              <a:t>REU)</a:t>
+              <a:t>NSF REU)</a:t>
             </a:r>
           </a:p>
         </p:txBody>
@@ -4029,7 +4053,7 @@
         </p:nvSpPr>
         <p:spPr>
           <a:xfrm rot="16200000">
-            <a:off x="6865506" y="3830815"/>
+            <a:off x="6865506" y="3823320"/>
             <a:ext cx="1828800" cy="1577355"/>
           </a:xfrm>
           <a:prstGeom prst="rect">
@@ -4060,15 +4084,7 @@
                   <a:schemeClr val="bg1"/>
                 </a:solidFill>
               </a:rPr>
-              <a:t>Learn </a:t>
-            </a:r>
-            <a:r>
-              <a:rPr lang="en-US" sz="1600" b="1" dirty="0" smtClean="0">
-                <a:solidFill>
-                  <a:schemeClr val="bg1"/>
-                </a:solidFill>
-              </a:rPr>
-              <a:t>more!</a:t>
+              <a:t>Learn more!</a:t>
             </a:r>
             <a:br>
               <a:rPr lang="en-US" sz="1600" b="1" dirty="0" smtClean="0">
@@ -4176,29 +4192,8 @@
                   <a:schemeClr val="bg1"/>
                 </a:solidFill>
               </a:rPr>
-              <a:t>Contact: </a:t>
-            </a:r>
-            <a:r>
-              <a:rPr lang="en-US" sz="900" dirty="0" err="1" smtClean="0">
-                <a:solidFill>
-                  <a:schemeClr val="bg1"/>
-                </a:solidFill>
-              </a:rPr>
-              <a:t>williams@csc.ncsu.edu</a:t>
-            </a:r>
-            <a:r>
-              <a:rPr lang="en-US" sz="900" dirty="0" smtClean="0">
-                <a:solidFill>
-                  <a:schemeClr val="bg1"/>
-                </a:solidFill>
-              </a:rPr>
-              <a:t> </a:t>
-            </a:r>
-            <a:endParaRPr lang="en-US" sz="900" dirty="0" smtClean="0">
-              <a:solidFill>
-                <a:schemeClr val="bg1"/>
-              </a:solidFill>
-            </a:endParaRPr>
+              <a:t>Contact: williams@csc.ncsu.edu </a:t>
+            </a:r>
           </a:p>
           <a:p>
             <a:pPr algn="ctr">
@@ -4262,7 +4257,7 @@
         </p:nvCxnSpPr>
         <p:spPr>
           <a:xfrm>
-            <a:off x="1305072" y="3690973"/>
+            <a:off x="1186200" y="3690973"/>
             <a:ext cx="0" cy="1821811"/>
           </a:xfrm>
           <a:prstGeom prst="line">
@@ -4359,6 +4354,54 @@
           </a:fontRef>
         </p:style>
       </p:cxnSp>
+      <p:pic>
+        <p:nvPicPr>
+          <p:cNvPr id="2" name="Picture 1"/>
+          <p:cNvPicPr>
+            <a:picLocks noChangeAspect="1"/>
+          </p:cNvPicPr>
+          <p:nvPr/>
+        </p:nvPicPr>
+        <p:blipFill>
+          <a:blip r:embed="rId5"/>
+          <a:stretch>
+            <a:fillRect/>
+          </a:stretch>
+        </p:blipFill>
+        <p:spPr>
+          <a:xfrm>
+            <a:off x="8987654" y="1175981"/>
+            <a:ext cx="8300175" cy="1861297"/>
+          </a:xfrm>
+          <a:prstGeom prst="rect">
+            <a:avLst/>
+          </a:prstGeom>
+        </p:spPr>
+      </p:pic>
+      <p:pic>
+        <p:nvPicPr>
+          <p:cNvPr id="6" name="Picture 5"/>
+          <p:cNvPicPr>
+            <a:picLocks noChangeAspect="1"/>
+          </p:cNvPicPr>
+          <p:nvPr/>
+        </p:nvPicPr>
+        <p:blipFill>
+          <a:blip r:embed="rId6"/>
+          <a:stretch>
+            <a:fillRect/>
+          </a:stretch>
+        </p:blipFill>
+        <p:spPr>
+          <a:xfrm>
+            <a:off x="8786788" y="3636506"/>
+            <a:ext cx="8432245" cy="1909476"/>
+          </a:xfrm>
+          <a:prstGeom prst="rect">
+            <a:avLst/>
+          </a:prstGeom>
+        </p:spPr>
+      </p:pic>
     </p:spTree>
     <p:extLst>
       <p:ext uri="{BB962C8B-B14F-4D97-AF65-F5344CB8AC3E}">
